--- a/Chapter3/Figures/Fig7.pptx
+++ b/Chapter3/Figures/Fig7.pptx
@@ -7,14 +7,14 @@
   <p:sldIdLst>
     <p:sldId id="256" r:id="rId2"/>
   </p:sldIdLst>
-  <p:sldSz cx="14401800" cy="3600450"/>
+  <p:sldSz cx="8640763" cy="6121400"/>
   <p:notesSz cx="6858000" cy="9144000"/>
   <p:defaultTextStyle>
     <a:defPPr>
       <a:defRPr lang="en-US"/>
     </a:defPPr>
-    <a:lvl1pPr marL="0" algn="l" defTabSz="914400" rtl="0" eaLnBrk="1" latinLnBrk="0" hangingPunct="1">
-      <a:defRPr sz="1800" kern="1200">
+    <a:lvl1pPr marL="0" algn="l" defTabSz="713141" rtl="0" eaLnBrk="1" latinLnBrk="0" hangingPunct="1">
+      <a:defRPr sz="1400" kern="1200">
         <a:solidFill>
           <a:schemeClr val="tx1"/>
         </a:solidFill>
@@ -23,8 +23,8 @@
         <a:cs typeface="+mn-cs"/>
       </a:defRPr>
     </a:lvl1pPr>
-    <a:lvl2pPr marL="457200" algn="l" defTabSz="914400" rtl="0" eaLnBrk="1" latinLnBrk="0" hangingPunct="1">
-      <a:defRPr sz="1800" kern="1200">
+    <a:lvl2pPr marL="356570" algn="l" defTabSz="713141" rtl="0" eaLnBrk="1" latinLnBrk="0" hangingPunct="1">
+      <a:defRPr sz="1400" kern="1200">
         <a:solidFill>
           <a:schemeClr val="tx1"/>
         </a:solidFill>
@@ -33,8 +33,8 @@
         <a:cs typeface="+mn-cs"/>
       </a:defRPr>
     </a:lvl2pPr>
-    <a:lvl3pPr marL="914400" algn="l" defTabSz="914400" rtl="0" eaLnBrk="1" latinLnBrk="0" hangingPunct="1">
-      <a:defRPr sz="1800" kern="1200">
+    <a:lvl3pPr marL="713141" algn="l" defTabSz="713141" rtl="0" eaLnBrk="1" latinLnBrk="0" hangingPunct="1">
+      <a:defRPr sz="1400" kern="1200">
         <a:solidFill>
           <a:schemeClr val="tx1"/>
         </a:solidFill>
@@ -43,8 +43,8 @@
         <a:cs typeface="+mn-cs"/>
       </a:defRPr>
     </a:lvl3pPr>
-    <a:lvl4pPr marL="1371600" algn="l" defTabSz="914400" rtl="0" eaLnBrk="1" latinLnBrk="0" hangingPunct="1">
-      <a:defRPr sz="1800" kern="1200">
+    <a:lvl4pPr marL="1069711" algn="l" defTabSz="713141" rtl="0" eaLnBrk="1" latinLnBrk="0" hangingPunct="1">
+      <a:defRPr sz="1400" kern="1200">
         <a:solidFill>
           <a:schemeClr val="tx1"/>
         </a:solidFill>
@@ -53,8 +53,8 @@
         <a:cs typeface="+mn-cs"/>
       </a:defRPr>
     </a:lvl4pPr>
-    <a:lvl5pPr marL="1828800" algn="l" defTabSz="914400" rtl="0" eaLnBrk="1" latinLnBrk="0" hangingPunct="1">
-      <a:defRPr sz="1800" kern="1200">
+    <a:lvl5pPr marL="1426281" algn="l" defTabSz="713141" rtl="0" eaLnBrk="1" latinLnBrk="0" hangingPunct="1">
+      <a:defRPr sz="1400" kern="1200">
         <a:solidFill>
           <a:schemeClr val="tx1"/>
         </a:solidFill>
@@ -63,8 +63,8 @@
         <a:cs typeface="+mn-cs"/>
       </a:defRPr>
     </a:lvl5pPr>
-    <a:lvl6pPr marL="2286000" algn="l" defTabSz="914400" rtl="0" eaLnBrk="1" latinLnBrk="0" hangingPunct="1">
-      <a:defRPr sz="1800" kern="1200">
+    <a:lvl6pPr marL="1782851" algn="l" defTabSz="713141" rtl="0" eaLnBrk="1" latinLnBrk="0" hangingPunct="1">
+      <a:defRPr sz="1400" kern="1200">
         <a:solidFill>
           <a:schemeClr val="tx1"/>
         </a:solidFill>
@@ -73,8 +73,8 @@
         <a:cs typeface="+mn-cs"/>
       </a:defRPr>
     </a:lvl6pPr>
-    <a:lvl7pPr marL="2743200" algn="l" defTabSz="914400" rtl="0" eaLnBrk="1" latinLnBrk="0" hangingPunct="1">
-      <a:defRPr sz="1800" kern="1200">
+    <a:lvl7pPr marL="2139422" algn="l" defTabSz="713141" rtl="0" eaLnBrk="1" latinLnBrk="0" hangingPunct="1">
+      <a:defRPr sz="1400" kern="1200">
         <a:solidFill>
           <a:schemeClr val="tx1"/>
         </a:solidFill>
@@ -83,8 +83,8 @@
         <a:cs typeface="+mn-cs"/>
       </a:defRPr>
     </a:lvl7pPr>
-    <a:lvl8pPr marL="3200400" algn="l" defTabSz="914400" rtl="0" eaLnBrk="1" latinLnBrk="0" hangingPunct="1">
-      <a:defRPr sz="1800" kern="1200">
+    <a:lvl8pPr marL="2495992" algn="l" defTabSz="713141" rtl="0" eaLnBrk="1" latinLnBrk="0" hangingPunct="1">
+      <a:defRPr sz="1400" kern="1200">
         <a:solidFill>
           <a:schemeClr val="tx1"/>
         </a:solidFill>
@@ -93,8 +93,8 @@
         <a:cs typeface="+mn-cs"/>
       </a:defRPr>
     </a:lvl8pPr>
-    <a:lvl9pPr marL="3657600" algn="l" defTabSz="914400" rtl="0" eaLnBrk="1" latinLnBrk="0" hangingPunct="1">
-      <a:defRPr sz="1800" kern="1200">
+    <a:lvl9pPr marL="2852562" algn="l" defTabSz="713141" rtl="0" eaLnBrk="1" latinLnBrk="0" hangingPunct="1">
+      <a:defRPr sz="1400" kern="1200">
         <a:solidFill>
           <a:schemeClr val="tx1"/>
         </a:solidFill>
@@ -136,8 +136,8 @@
         </p:nvSpPr>
         <p:spPr>
           <a:xfrm>
-            <a:off x="1080135" y="1118476"/>
-            <a:ext cx="12241531" cy="771763"/>
+            <a:off x="648059" y="1901608"/>
+            <a:ext cx="7344649" cy="1312134"/>
           </a:xfrm>
         </p:spPr>
         <p:txBody>
@@ -164,8 +164,8 @@
         </p:nvSpPr>
         <p:spPr>
           <a:xfrm>
-            <a:off x="2160271" y="2040258"/>
-            <a:ext cx="10081260" cy="920115"/>
+            <a:off x="1296115" y="3468800"/>
+            <a:ext cx="6048535" cy="1564358"/>
           </a:xfrm>
         </p:spPr>
         <p:txBody>
@@ -181,7 +181,7 @@
                 </a:solidFill>
               </a:defRPr>
             </a:lvl1pPr>
-            <a:lvl2pPr marL="457200" indent="0" algn="ctr">
+            <a:lvl2pPr marL="356570" indent="0" algn="ctr">
               <a:buNone/>
               <a:defRPr>
                 <a:solidFill>
@@ -191,7 +191,7 @@
                 </a:solidFill>
               </a:defRPr>
             </a:lvl2pPr>
-            <a:lvl3pPr marL="914400" indent="0" algn="ctr">
+            <a:lvl3pPr marL="713141" indent="0" algn="ctr">
               <a:buNone/>
               <a:defRPr>
                 <a:solidFill>
@@ -201,7 +201,7 @@
                 </a:solidFill>
               </a:defRPr>
             </a:lvl3pPr>
-            <a:lvl4pPr marL="1371600" indent="0" algn="ctr">
+            <a:lvl4pPr marL="1069711" indent="0" algn="ctr">
               <a:buNone/>
               <a:defRPr>
                 <a:solidFill>
@@ -211,7 +211,7 @@
                 </a:solidFill>
               </a:defRPr>
             </a:lvl4pPr>
-            <a:lvl5pPr marL="1828800" indent="0" algn="ctr">
+            <a:lvl5pPr marL="1426281" indent="0" algn="ctr">
               <a:buNone/>
               <a:defRPr>
                 <a:solidFill>
@@ -221,7 +221,7 @@
                 </a:solidFill>
               </a:defRPr>
             </a:lvl5pPr>
-            <a:lvl6pPr marL="2286000" indent="0" algn="ctr">
+            <a:lvl6pPr marL="1782851" indent="0" algn="ctr">
               <a:buNone/>
               <a:defRPr>
                 <a:solidFill>
@@ -231,7 +231,7 @@
                 </a:solidFill>
               </a:defRPr>
             </a:lvl6pPr>
-            <a:lvl7pPr marL="2743200" indent="0" algn="ctr">
+            <a:lvl7pPr marL="2139422" indent="0" algn="ctr">
               <a:buNone/>
               <a:defRPr>
                 <a:solidFill>
@@ -241,7 +241,7 @@
                 </a:solidFill>
               </a:defRPr>
             </a:lvl7pPr>
-            <a:lvl8pPr marL="3200400" indent="0" algn="ctr">
+            <a:lvl8pPr marL="2495992" indent="0" algn="ctr">
               <a:buNone/>
               <a:defRPr>
                 <a:solidFill>
@@ -251,7 +251,7 @@
                 </a:solidFill>
               </a:defRPr>
             </a:lvl8pPr>
-            <a:lvl9pPr marL="3657600" indent="0" algn="ctr">
+            <a:lvl9pPr marL="2852562" indent="0" algn="ctr">
               <a:buNone/>
               <a:defRPr>
                 <a:solidFill>
@@ -288,7 +288,7 @@
           <a:p>
             <a:fld id="{DD015247-60B9-4D54-BD6B-C1C3EA51958A}" type="datetimeFigureOut">
               <a:rPr lang="en-GB" smtClean="0"/>
-              <a:t>16/06/2014</a:t>
+              <a:t>14/07/2014</a:t>
             </a:fld>
             <a:endParaRPr lang="en-GB"/>
           </a:p>
@@ -458,7 +458,7 @@
           <a:p>
             <a:fld id="{DD015247-60B9-4D54-BD6B-C1C3EA51958A}" type="datetimeFigureOut">
               <a:rPr lang="en-GB" smtClean="0"/>
-              <a:t>16/06/2014</a:t>
+              <a:t>14/07/2014</a:t>
             </a:fld>
             <a:endParaRPr lang="en-GB"/>
           </a:p>
@@ -548,8 +548,8 @@
         </p:nvSpPr>
         <p:spPr>
           <a:xfrm>
-            <a:off x="10441306" y="144188"/>
-            <a:ext cx="3240405" cy="3072051"/>
+            <a:off x="6264555" y="245147"/>
+            <a:ext cx="1944172" cy="5223029"/>
           </a:xfrm>
         </p:spPr>
         <p:txBody>
@@ -576,8 +576,8 @@
         </p:nvSpPr>
         <p:spPr>
           <a:xfrm>
-            <a:off x="720090" y="144188"/>
-            <a:ext cx="9481186" cy="3072051"/>
+            <a:off x="432039" y="245147"/>
+            <a:ext cx="5688503" cy="5223029"/>
           </a:xfrm>
         </p:spPr>
         <p:txBody>
@@ -638,7 +638,7 @@
           <a:p>
             <a:fld id="{DD015247-60B9-4D54-BD6B-C1C3EA51958A}" type="datetimeFigureOut">
               <a:rPr lang="en-GB" smtClean="0"/>
-              <a:t>16/06/2014</a:t>
+              <a:t>14/07/2014</a:t>
             </a:fld>
             <a:endParaRPr lang="en-GB"/>
           </a:p>
@@ -808,7 +808,7 @@
           <a:p>
             <a:fld id="{DD015247-60B9-4D54-BD6B-C1C3EA51958A}" type="datetimeFigureOut">
               <a:rPr lang="en-GB" smtClean="0"/>
-              <a:t>16/06/2014</a:t>
+              <a:t>14/07/2014</a:t>
             </a:fld>
             <a:endParaRPr lang="en-GB"/>
           </a:p>
@@ -898,15 +898,15 @@
         </p:nvSpPr>
         <p:spPr>
           <a:xfrm>
-            <a:off x="1137643" y="2313626"/>
-            <a:ext cx="12241531" cy="715089"/>
+            <a:off x="682562" y="3933573"/>
+            <a:ext cx="7344649" cy="1215778"/>
           </a:xfrm>
         </p:spPr>
         <p:txBody>
           <a:bodyPr anchor="t"/>
           <a:lstStyle>
             <a:lvl1pPr algn="l">
-              <a:defRPr sz="4000" b="1" cap="all"/>
+              <a:defRPr sz="3100" b="1" cap="all"/>
             </a:lvl1pPr>
           </a:lstStyle>
           <a:p>
@@ -930,8 +930,8 @@
         </p:nvSpPr>
         <p:spPr>
           <a:xfrm>
-            <a:off x="1137643" y="1526025"/>
-            <a:ext cx="12241531" cy="787598"/>
+            <a:off x="682562" y="2594513"/>
+            <a:ext cx="7344649" cy="1339056"/>
           </a:xfrm>
         </p:spPr>
         <p:txBody>
@@ -939,7 +939,7 @@
           <a:lstStyle>
             <a:lvl1pPr marL="0" indent="0">
               <a:buNone/>
-              <a:defRPr sz="2000">
+              <a:defRPr sz="1600">
                 <a:solidFill>
                   <a:schemeClr val="tx1">
                     <a:tint val="75000"/>
@@ -947,9 +947,9 @@
                 </a:solidFill>
               </a:defRPr>
             </a:lvl1pPr>
-            <a:lvl2pPr marL="457200" indent="0">
-              <a:buNone/>
-              <a:defRPr sz="1800">
+            <a:lvl2pPr marL="356570" indent="0">
+              <a:buNone/>
+              <a:defRPr sz="1400">
                 <a:solidFill>
                   <a:schemeClr val="tx1">
                     <a:tint val="75000"/>
@@ -957,9 +957,9 @@
                 </a:solidFill>
               </a:defRPr>
             </a:lvl2pPr>
-            <a:lvl3pPr marL="914400" indent="0">
-              <a:buNone/>
-              <a:defRPr sz="1600">
+            <a:lvl3pPr marL="713141" indent="0">
+              <a:buNone/>
+              <a:defRPr sz="1200">
                 <a:solidFill>
                   <a:schemeClr val="tx1">
                     <a:tint val="75000"/>
@@ -967,9 +967,9 @@
                 </a:solidFill>
               </a:defRPr>
             </a:lvl3pPr>
-            <a:lvl4pPr marL="1371600" indent="0">
-              <a:buNone/>
-              <a:defRPr sz="1400">
+            <a:lvl4pPr marL="1069711" indent="0">
+              <a:buNone/>
+              <a:defRPr sz="1100">
                 <a:solidFill>
                   <a:schemeClr val="tx1">
                     <a:tint val="75000"/>
@@ -977,9 +977,9 @@
                 </a:solidFill>
               </a:defRPr>
             </a:lvl4pPr>
-            <a:lvl5pPr marL="1828800" indent="0">
-              <a:buNone/>
-              <a:defRPr sz="1400">
+            <a:lvl5pPr marL="1426281" indent="0">
+              <a:buNone/>
+              <a:defRPr sz="1100">
                 <a:solidFill>
                   <a:schemeClr val="tx1">
                     <a:tint val="75000"/>
@@ -987,9 +987,9 @@
                 </a:solidFill>
               </a:defRPr>
             </a:lvl5pPr>
-            <a:lvl6pPr marL="2286000" indent="0">
-              <a:buNone/>
-              <a:defRPr sz="1400">
+            <a:lvl6pPr marL="1782851" indent="0">
+              <a:buNone/>
+              <a:defRPr sz="1100">
                 <a:solidFill>
                   <a:schemeClr val="tx1">
                     <a:tint val="75000"/>
@@ -997,9 +997,9 @@
                 </a:solidFill>
               </a:defRPr>
             </a:lvl6pPr>
-            <a:lvl7pPr marL="2743200" indent="0">
-              <a:buNone/>
-              <a:defRPr sz="1400">
+            <a:lvl7pPr marL="2139422" indent="0">
+              <a:buNone/>
+              <a:defRPr sz="1100">
                 <a:solidFill>
                   <a:schemeClr val="tx1">
                     <a:tint val="75000"/>
@@ -1007,9 +1007,9 @@
                 </a:solidFill>
               </a:defRPr>
             </a:lvl7pPr>
-            <a:lvl8pPr marL="3200400" indent="0">
-              <a:buNone/>
-              <a:defRPr sz="1400">
+            <a:lvl8pPr marL="2495992" indent="0">
+              <a:buNone/>
+              <a:defRPr sz="1100">
                 <a:solidFill>
                   <a:schemeClr val="tx1">
                     <a:tint val="75000"/>
@@ -1017,9 +1017,9 @@
                 </a:solidFill>
               </a:defRPr>
             </a:lvl8pPr>
-            <a:lvl9pPr marL="3657600" indent="0">
-              <a:buNone/>
-              <a:defRPr sz="1400">
+            <a:lvl9pPr marL="2852562" indent="0">
+              <a:buNone/>
+              <a:defRPr sz="1100">
                 <a:solidFill>
                   <a:schemeClr val="tx1">
                     <a:tint val="75000"/>
@@ -1054,7 +1054,7 @@
           <a:p>
             <a:fld id="{DD015247-60B9-4D54-BD6B-C1C3EA51958A}" type="datetimeFigureOut">
               <a:rPr lang="en-GB" smtClean="0"/>
-              <a:t>16/06/2014</a:t>
+              <a:t>14/07/2014</a:t>
             </a:fld>
             <a:endParaRPr lang="en-GB"/>
           </a:p>
@@ -1167,39 +1167,39 @@
         </p:nvSpPr>
         <p:spPr>
           <a:xfrm>
-            <a:off x="720091" y="840108"/>
-            <a:ext cx="6360795" cy="2376131"/>
+            <a:off x="432040" y="1428334"/>
+            <a:ext cx="3816337" cy="4039842"/>
           </a:xfrm>
         </p:spPr>
         <p:txBody>
           <a:bodyPr/>
           <a:lstStyle>
             <a:lvl1pPr>
-              <a:defRPr sz="2800"/>
+              <a:defRPr sz="2200"/>
             </a:lvl1pPr>
             <a:lvl2pPr>
-              <a:defRPr sz="2400"/>
+              <a:defRPr sz="1900"/>
             </a:lvl2pPr>
             <a:lvl3pPr>
-              <a:defRPr sz="2000"/>
+              <a:defRPr sz="1600"/>
             </a:lvl3pPr>
             <a:lvl4pPr>
-              <a:defRPr sz="1800"/>
+              <a:defRPr sz="1400"/>
             </a:lvl4pPr>
             <a:lvl5pPr>
-              <a:defRPr sz="1800"/>
+              <a:defRPr sz="1400"/>
             </a:lvl5pPr>
             <a:lvl6pPr>
-              <a:defRPr sz="1800"/>
+              <a:defRPr sz="1400"/>
             </a:lvl6pPr>
             <a:lvl7pPr>
-              <a:defRPr sz="1800"/>
+              <a:defRPr sz="1400"/>
             </a:lvl7pPr>
             <a:lvl8pPr>
-              <a:defRPr sz="1800"/>
+              <a:defRPr sz="1400"/>
             </a:lvl8pPr>
             <a:lvl9pPr>
-              <a:defRPr sz="1800"/>
+              <a:defRPr sz="1400"/>
             </a:lvl9pPr>
           </a:lstStyle>
           <a:p>
@@ -1252,39 +1252,39 @@
         </p:nvSpPr>
         <p:spPr>
           <a:xfrm>
-            <a:off x="7320915" y="840108"/>
-            <a:ext cx="6360795" cy="2376131"/>
+            <a:off x="4392390" y="1428334"/>
+            <a:ext cx="3816337" cy="4039842"/>
           </a:xfrm>
         </p:spPr>
         <p:txBody>
           <a:bodyPr/>
           <a:lstStyle>
             <a:lvl1pPr>
-              <a:defRPr sz="2800"/>
+              <a:defRPr sz="2200"/>
             </a:lvl1pPr>
             <a:lvl2pPr>
-              <a:defRPr sz="2400"/>
+              <a:defRPr sz="1900"/>
             </a:lvl2pPr>
             <a:lvl3pPr>
-              <a:defRPr sz="2000"/>
+              <a:defRPr sz="1600"/>
             </a:lvl3pPr>
             <a:lvl4pPr>
-              <a:defRPr sz="1800"/>
+              <a:defRPr sz="1400"/>
             </a:lvl4pPr>
             <a:lvl5pPr>
-              <a:defRPr sz="1800"/>
+              <a:defRPr sz="1400"/>
             </a:lvl5pPr>
             <a:lvl6pPr>
-              <a:defRPr sz="1800"/>
+              <a:defRPr sz="1400"/>
             </a:lvl6pPr>
             <a:lvl7pPr>
-              <a:defRPr sz="1800"/>
+              <a:defRPr sz="1400"/>
             </a:lvl7pPr>
             <a:lvl8pPr>
-              <a:defRPr sz="1800"/>
+              <a:defRPr sz="1400"/>
             </a:lvl8pPr>
             <a:lvl9pPr>
-              <a:defRPr sz="1800"/>
+              <a:defRPr sz="1400"/>
             </a:lvl9pPr>
           </a:lstStyle>
           <a:p>
@@ -1342,7 +1342,7 @@
           <a:p>
             <a:fld id="{DD015247-60B9-4D54-BD6B-C1C3EA51958A}" type="datetimeFigureOut">
               <a:rPr lang="en-GB" smtClean="0"/>
-              <a:t>16/06/2014</a:t>
+              <a:t>14/07/2014</a:t>
             </a:fld>
             <a:endParaRPr lang="en-GB"/>
           </a:p>
@@ -1459,8 +1459,8 @@
         </p:nvSpPr>
         <p:spPr>
           <a:xfrm>
-            <a:off x="720091" y="805936"/>
-            <a:ext cx="6363296" cy="335875"/>
+            <a:off x="432039" y="1370235"/>
+            <a:ext cx="3817838" cy="571047"/>
           </a:xfrm>
         </p:spPr>
         <p:txBody>
@@ -1468,39 +1468,39 @@
           <a:lstStyle>
             <a:lvl1pPr marL="0" indent="0">
               <a:buNone/>
-              <a:defRPr sz="2400" b="1"/>
+              <a:defRPr sz="1900" b="1"/>
             </a:lvl1pPr>
-            <a:lvl2pPr marL="457200" indent="0">
-              <a:buNone/>
-              <a:defRPr sz="2000" b="1"/>
+            <a:lvl2pPr marL="356570" indent="0">
+              <a:buNone/>
+              <a:defRPr sz="1600" b="1"/>
             </a:lvl2pPr>
-            <a:lvl3pPr marL="914400" indent="0">
-              <a:buNone/>
-              <a:defRPr sz="1800" b="1"/>
+            <a:lvl3pPr marL="713141" indent="0">
+              <a:buNone/>
+              <a:defRPr sz="1400" b="1"/>
             </a:lvl3pPr>
-            <a:lvl4pPr marL="1371600" indent="0">
-              <a:buNone/>
-              <a:defRPr sz="1600" b="1"/>
+            <a:lvl4pPr marL="1069711" indent="0">
+              <a:buNone/>
+              <a:defRPr sz="1200" b="1"/>
             </a:lvl4pPr>
-            <a:lvl5pPr marL="1828800" indent="0">
-              <a:buNone/>
-              <a:defRPr sz="1600" b="1"/>
+            <a:lvl5pPr marL="1426281" indent="0">
+              <a:buNone/>
+              <a:defRPr sz="1200" b="1"/>
             </a:lvl5pPr>
-            <a:lvl6pPr marL="2286000" indent="0">
-              <a:buNone/>
-              <a:defRPr sz="1600" b="1"/>
+            <a:lvl6pPr marL="1782851" indent="0">
+              <a:buNone/>
+              <a:defRPr sz="1200" b="1"/>
             </a:lvl6pPr>
-            <a:lvl7pPr marL="2743200" indent="0">
-              <a:buNone/>
-              <a:defRPr sz="1600" b="1"/>
+            <a:lvl7pPr marL="2139422" indent="0">
+              <a:buNone/>
+              <a:defRPr sz="1200" b="1"/>
             </a:lvl7pPr>
-            <a:lvl8pPr marL="3200400" indent="0">
-              <a:buNone/>
-              <a:defRPr sz="1600" b="1"/>
+            <a:lvl8pPr marL="2495992" indent="0">
+              <a:buNone/>
+              <a:defRPr sz="1200" b="1"/>
             </a:lvl8pPr>
-            <a:lvl9pPr marL="3657600" indent="0">
-              <a:buNone/>
-              <a:defRPr sz="1600" b="1"/>
+            <a:lvl9pPr marL="2852562" indent="0">
+              <a:buNone/>
+              <a:defRPr sz="1200" b="1"/>
             </a:lvl9pPr>
           </a:lstStyle>
           <a:p>
@@ -1524,39 +1524,39 @@
         </p:nvSpPr>
         <p:spPr>
           <a:xfrm>
-            <a:off x="720091" y="1141809"/>
-            <a:ext cx="6363296" cy="2074426"/>
+            <a:off x="432039" y="1941278"/>
+            <a:ext cx="3817838" cy="3526890"/>
           </a:xfrm>
         </p:spPr>
         <p:txBody>
           <a:bodyPr/>
           <a:lstStyle>
             <a:lvl1pPr>
-              <a:defRPr sz="2400"/>
+              <a:defRPr sz="1900"/>
             </a:lvl1pPr>
             <a:lvl2pPr>
-              <a:defRPr sz="2000"/>
+              <a:defRPr sz="1600"/>
             </a:lvl2pPr>
             <a:lvl3pPr>
-              <a:defRPr sz="1800"/>
+              <a:defRPr sz="1400"/>
             </a:lvl3pPr>
             <a:lvl4pPr>
-              <a:defRPr sz="1600"/>
+              <a:defRPr sz="1200"/>
             </a:lvl4pPr>
             <a:lvl5pPr>
-              <a:defRPr sz="1600"/>
+              <a:defRPr sz="1200"/>
             </a:lvl5pPr>
             <a:lvl6pPr>
-              <a:defRPr sz="1600"/>
+              <a:defRPr sz="1200"/>
             </a:lvl6pPr>
             <a:lvl7pPr>
-              <a:defRPr sz="1600"/>
+              <a:defRPr sz="1200"/>
             </a:lvl7pPr>
             <a:lvl8pPr>
-              <a:defRPr sz="1600"/>
+              <a:defRPr sz="1200"/>
             </a:lvl8pPr>
             <a:lvl9pPr>
-              <a:defRPr sz="1600"/>
+              <a:defRPr sz="1200"/>
             </a:lvl9pPr>
           </a:lstStyle>
           <a:p>
@@ -1609,8 +1609,8 @@
         </p:nvSpPr>
         <p:spPr>
           <a:xfrm>
-            <a:off x="7315917" y="805936"/>
-            <a:ext cx="6365796" cy="335875"/>
+            <a:off x="4389390" y="1370235"/>
+            <a:ext cx="3819338" cy="571047"/>
           </a:xfrm>
         </p:spPr>
         <p:txBody>
@@ -1618,39 +1618,39 @@
           <a:lstStyle>
             <a:lvl1pPr marL="0" indent="0">
               <a:buNone/>
-              <a:defRPr sz="2400" b="1"/>
+              <a:defRPr sz="1900" b="1"/>
             </a:lvl1pPr>
-            <a:lvl2pPr marL="457200" indent="0">
-              <a:buNone/>
-              <a:defRPr sz="2000" b="1"/>
+            <a:lvl2pPr marL="356570" indent="0">
+              <a:buNone/>
+              <a:defRPr sz="1600" b="1"/>
             </a:lvl2pPr>
-            <a:lvl3pPr marL="914400" indent="0">
-              <a:buNone/>
-              <a:defRPr sz="1800" b="1"/>
+            <a:lvl3pPr marL="713141" indent="0">
+              <a:buNone/>
+              <a:defRPr sz="1400" b="1"/>
             </a:lvl3pPr>
-            <a:lvl4pPr marL="1371600" indent="0">
-              <a:buNone/>
-              <a:defRPr sz="1600" b="1"/>
+            <a:lvl4pPr marL="1069711" indent="0">
+              <a:buNone/>
+              <a:defRPr sz="1200" b="1"/>
             </a:lvl4pPr>
-            <a:lvl5pPr marL="1828800" indent="0">
-              <a:buNone/>
-              <a:defRPr sz="1600" b="1"/>
+            <a:lvl5pPr marL="1426281" indent="0">
+              <a:buNone/>
+              <a:defRPr sz="1200" b="1"/>
             </a:lvl5pPr>
-            <a:lvl6pPr marL="2286000" indent="0">
-              <a:buNone/>
-              <a:defRPr sz="1600" b="1"/>
+            <a:lvl6pPr marL="1782851" indent="0">
+              <a:buNone/>
+              <a:defRPr sz="1200" b="1"/>
             </a:lvl6pPr>
-            <a:lvl7pPr marL="2743200" indent="0">
-              <a:buNone/>
-              <a:defRPr sz="1600" b="1"/>
+            <a:lvl7pPr marL="2139422" indent="0">
+              <a:buNone/>
+              <a:defRPr sz="1200" b="1"/>
             </a:lvl7pPr>
-            <a:lvl8pPr marL="3200400" indent="0">
-              <a:buNone/>
-              <a:defRPr sz="1600" b="1"/>
+            <a:lvl8pPr marL="2495992" indent="0">
+              <a:buNone/>
+              <a:defRPr sz="1200" b="1"/>
             </a:lvl8pPr>
-            <a:lvl9pPr marL="3657600" indent="0">
-              <a:buNone/>
-              <a:defRPr sz="1600" b="1"/>
+            <a:lvl9pPr marL="2852562" indent="0">
+              <a:buNone/>
+              <a:defRPr sz="1200" b="1"/>
             </a:lvl9pPr>
           </a:lstStyle>
           <a:p>
@@ -1674,39 +1674,39 @@
         </p:nvSpPr>
         <p:spPr>
           <a:xfrm>
-            <a:off x="7315917" y="1141809"/>
-            <a:ext cx="6365796" cy="2074426"/>
+            <a:off x="4389390" y="1941278"/>
+            <a:ext cx="3819338" cy="3526890"/>
           </a:xfrm>
         </p:spPr>
         <p:txBody>
           <a:bodyPr/>
           <a:lstStyle>
             <a:lvl1pPr>
-              <a:defRPr sz="2400"/>
+              <a:defRPr sz="1900"/>
             </a:lvl1pPr>
             <a:lvl2pPr>
-              <a:defRPr sz="2000"/>
+              <a:defRPr sz="1600"/>
             </a:lvl2pPr>
             <a:lvl3pPr>
-              <a:defRPr sz="1800"/>
+              <a:defRPr sz="1400"/>
             </a:lvl3pPr>
             <a:lvl4pPr>
-              <a:defRPr sz="1600"/>
+              <a:defRPr sz="1200"/>
             </a:lvl4pPr>
             <a:lvl5pPr>
-              <a:defRPr sz="1600"/>
+              <a:defRPr sz="1200"/>
             </a:lvl5pPr>
             <a:lvl6pPr>
-              <a:defRPr sz="1600"/>
+              <a:defRPr sz="1200"/>
             </a:lvl6pPr>
             <a:lvl7pPr>
-              <a:defRPr sz="1600"/>
+              <a:defRPr sz="1200"/>
             </a:lvl7pPr>
             <a:lvl8pPr>
-              <a:defRPr sz="1600"/>
+              <a:defRPr sz="1200"/>
             </a:lvl8pPr>
             <a:lvl9pPr>
-              <a:defRPr sz="1600"/>
+              <a:defRPr sz="1200"/>
             </a:lvl9pPr>
           </a:lstStyle>
           <a:p>
@@ -1764,7 +1764,7 @@
           <a:p>
             <a:fld id="{DD015247-60B9-4D54-BD6B-C1C3EA51958A}" type="datetimeFigureOut">
               <a:rPr lang="en-GB" smtClean="0"/>
-              <a:t>16/06/2014</a:t>
+              <a:t>14/07/2014</a:t>
             </a:fld>
             <a:endParaRPr lang="en-GB"/>
           </a:p>
@@ -1882,7 +1882,7 @@
           <a:p>
             <a:fld id="{DD015247-60B9-4D54-BD6B-C1C3EA51958A}" type="datetimeFigureOut">
               <a:rPr lang="en-GB" smtClean="0"/>
-              <a:t>16/06/2014</a:t>
+              <a:t>14/07/2014</a:t>
             </a:fld>
             <a:endParaRPr lang="en-GB"/>
           </a:p>
@@ -1977,7 +1977,7 @@
           <a:p>
             <a:fld id="{DD015247-60B9-4D54-BD6B-C1C3EA51958A}" type="datetimeFigureOut">
               <a:rPr lang="en-GB" smtClean="0"/>
-              <a:t>16/06/2014</a:t>
+              <a:t>14/07/2014</a:t>
             </a:fld>
             <a:endParaRPr lang="en-GB"/>
           </a:p>
@@ -2067,15 +2067,15 @@
         </p:nvSpPr>
         <p:spPr>
           <a:xfrm>
-            <a:off x="720093" y="143351"/>
-            <a:ext cx="4738093" cy="610076"/>
+            <a:off x="432042" y="243722"/>
+            <a:ext cx="2842751" cy="1037237"/>
           </a:xfrm>
         </p:spPr>
         <p:txBody>
           <a:bodyPr anchor="b"/>
           <a:lstStyle>
             <a:lvl1pPr algn="l">
-              <a:defRPr sz="2000" b="1"/>
+              <a:defRPr sz="1600" b="1"/>
             </a:lvl1pPr>
           </a:lstStyle>
           <a:p>
@@ -2099,39 +2099,39 @@
         </p:nvSpPr>
         <p:spPr>
           <a:xfrm>
-            <a:off x="5630705" y="143352"/>
-            <a:ext cx="8051007" cy="3072884"/>
+            <a:off x="3378301" y="243724"/>
+            <a:ext cx="4830427" cy="5224445"/>
           </a:xfrm>
         </p:spPr>
         <p:txBody>
           <a:bodyPr/>
           <a:lstStyle>
             <a:lvl1pPr>
-              <a:defRPr sz="3200"/>
+              <a:defRPr sz="2500"/>
             </a:lvl1pPr>
             <a:lvl2pPr>
-              <a:defRPr sz="2800"/>
+              <a:defRPr sz="2200"/>
             </a:lvl2pPr>
             <a:lvl3pPr>
-              <a:defRPr sz="2400"/>
+              <a:defRPr sz="1900"/>
             </a:lvl3pPr>
             <a:lvl4pPr>
-              <a:defRPr sz="2000"/>
+              <a:defRPr sz="1600"/>
             </a:lvl4pPr>
             <a:lvl5pPr>
-              <a:defRPr sz="2000"/>
+              <a:defRPr sz="1600"/>
             </a:lvl5pPr>
             <a:lvl6pPr>
-              <a:defRPr sz="2000"/>
+              <a:defRPr sz="1600"/>
             </a:lvl6pPr>
             <a:lvl7pPr>
-              <a:defRPr sz="2000"/>
+              <a:defRPr sz="1600"/>
             </a:lvl7pPr>
             <a:lvl8pPr>
-              <a:defRPr sz="2000"/>
+              <a:defRPr sz="1600"/>
             </a:lvl8pPr>
             <a:lvl9pPr>
-              <a:defRPr sz="2000"/>
+              <a:defRPr sz="1600"/>
             </a:lvl9pPr>
           </a:lstStyle>
           <a:p>
@@ -2184,8 +2184,8 @@
         </p:nvSpPr>
         <p:spPr>
           <a:xfrm>
-            <a:off x="720093" y="753428"/>
-            <a:ext cx="4738093" cy="2462808"/>
+            <a:off x="432042" y="1280960"/>
+            <a:ext cx="2842751" cy="4187208"/>
           </a:xfrm>
         </p:spPr>
         <p:txBody>
@@ -2193,39 +2193,39 @@
           <a:lstStyle>
             <a:lvl1pPr marL="0" indent="0">
               <a:buNone/>
-              <a:defRPr sz="1400"/>
+              <a:defRPr sz="1100"/>
             </a:lvl1pPr>
-            <a:lvl2pPr marL="457200" indent="0">
-              <a:buNone/>
-              <a:defRPr sz="1200"/>
+            <a:lvl2pPr marL="356570" indent="0">
+              <a:buNone/>
+              <a:defRPr sz="900"/>
             </a:lvl2pPr>
-            <a:lvl3pPr marL="914400" indent="0">
-              <a:buNone/>
-              <a:defRPr sz="1000"/>
+            <a:lvl3pPr marL="713141" indent="0">
+              <a:buNone/>
+              <a:defRPr sz="800"/>
             </a:lvl3pPr>
-            <a:lvl4pPr marL="1371600" indent="0">
-              <a:buNone/>
-              <a:defRPr sz="900"/>
+            <a:lvl4pPr marL="1069711" indent="0">
+              <a:buNone/>
+              <a:defRPr sz="700"/>
             </a:lvl4pPr>
-            <a:lvl5pPr marL="1828800" indent="0">
-              <a:buNone/>
-              <a:defRPr sz="900"/>
+            <a:lvl5pPr marL="1426281" indent="0">
+              <a:buNone/>
+              <a:defRPr sz="700"/>
             </a:lvl5pPr>
-            <a:lvl6pPr marL="2286000" indent="0">
-              <a:buNone/>
-              <a:defRPr sz="900"/>
+            <a:lvl6pPr marL="1782851" indent="0">
+              <a:buNone/>
+              <a:defRPr sz="700"/>
             </a:lvl6pPr>
-            <a:lvl7pPr marL="2743200" indent="0">
-              <a:buNone/>
-              <a:defRPr sz="900"/>
+            <a:lvl7pPr marL="2139422" indent="0">
+              <a:buNone/>
+              <a:defRPr sz="700"/>
             </a:lvl7pPr>
-            <a:lvl8pPr marL="3200400" indent="0">
-              <a:buNone/>
-              <a:defRPr sz="900"/>
+            <a:lvl8pPr marL="2495992" indent="0">
+              <a:buNone/>
+              <a:defRPr sz="700"/>
             </a:lvl8pPr>
-            <a:lvl9pPr marL="3657600" indent="0">
-              <a:buNone/>
-              <a:defRPr sz="900"/>
+            <a:lvl9pPr marL="2852562" indent="0">
+              <a:buNone/>
+              <a:defRPr sz="700"/>
             </a:lvl9pPr>
           </a:lstStyle>
           <a:p>
@@ -2254,7 +2254,7 @@
           <a:p>
             <a:fld id="{DD015247-60B9-4D54-BD6B-C1C3EA51958A}" type="datetimeFigureOut">
               <a:rPr lang="en-GB" smtClean="0"/>
-              <a:t>16/06/2014</a:t>
+              <a:t>14/07/2014</a:t>
             </a:fld>
             <a:endParaRPr lang="en-GB"/>
           </a:p>
@@ -2344,15 +2344,15 @@
         </p:nvSpPr>
         <p:spPr>
           <a:xfrm>
-            <a:off x="2822854" y="2520318"/>
-            <a:ext cx="8641080" cy="297537"/>
+            <a:off x="1693651" y="4284986"/>
+            <a:ext cx="5184458" cy="505866"/>
           </a:xfrm>
         </p:spPr>
         <p:txBody>
           <a:bodyPr anchor="b"/>
           <a:lstStyle>
             <a:lvl1pPr algn="l">
-              <a:defRPr sz="2000" b="1"/>
+              <a:defRPr sz="1600" b="1"/>
             </a:lvl1pPr>
           </a:lstStyle>
           <a:p>
@@ -2376,8 +2376,8 @@
         </p:nvSpPr>
         <p:spPr>
           <a:xfrm>
-            <a:off x="2822854" y="321707"/>
-            <a:ext cx="8641080" cy="2160270"/>
+            <a:off x="1693651" y="546960"/>
+            <a:ext cx="5184458" cy="3672840"/>
           </a:xfrm>
         </p:spPr>
         <p:txBody>
@@ -2385,39 +2385,39 @@
           <a:lstStyle>
             <a:lvl1pPr marL="0" indent="0">
               <a:buNone/>
-              <a:defRPr sz="3200"/>
+              <a:defRPr sz="2500"/>
             </a:lvl1pPr>
-            <a:lvl2pPr marL="457200" indent="0">
-              <a:buNone/>
-              <a:defRPr sz="2800"/>
+            <a:lvl2pPr marL="356570" indent="0">
+              <a:buNone/>
+              <a:defRPr sz="2200"/>
             </a:lvl2pPr>
-            <a:lvl3pPr marL="914400" indent="0">
-              <a:buNone/>
-              <a:defRPr sz="2400"/>
+            <a:lvl3pPr marL="713141" indent="0">
+              <a:buNone/>
+              <a:defRPr sz="1900"/>
             </a:lvl3pPr>
-            <a:lvl4pPr marL="1371600" indent="0">
-              <a:buNone/>
-              <a:defRPr sz="2000"/>
+            <a:lvl4pPr marL="1069711" indent="0">
+              <a:buNone/>
+              <a:defRPr sz="1600"/>
             </a:lvl4pPr>
-            <a:lvl5pPr marL="1828800" indent="0">
-              <a:buNone/>
-              <a:defRPr sz="2000"/>
+            <a:lvl5pPr marL="1426281" indent="0">
+              <a:buNone/>
+              <a:defRPr sz="1600"/>
             </a:lvl5pPr>
-            <a:lvl6pPr marL="2286000" indent="0">
-              <a:buNone/>
-              <a:defRPr sz="2000"/>
+            <a:lvl6pPr marL="1782851" indent="0">
+              <a:buNone/>
+              <a:defRPr sz="1600"/>
             </a:lvl6pPr>
-            <a:lvl7pPr marL="2743200" indent="0">
-              <a:buNone/>
-              <a:defRPr sz="2000"/>
+            <a:lvl7pPr marL="2139422" indent="0">
+              <a:buNone/>
+              <a:defRPr sz="1600"/>
             </a:lvl7pPr>
-            <a:lvl8pPr marL="3200400" indent="0">
-              <a:buNone/>
-              <a:defRPr sz="2000"/>
+            <a:lvl8pPr marL="2495992" indent="0">
+              <a:buNone/>
+              <a:defRPr sz="1600"/>
             </a:lvl8pPr>
-            <a:lvl9pPr marL="3657600" indent="0">
-              <a:buNone/>
-              <a:defRPr sz="2000"/>
+            <a:lvl9pPr marL="2852562" indent="0">
+              <a:buNone/>
+              <a:defRPr sz="1600"/>
             </a:lvl9pPr>
           </a:lstStyle>
           <a:p>
@@ -2437,8 +2437,8 @@
         </p:nvSpPr>
         <p:spPr>
           <a:xfrm>
-            <a:off x="2822854" y="2817855"/>
-            <a:ext cx="8641080" cy="422553"/>
+            <a:off x="1693651" y="4790852"/>
+            <a:ext cx="5184458" cy="718415"/>
           </a:xfrm>
         </p:spPr>
         <p:txBody>
@@ -2446,39 +2446,39 @@
           <a:lstStyle>
             <a:lvl1pPr marL="0" indent="0">
               <a:buNone/>
-              <a:defRPr sz="1400"/>
+              <a:defRPr sz="1100"/>
             </a:lvl1pPr>
-            <a:lvl2pPr marL="457200" indent="0">
-              <a:buNone/>
-              <a:defRPr sz="1200"/>
+            <a:lvl2pPr marL="356570" indent="0">
+              <a:buNone/>
+              <a:defRPr sz="900"/>
             </a:lvl2pPr>
-            <a:lvl3pPr marL="914400" indent="0">
-              <a:buNone/>
-              <a:defRPr sz="1000"/>
+            <a:lvl3pPr marL="713141" indent="0">
+              <a:buNone/>
+              <a:defRPr sz="800"/>
             </a:lvl3pPr>
-            <a:lvl4pPr marL="1371600" indent="0">
-              <a:buNone/>
-              <a:defRPr sz="900"/>
+            <a:lvl4pPr marL="1069711" indent="0">
+              <a:buNone/>
+              <a:defRPr sz="700"/>
             </a:lvl4pPr>
-            <a:lvl5pPr marL="1828800" indent="0">
-              <a:buNone/>
-              <a:defRPr sz="900"/>
+            <a:lvl5pPr marL="1426281" indent="0">
+              <a:buNone/>
+              <a:defRPr sz="700"/>
             </a:lvl5pPr>
-            <a:lvl6pPr marL="2286000" indent="0">
-              <a:buNone/>
-              <a:defRPr sz="900"/>
+            <a:lvl6pPr marL="1782851" indent="0">
+              <a:buNone/>
+              <a:defRPr sz="700"/>
             </a:lvl6pPr>
-            <a:lvl7pPr marL="2743200" indent="0">
-              <a:buNone/>
-              <a:defRPr sz="900"/>
+            <a:lvl7pPr marL="2139422" indent="0">
+              <a:buNone/>
+              <a:defRPr sz="700"/>
             </a:lvl7pPr>
-            <a:lvl8pPr marL="3200400" indent="0">
-              <a:buNone/>
-              <a:defRPr sz="900"/>
+            <a:lvl8pPr marL="2495992" indent="0">
+              <a:buNone/>
+              <a:defRPr sz="700"/>
             </a:lvl8pPr>
-            <a:lvl9pPr marL="3657600" indent="0">
-              <a:buNone/>
-              <a:defRPr sz="900"/>
+            <a:lvl9pPr marL="2852562" indent="0">
+              <a:buNone/>
+              <a:defRPr sz="700"/>
             </a:lvl9pPr>
           </a:lstStyle>
           <a:p>
@@ -2507,7 +2507,7 @@
           <a:p>
             <a:fld id="{DD015247-60B9-4D54-BD6B-C1C3EA51958A}" type="datetimeFigureOut">
               <a:rPr lang="en-GB" smtClean="0"/>
-              <a:t>16/06/2014</a:t>
+              <a:t>14/07/2014</a:t>
             </a:fld>
             <a:endParaRPr lang="en-GB"/>
           </a:p>
@@ -2602,15 +2602,15 @@
         </p:nvSpPr>
         <p:spPr>
           <a:xfrm>
-            <a:off x="720092" y="144188"/>
-            <a:ext cx="12961620" cy="600075"/>
+            <a:off x="432040" y="245147"/>
+            <a:ext cx="7776687" cy="1020234"/>
           </a:xfrm>
           <a:prstGeom prst="rect">
             <a:avLst/>
           </a:prstGeom>
         </p:spPr>
         <p:txBody>
-          <a:bodyPr vert="horz" lIns="91440" tIns="45720" rIns="91440" bIns="45720" rtlCol="0" anchor="ctr">
+          <a:bodyPr vert="horz" lIns="71314" tIns="35657" rIns="71314" bIns="35657" rtlCol="0" anchor="ctr">
             <a:normAutofit/>
           </a:bodyPr>
           <a:lstStyle/>
@@ -2635,15 +2635,15 @@
         </p:nvSpPr>
         <p:spPr>
           <a:xfrm>
-            <a:off x="720092" y="840108"/>
-            <a:ext cx="12961620" cy="2376131"/>
+            <a:off x="432040" y="1428334"/>
+            <a:ext cx="7776687" cy="4039842"/>
           </a:xfrm>
           <a:prstGeom prst="rect">
             <a:avLst/>
           </a:prstGeom>
         </p:spPr>
         <p:txBody>
-          <a:bodyPr vert="horz" lIns="91440" tIns="45720" rIns="91440" bIns="45720" rtlCol="0">
+          <a:bodyPr vert="horz" lIns="71314" tIns="35657" rIns="71314" bIns="35657" rtlCol="0">
             <a:normAutofit/>
           </a:bodyPr>
           <a:lstStyle/>
@@ -2697,18 +2697,18 @@
         </p:nvSpPr>
         <p:spPr>
           <a:xfrm>
-            <a:off x="720092" y="3337087"/>
-            <a:ext cx="3360420" cy="191691"/>
+            <a:off x="432040" y="5673638"/>
+            <a:ext cx="2016179" cy="325909"/>
           </a:xfrm>
           <a:prstGeom prst="rect">
             <a:avLst/>
           </a:prstGeom>
         </p:spPr>
         <p:txBody>
-          <a:bodyPr vert="horz" lIns="91440" tIns="45720" rIns="91440" bIns="45720" rtlCol="0" anchor="ctr"/>
+          <a:bodyPr vert="horz" lIns="71314" tIns="35657" rIns="71314" bIns="35657" rtlCol="0" anchor="ctr"/>
           <a:lstStyle>
             <a:lvl1pPr algn="l">
-              <a:defRPr sz="1200">
+              <a:defRPr sz="900">
                 <a:solidFill>
                   <a:schemeClr val="tx1">
                     <a:tint val="75000"/>
@@ -2720,7 +2720,7 @@
           <a:p>
             <a:fld id="{DD015247-60B9-4D54-BD6B-C1C3EA51958A}" type="datetimeFigureOut">
               <a:rPr lang="en-GB" smtClean="0"/>
-              <a:t>16/06/2014</a:t>
+              <a:t>14/07/2014</a:t>
             </a:fld>
             <a:endParaRPr lang="en-GB"/>
           </a:p>
@@ -2738,18 +2738,18 @@
         </p:nvSpPr>
         <p:spPr>
           <a:xfrm>
-            <a:off x="4920615" y="3337087"/>
-            <a:ext cx="4560571" cy="191691"/>
+            <a:off x="2952262" y="5673638"/>
+            <a:ext cx="2736242" cy="325909"/>
           </a:xfrm>
           <a:prstGeom prst="rect">
             <a:avLst/>
           </a:prstGeom>
         </p:spPr>
         <p:txBody>
-          <a:bodyPr vert="horz" lIns="91440" tIns="45720" rIns="91440" bIns="45720" rtlCol="0" anchor="ctr"/>
+          <a:bodyPr vert="horz" lIns="71314" tIns="35657" rIns="71314" bIns="35657" rtlCol="0" anchor="ctr"/>
           <a:lstStyle>
             <a:lvl1pPr algn="ctr">
-              <a:defRPr sz="1200">
+              <a:defRPr sz="900">
                 <a:solidFill>
                   <a:schemeClr val="tx1">
                     <a:tint val="75000"/>
@@ -2775,18 +2775,18 @@
         </p:nvSpPr>
         <p:spPr>
           <a:xfrm>
-            <a:off x="10321292" y="3337087"/>
-            <a:ext cx="3360420" cy="191691"/>
+            <a:off x="6192549" y="5673638"/>
+            <a:ext cx="2016179" cy="325909"/>
           </a:xfrm>
           <a:prstGeom prst="rect">
             <a:avLst/>
           </a:prstGeom>
         </p:spPr>
         <p:txBody>
-          <a:bodyPr vert="horz" lIns="91440" tIns="45720" rIns="91440" bIns="45720" rtlCol="0" anchor="ctr"/>
+          <a:bodyPr vert="horz" lIns="71314" tIns="35657" rIns="71314" bIns="35657" rtlCol="0" anchor="ctr"/>
           <a:lstStyle>
             <a:lvl1pPr algn="r">
-              <a:defRPr sz="1200">
+              <a:defRPr sz="900">
                 <a:solidFill>
                   <a:schemeClr val="tx1">
                     <a:tint val="75000"/>
@@ -2827,12 +2827,12 @@
   </p:sldLayoutIdLst>
   <p:txStyles>
     <p:titleStyle>
-      <a:lvl1pPr algn="ctr" defTabSz="914400" rtl="0" eaLnBrk="1" latinLnBrk="0" hangingPunct="1">
+      <a:lvl1pPr algn="ctr" defTabSz="713141" rtl="0" eaLnBrk="1" latinLnBrk="0" hangingPunct="1">
         <a:spcBef>
           <a:spcPct val="0"/>
         </a:spcBef>
         <a:buNone/>
-        <a:defRPr sz="4400" kern="1200">
+        <a:defRPr sz="3400" kern="1200">
           <a:solidFill>
             <a:schemeClr val="tx1"/>
           </a:solidFill>
@@ -2843,13 +2843,13 @@
       </a:lvl1pPr>
     </p:titleStyle>
     <p:bodyStyle>
-      <a:lvl1pPr marL="342900" indent="-342900" algn="l" defTabSz="914400" rtl="0" eaLnBrk="1" latinLnBrk="0" hangingPunct="1">
+      <a:lvl1pPr marL="267428" indent="-267428" algn="l" defTabSz="713141" rtl="0" eaLnBrk="1" latinLnBrk="0" hangingPunct="1">
         <a:spcBef>
           <a:spcPct val="20000"/>
         </a:spcBef>
         <a:buFont typeface="Arial" panose="020B0604020202020204" pitchFamily="34" charset="0"/>
         <a:buChar char="•"/>
-        <a:defRPr sz="3200" kern="1200">
+        <a:defRPr sz="2500" kern="1200">
           <a:solidFill>
             <a:schemeClr val="tx1"/>
           </a:solidFill>
@@ -2858,13 +2858,13 @@
           <a:cs typeface="+mn-cs"/>
         </a:defRPr>
       </a:lvl1pPr>
-      <a:lvl2pPr marL="742950" indent="-285750" algn="l" defTabSz="914400" rtl="0" eaLnBrk="1" latinLnBrk="0" hangingPunct="1">
+      <a:lvl2pPr marL="579427" indent="-222856" algn="l" defTabSz="713141" rtl="0" eaLnBrk="1" latinLnBrk="0" hangingPunct="1">
         <a:spcBef>
           <a:spcPct val="20000"/>
         </a:spcBef>
         <a:buFont typeface="Arial" panose="020B0604020202020204" pitchFamily="34" charset="0"/>
         <a:buChar char="–"/>
-        <a:defRPr sz="2800" kern="1200">
+        <a:defRPr sz="2200" kern="1200">
           <a:solidFill>
             <a:schemeClr val="tx1"/>
           </a:solidFill>
@@ -2873,13 +2873,13 @@
           <a:cs typeface="+mn-cs"/>
         </a:defRPr>
       </a:lvl2pPr>
-      <a:lvl3pPr marL="1143000" indent="-228600" algn="l" defTabSz="914400" rtl="0" eaLnBrk="1" latinLnBrk="0" hangingPunct="1">
+      <a:lvl3pPr marL="891426" indent="-178285" algn="l" defTabSz="713141" rtl="0" eaLnBrk="1" latinLnBrk="0" hangingPunct="1">
         <a:spcBef>
           <a:spcPct val="20000"/>
         </a:spcBef>
         <a:buFont typeface="Arial" panose="020B0604020202020204" pitchFamily="34" charset="0"/>
         <a:buChar char="•"/>
-        <a:defRPr sz="2400" kern="1200">
+        <a:defRPr sz="1900" kern="1200">
           <a:solidFill>
             <a:schemeClr val="tx1"/>
           </a:solidFill>
@@ -2888,13 +2888,13 @@
           <a:cs typeface="+mn-cs"/>
         </a:defRPr>
       </a:lvl3pPr>
-      <a:lvl4pPr marL="1600200" indent="-228600" algn="l" defTabSz="914400" rtl="0" eaLnBrk="1" latinLnBrk="0" hangingPunct="1">
+      <a:lvl4pPr marL="1247996" indent="-178285" algn="l" defTabSz="713141" rtl="0" eaLnBrk="1" latinLnBrk="0" hangingPunct="1">
         <a:spcBef>
           <a:spcPct val="20000"/>
         </a:spcBef>
         <a:buFont typeface="Arial" panose="020B0604020202020204" pitchFamily="34" charset="0"/>
         <a:buChar char="–"/>
-        <a:defRPr sz="2000" kern="1200">
+        <a:defRPr sz="1600" kern="1200">
           <a:solidFill>
             <a:schemeClr val="tx1"/>
           </a:solidFill>
@@ -2903,13 +2903,13 @@
           <a:cs typeface="+mn-cs"/>
         </a:defRPr>
       </a:lvl4pPr>
-      <a:lvl5pPr marL="2057400" indent="-228600" algn="l" defTabSz="914400" rtl="0" eaLnBrk="1" latinLnBrk="0" hangingPunct="1">
+      <a:lvl5pPr marL="1604566" indent="-178285" algn="l" defTabSz="713141" rtl="0" eaLnBrk="1" latinLnBrk="0" hangingPunct="1">
         <a:spcBef>
           <a:spcPct val="20000"/>
         </a:spcBef>
         <a:buFont typeface="Arial" panose="020B0604020202020204" pitchFamily="34" charset="0"/>
         <a:buChar char="»"/>
-        <a:defRPr sz="2000" kern="1200">
+        <a:defRPr sz="1600" kern="1200">
           <a:solidFill>
             <a:schemeClr val="tx1"/>
           </a:solidFill>
@@ -2918,13 +2918,13 @@
           <a:cs typeface="+mn-cs"/>
         </a:defRPr>
       </a:lvl5pPr>
-      <a:lvl6pPr marL="2514600" indent="-228600" algn="l" defTabSz="914400" rtl="0" eaLnBrk="1" latinLnBrk="0" hangingPunct="1">
+      <a:lvl6pPr marL="1961137" indent="-178285" algn="l" defTabSz="713141" rtl="0" eaLnBrk="1" latinLnBrk="0" hangingPunct="1">
         <a:spcBef>
           <a:spcPct val="20000"/>
         </a:spcBef>
         <a:buFont typeface="Arial" panose="020B0604020202020204" pitchFamily="34" charset="0"/>
         <a:buChar char="•"/>
-        <a:defRPr sz="2000" kern="1200">
+        <a:defRPr sz="1600" kern="1200">
           <a:solidFill>
             <a:schemeClr val="tx1"/>
           </a:solidFill>
@@ -2933,13 +2933,13 @@
           <a:cs typeface="+mn-cs"/>
         </a:defRPr>
       </a:lvl6pPr>
-      <a:lvl7pPr marL="2971800" indent="-228600" algn="l" defTabSz="914400" rtl="0" eaLnBrk="1" latinLnBrk="0" hangingPunct="1">
+      <a:lvl7pPr marL="2317707" indent="-178285" algn="l" defTabSz="713141" rtl="0" eaLnBrk="1" latinLnBrk="0" hangingPunct="1">
         <a:spcBef>
           <a:spcPct val="20000"/>
         </a:spcBef>
         <a:buFont typeface="Arial" panose="020B0604020202020204" pitchFamily="34" charset="0"/>
         <a:buChar char="•"/>
-        <a:defRPr sz="2000" kern="1200">
+        <a:defRPr sz="1600" kern="1200">
           <a:solidFill>
             <a:schemeClr val="tx1"/>
           </a:solidFill>
@@ -2948,13 +2948,13 @@
           <a:cs typeface="+mn-cs"/>
         </a:defRPr>
       </a:lvl7pPr>
-      <a:lvl8pPr marL="3429000" indent="-228600" algn="l" defTabSz="914400" rtl="0" eaLnBrk="1" latinLnBrk="0" hangingPunct="1">
+      <a:lvl8pPr marL="2674277" indent="-178285" algn="l" defTabSz="713141" rtl="0" eaLnBrk="1" latinLnBrk="0" hangingPunct="1">
         <a:spcBef>
           <a:spcPct val="20000"/>
         </a:spcBef>
         <a:buFont typeface="Arial" panose="020B0604020202020204" pitchFamily="34" charset="0"/>
         <a:buChar char="•"/>
-        <a:defRPr sz="2000" kern="1200">
+        <a:defRPr sz="1600" kern="1200">
           <a:solidFill>
             <a:schemeClr val="tx1"/>
           </a:solidFill>
@@ -2963,13 +2963,13 @@
           <a:cs typeface="+mn-cs"/>
         </a:defRPr>
       </a:lvl8pPr>
-      <a:lvl9pPr marL="3886200" indent="-228600" algn="l" defTabSz="914400" rtl="0" eaLnBrk="1" latinLnBrk="0" hangingPunct="1">
+      <a:lvl9pPr marL="3030847" indent="-178285" algn="l" defTabSz="713141" rtl="0" eaLnBrk="1" latinLnBrk="0" hangingPunct="1">
         <a:spcBef>
           <a:spcPct val="20000"/>
         </a:spcBef>
         <a:buFont typeface="Arial" panose="020B0604020202020204" pitchFamily="34" charset="0"/>
         <a:buChar char="•"/>
-        <a:defRPr sz="2000" kern="1200">
+        <a:defRPr sz="1600" kern="1200">
           <a:solidFill>
             <a:schemeClr val="tx1"/>
           </a:solidFill>
@@ -2983,8 +2983,8 @@
       <a:defPPr>
         <a:defRPr lang="en-US"/>
       </a:defPPr>
-      <a:lvl1pPr marL="0" algn="l" defTabSz="914400" rtl="0" eaLnBrk="1" latinLnBrk="0" hangingPunct="1">
-        <a:defRPr sz="1800" kern="1200">
+      <a:lvl1pPr marL="0" algn="l" defTabSz="713141" rtl="0" eaLnBrk="1" latinLnBrk="0" hangingPunct="1">
+        <a:defRPr sz="1400" kern="1200">
           <a:solidFill>
             <a:schemeClr val="tx1"/>
           </a:solidFill>
@@ -2993,8 +2993,8 @@
           <a:cs typeface="+mn-cs"/>
         </a:defRPr>
       </a:lvl1pPr>
-      <a:lvl2pPr marL="457200" algn="l" defTabSz="914400" rtl="0" eaLnBrk="1" latinLnBrk="0" hangingPunct="1">
-        <a:defRPr sz="1800" kern="1200">
+      <a:lvl2pPr marL="356570" algn="l" defTabSz="713141" rtl="0" eaLnBrk="1" latinLnBrk="0" hangingPunct="1">
+        <a:defRPr sz="1400" kern="1200">
           <a:solidFill>
             <a:schemeClr val="tx1"/>
           </a:solidFill>
@@ -3003,8 +3003,8 @@
           <a:cs typeface="+mn-cs"/>
         </a:defRPr>
       </a:lvl2pPr>
-      <a:lvl3pPr marL="914400" algn="l" defTabSz="914400" rtl="0" eaLnBrk="1" latinLnBrk="0" hangingPunct="1">
-        <a:defRPr sz="1800" kern="1200">
+      <a:lvl3pPr marL="713141" algn="l" defTabSz="713141" rtl="0" eaLnBrk="1" latinLnBrk="0" hangingPunct="1">
+        <a:defRPr sz="1400" kern="1200">
           <a:solidFill>
             <a:schemeClr val="tx1"/>
           </a:solidFill>
@@ -3013,8 +3013,8 @@
           <a:cs typeface="+mn-cs"/>
         </a:defRPr>
       </a:lvl3pPr>
-      <a:lvl4pPr marL="1371600" algn="l" defTabSz="914400" rtl="0" eaLnBrk="1" latinLnBrk="0" hangingPunct="1">
-        <a:defRPr sz="1800" kern="1200">
+      <a:lvl4pPr marL="1069711" algn="l" defTabSz="713141" rtl="0" eaLnBrk="1" latinLnBrk="0" hangingPunct="1">
+        <a:defRPr sz="1400" kern="1200">
           <a:solidFill>
             <a:schemeClr val="tx1"/>
           </a:solidFill>
@@ -3023,8 +3023,8 @@
           <a:cs typeface="+mn-cs"/>
         </a:defRPr>
       </a:lvl4pPr>
-      <a:lvl5pPr marL="1828800" algn="l" defTabSz="914400" rtl="0" eaLnBrk="1" latinLnBrk="0" hangingPunct="1">
-        <a:defRPr sz="1800" kern="1200">
+      <a:lvl5pPr marL="1426281" algn="l" defTabSz="713141" rtl="0" eaLnBrk="1" latinLnBrk="0" hangingPunct="1">
+        <a:defRPr sz="1400" kern="1200">
           <a:solidFill>
             <a:schemeClr val="tx1"/>
           </a:solidFill>
@@ -3033,8 +3033,8 @@
           <a:cs typeface="+mn-cs"/>
         </a:defRPr>
       </a:lvl5pPr>
-      <a:lvl6pPr marL="2286000" algn="l" defTabSz="914400" rtl="0" eaLnBrk="1" latinLnBrk="0" hangingPunct="1">
-        <a:defRPr sz="1800" kern="1200">
+      <a:lvl6pPr marL="1782851" algn="l" defTabSz="713141" rtl="0" eaLnBrk="1" latinLnBrk="0" hangingPunct="1">
+        <a:defRPr sz="1400" kern="1200">
           <a:solidFill>
             <a:schemeClr val="tx1"/>
           </a:solidFill>
@@ -3043,8 +3043,8 @@
           <a:cs typeface="+mn-cs"/>
         </a:defRPr>
       </a:lvl6pPr>
-      <a:lvl7pPr marL="2743200" algn="l" defTabSz="914400" rtl="0" eaLnBrk="1" latinLnBrk="0" hangingPunct="1">
-        <a:defRPr sz="1800" kern="1200">
+      <a:lvl7pPr marL="2139422" algn="l" defTabSz="713141" rtl="0" eaLnBrk="1" latinLnBrk="0" hangingPunct="1">
+        <a:defRPr sz="1400" kern="1200">
           <a:solidFill>
             <a:schemeClr val="tx1"/>
           </a:solidFill>
@@ -3053,8 +3053,8 @@
           <a:cs typeface="+mn-cs"/>
         </a:defRPr>
       </a:lvl7pPr>
-      <a:lvl8pPr marL="3200400" algn="l" defTabSz="914400" rtl="0" eaLnBrk="1" latinLnBrk="0" hangingPunct="1">
-        <a:defRPr sz="1800" kern="1200">
+      <a:lvl8pPr marL="2495992" algn="l" defTabSz="713141" rtl="0" eaLnBrk="1" latinLnBrk="0" hangingPunct="1">
+        <a:defRPr sz="1400" kern="1200">
           <a:solidFill>
             <a:schemeClr val="tx1"/>
           </a:solidFill>
@@ -3063,8 +3063,8 @@
           <a:cs typeface="+mn-cs"/>
         </a:defRPr>
       </a:lvl8pPr>
-      <a:lvl9pPr marL="3657600" algn="l" defTabSz="914400" rtl="0" eaLnBrk="1" latinLnBrk="0" hangingPunct="1">
-        <a:defRPr sz="1800" kern="1200">
+      <a:lvl9pPr marL="2852562" algn="l" defTabSz="713141" rtl="0" eaLnBrk="1" latinLnBrk="0" hangingPunct="1">
+        <a:defRPr sz="1400" kern="1200">
           <a:solidFill>
             <a:schemeClr val="tx1"/>
           </a:solidFill>
@@ -3097,107 +3097,14 @@
       </p:grpSpPr>
       <p:sp>
         <p:nvSpPr>
-          <p:cNvPr id="63" name="Oval 62"/>
-          <p:cNvSpPr/>
+          <p:cNvPr id="132" name="TextBox 131"/>
+          <p:cNvSpPr txBox="1"/>
           <p:nvPr/>
         </p:nvSpPr>
         <p:spPr>
           <a:xfrm>
-            <a:off x="1475656" y="1336239"/>
-            <a:ext cx="1440000" cy="1440000"/>
-          </a:xfrm>
-          <a:prstGeom prst="ellipse">
-            <a:avLst/>
-          </a:prstGeom>
-          <a:solidFill>
-            <a:schemeClr val="bg1">
-              <a:lumMod val="65000"/>
-            </a:schemeClr>
-          </a:solidFill>
-          <a:ln>
-            <a:noFill/>
-          </a:ln>
-          <a:scene3d>
-            <a:camera prst="orthographicFront"/>
-            <a:lightRig rig="threePt" dir="t"/>
-          </a:scene3d>
-          <a:sp3d>
-            <a:bevelT w="723900" h="723900"/>
-          </a:sp3d>
-        </p:spPr>
-        <p:style>
-          <a:lnRef idx="2">
-            <a:schemeClr val="accent1">
-              <a:shade val="50000"/>
-            </a:schemeClr>
-          </a:lnRef>
-          <a:fillRef idx="1">
-            <a:schemeClr val="accent1"/>
-          </a:fillRef>
-          <a:effectRef idx="0">
-            <a:schemeClr val="accent1"/>
-          </a:effectRef>
-          <a:fontRef idx="minor">
-            <a:schemeClr val="lt1"/>
-          </a:fontRef>
-        </p:style>
-        <p:txBody>
-          <a:bodyPr rtlCol="0" anchor="ctr"/>
-          <a:lstStyle/>
-          <a:p>
-            <a:pPr algn="ctr"/>
-            <a:endParaRPr lang="en-GB"/>
-          </a:p>
-        </p:txBody>
-      </p:sp>
-      <p:cxnSp>
-        <p:nvCxnSpPr>
-          <p:cNvPr id="64" name="Straight Connector 63"/>
-          <p:cNvCxnSpPr/>
-          <p:nvPr/>
-        </p:nvCxnSpPr>
-        <p:spPr>
-          <a:xfrm>
-            <a:off x="395536" y="2128327"/>
-            <a:ext cx="3744416" cy="0"/>
-          </a:xfrm>
-          <a:prstGeom prst="line">
-            <a:avLst/>
-          </a:prstGeom>
-          <a:ln>
-            <a:solidFill>
-              <a:schemeClr val="tx1"/>
-            </a:solidFill>
-            <a:prstDash val="sysDot"/>
-            <a:headEnd type="none" w="med" len="med"/>
-            <a:tailEnd type="arrow" w="med" len="med"/>
-          </a:ln>
-        </p:spPr>
-        <p:style>
-          <a:lnRef idx="1">
-            <a:schemeClr val="accent1"/>
-          </a:lnRef>
-          <a:fillRef idx="0">
-            <a:schemeClr val="accent1"/>
-          </a:fillRef>
-          <a:effectRef idx="0">
-            <a:schemeClr val="accent1"/>
-          </a:effectRef>
-          <a:fontRef idx="minor">
-            <a:schemeClr val="tx1"/>
-          </a:fontRef>
-        </p:style>
-      </p:cxnSp>
-      <p:sp>
-        <p:nvSpPr>
-          <p:cNvPr id="65" name="TextBox 64"/>
-          <p:cNvSpPr txBox="1"/>
-          <p:nvPr/>
-        </p:nvSpPr>
-        <p:spPr>
-          <a:xfrm>
-            <a:off x="3969810" y="2101230"/>
-            <a:ext cx="720080" cy="400110"/>
+            <a:off x="35496" y="18005"/>
+            <a:ext cx="648072" cy="553998"/>
           </a:xfrm>
           <a:prstGeom prst="rect">
             <a:avLst/>
@@ -3211,364 +3118,468 @@
           <a:lstStyle/>
           <a:p>
             <a:r>
-              <a:rPr lang="en-GB" sz="2000" dirty="0" smtClean="0"/>
-              <a:t>z</a:t>
-            </a:r>
-            <a:endParaRPr lang="en-GB" sz="2000" dirty="0"/>
-          </a:p>
-        </p:txBody>
-      </p:sp>
-      <p:cxnSp>
-        <p:nvCxnSpPr>
-          <p:cNvPr id="66" name="Straight Connector 65"/>
-          <p:cNvCxnSpPr/>
+              <a:rPr lang="en-GB" sz="3000" dirty="0" smtClean="0"/>
+              <a:t>(a)</a:t>
+            </a:r>
+          </a:p>
+        </p:txBody>
+      </p:sp>
+      <p:grpSp>
+        <p:nvGrpSpPr>
+          <p:cNvPr id="133" name="Group 132"/>
+          <p:cNvGrpSpPr/>
           <p:nvPr/>
-        </p:nvCxnSpPr>
-        <p:spPr>
-          <a:xfrm flipV="1">
-            <a:off x="2182593" y="1147311"/>
-            <a:ext cx="1224216" cy="981016"/>
+        </p:nvGrpSpPr>
+        <p:grpSpPr>
+          <a:xfrm>
+            <a:off x="395536" y="383038"/>
+            <a:ext cx="4294354" cy="2173308"/>
+            <a:chOff x="395536" y="740354"/>
+            <a:chExt cx="4294354" cy="2173308"/>
           </a:xfrm>
-          <a:prstGeom prst="line">
-            <a:avLst/>
-          </a:prstGeom>
-          <a:ln>
+        </p:grpSpPr>
+        <p:sp>
+          <p:nvSpPr>
+            <p:cNvPr id="134" name="Oval 133"/>
+            <p:cNvSpPr/>
+            <p:nvPr/>
+          </p:nvSpPr>
+          <p:spPr>
+            <a:xfrm>
+              <a:off x="1475656" y="1336239"/>
+              <a:ext cx="1440000" cy="1440000"/>
+            </a:xfrm>
+            <a:prstGeom prst="ellipse">
+              <a:avLst/>
+            </a:prstGeom>
             <a:solidFill>
+              <a:schemeClr val="bg1">
+                <a:lumMod val="65000"/>
+              </a:schemeClr>
+            </a:solidFill>
+            <a:ln>
+              <a:noFill/>
+            </a:ln>
+            <a:scene3d>
+              <a:camera prst="orthographicFront"/>
+              <a:lightRig rig="threePt" dir="t"/>
+            </a:scene3d>
+            <a:sp3d>
+              <a:bevelT w="723900" h="723900"/>
+            </a:sp3d>
+          </p:spPr>
+          <p:style>
+            <a:lnRef idx="2">
+              <a:schemeClr val="accent1">
+                <a:shade val="50000"/>
+              </a:schemeClr>
+            </a:lnRef>
+            <a:fillRef idx="1">
+              <a:schemeClr val="accent1"/>
+            </a:fillRef>
+            <a:effectRef idx="0">
+              <a:schemeClr val="accent1"/>
+            </a:effectRef>
+            <a:fontRef idx="minor">
+              <a:schemeClr val="lt1"/>
+            </a:fontRef>
+          </p:style>
+          <p:txBody>
+            <a:bodyPr rtlCol="0" anchor="ctr"/>
+            <a:lstStyle/>
+            <a:p>
+              <a:pPr algn="ctr"/>
+              <a:endParaRPr lang="en-GB"/>
+            </a:p>
+          </p:txBody>
+        </p:sp>
+        <p:cxnSp>
+          <p:nvCxnSpPr>
+            <p:cNvPr id="135" name="Straight Connector 134"/>
+            <p:cNvCxnSpPr/>
+            <p:nvPr/>
+          </p:nvCxnSpPr>
+          <p:spPr>
+            <a:xfrm>
+              <a:off x="395536" y="2128327"/>
+              <a:ext cx="3744416" cy="0"/>
+            </a:xfrm>
+            <a:prstGeom prst="line">
+              <a:avLst/>
+            </a:prstGeom>
+            <a:ln>
+              <a:solidFill>
+                <a:schemeClr val="tx1"/>
+              </a:solidFill>
+              <a:prstDash val="sysDot"/>
+              <a:headEnd type="none" w="med" len="med"/>
+              <a:tailEnd type="arrow" w="med" len="med"/>
+            </a:ln>
+          </p:spPr>
+          <p:style>
+            <a:lnRef idx="1">
+              <a:schemeClr val="accent1"/>
+            </a:lnRef>
+            <a:fillRef idx="0">
+              <a:schemeClr val="accent1"/>
+            </a:fillRef>
+            <a:effectRef idx="0">
+              <a:schemeClr val="accent1"/>
+            </a:effectRef>
+            <a:fontRef idx="minor">
               <a:schemeClr val="tx1"/>
+            </a:fontRef>
+          </p:style>
+        </p:cxnSp>
+        <p:sp>
+          <p:nvSpPr>
+            <p:cNvPr id="136" name="TextBox 135"/>
+            <p:cNvSpPr txBox="1"/>
+            <p:nvPr/>
+          </p:nvSpPr>
+          <p:spPr>
+            <a:xfrm>
+              <a:off x="3969810" y="2049471"/>
+              <a:ext cx="720080" cy="477054"/>
+            </a:xfrm>
+            <a:prstGeom prst="rect">
+              <a:avLst/>
+            </a:prstGeom>
+            <a:noFill/>
+          </p:spPr>
+          <p:txBody>
+            <a:bodyPr wrap="square" rtlCol="0">
+              <a:spAutoFit/>
+            </a:bodyPr>
+            <a:lstStyle/>
+            <a:p>
+              <a:r>
+                <a:rPr lang="en-GB" sz="2500" dirty="0" smtClean="0"/>
+                <a:t>z</a:t>
+              </a:r>
+              <a:endParaRPr lang="en-GB" sz="2500" dirty="0"/>
+            </a:p>
+          </p:txBody>
+        </p:sp>
+        <p:cxnSp>
+          <p:nvCxnSpPr>
+            <p:cNvPr id="137" name="Straight Connector 136"/>
+            <p:cNvCxnSpPr/>
+            <p:nvPr/>
+          </p:nvCxnSpPr>
+          <p:spPr>
+            <a:xfrm flipV="1">
+              <a:off x="2182593" y="1147311"/>
+              <a:ext cx="1224216" cy="981016"/>
+            </a:xfrm>
+            <a:prstGeom prst="line">
+              <a:avLst/>
+            </a:prstGeom>
+            <a:ln>
+              <a:solidFill>
+                <a:schemeClr val="tx1"/>
+              </a:solidFill>
+              <a:headEnd type="none" w="med" len="med"/>
+              <a:tailEnd type="arrow" w="med" len="med"/>
+            </a:ln>
+          </p:spPr>
+          <p:style>
+            <a:lnRef idx="1">
+              <a:schemeClr val="accent1"/>
+            </a:lnRef>
+            <a:fillRef idx="0">
+              <a:schemeClr val="accent1"/>
+            </a:fillRef>
+            <a:effectRef idx="0">
+              <a:schemeClr val="accent1"/>
+            </a:effectRef>
+            <a:fontRef idx="minor">
+              <a:schemeClr val="tx1"/>
+            </a:fontRef>
+          </p:style>
+        </p:cxnSp>
+        <p:sp>
+          <p:nvSpPr>
+            <p:cNvPr id="138" name="TextBox 137"/>
+            <p:cNvSpPr txBox="1"/>
+            <p:nvPr/>
+          </p:nvSpPr>
+          <p:spPr>
+            <a:xfrm>
+              <a:off x="2470545" y="1741773"/>
+              <a:ext cx="864096" cy="477054"/>
+            </a:xfrm>
+            <a:prstGeom prst="rect">
+              <a:avLst/>
+            </a:prstGeom>
+            <a:noFill/>
+          </p:spPr>
+          <p:txBody>
+            <a:bodyPr wrap="square" rtlCol="0">
+              <a:spAutoFit/>
+            </a:bodyPr>
+            <a:lstStyle/>
+            <a:p>
+              <a:r>
+                <a:rPr lang="el-GR" sz="2500" dirty="0" smtClean="0"/>
+                <a:t>θ</a:t>
+              </a:r>
+              <a:endParaRPr lang="en-GB" sz="2500" dirty="0"/>
+            </a:p>
+          </p:txBody>
+        </p:sp>
+        <p:sp>
+          <p:nvSpPr>
+            <p:cNvPr id="139" name="TextBox 138"/>
+            <p:cNvSpPr txBox="1"/>
+            <p:nvPr/>
+          </p:nvSpPr>
+          <p:spPr>
+            <a:xfrm>
+              <a:off x="1403648" y="2436608"/>
+              <a:ext cx="504056" cy="477054"/>
+            </a:xfrm>
+            <a:prstGeom prst="rect">
+              <a:avLst/>
+            </a:prstGeom>
+            <a:noFill/>
+          </p:spPr>
+          <p:txBody>
+            <a:bodyPr wrap="square" rtlCol="0">
+              <a:spAutoFit/>
+            </a:bodyPr>
+            <a:lstStyle/>
+            <a:p>
+              <a:r>
+                <a:rPr lang="el-GR" sz="2500" dirty="0" smtClean="0"/>
+                <a:t>ε</a:t>
+              </a:r>
+              <a:r>
+                <a:rPr lang="en-GB" sz="2500" baseline="-25000" dirty="0" smtClean="0"/>
+                <a:t>d</a:t>
+              </a:r>
+              <a:endParaRPr lang="en-GB" sz="2500" baseline="-25000" dirty="0"/>
+            </a:p>
+          </p:txBody>
+        </p:sp>
+        <p:sp>
+          <p:nvSpPr>
+            <p:cNvPr id="140" name="TextBox 139"/>
+            <p:cNvSpPr txBox="1"/>
+            <p:nvPr/>
+          </p:nvSpPr>
+          <p:spPr>
+            <a:xfrm>
+              <a:off x="1763688" y="2220584"/>
+              <a:ext cx="576064" cy="477054"/>
+            </a:xfrm>
+            <a:prstGeom prst="rect">
+              <a:avLst/>
+            </a:prstGeom>
+            <a:noFill/>
+          </p:spPr>
+          <p:txBody>
+            <a:bodyPr wrap="square" rtlCol="0">
+              <a:spAutoFit/>
+            </a:bodyPr>
+            <a:lstStyle/>
+            <a:p>
+              <a:r>
+                <a:rPr lang="el-GR" sz="2500" dirty="0" smtClean="0"/>
+                <a:t>ε</a:t>
+              </a:r>
+              <a:r>
+                <a:rPr lang="en-GB" sz="2500" baseline="-25000" dirty="0"/>
+                <a:t>m</a:t>
+              </a:r>
+            </a:p>
+          </p:txBody>
+        </p:sp>
+        <p:cxnSp>
+          <p:nvCxnSpPr>
+            <p:cNvPr id="141" name="Straight Arrow Connector 140"/>
+            <p:cNvCxnSpPr/>
+            <p:nvPr/>
+          </p:nvCxnSpPr>
+          <p:spPr>
+            <a:xfrm>
+              <a:off x="1472148" y="1192223"/>
+              <a:ext cx="1440000" cy="0"/>
+            </a:xfrm>
+            <a:prstGeom prst="straightConnector1">
+              <a:avLst/>
+            </a:prstGeom>
+            <a:ln>
+              <a:solidFill>
+                <a:schemeClr val="tx1"/>
+              </a:solidFill>
+              <a:headEnd type="triangle" w="med" len="med"/>
+              <a:tailEnd type="triangle" w="med" len="med"/>
+            </a:ln>
+          </p:spPr>
+          <p:style>
+            <a:lnRef idx="1">
+              <a:schemeClr val="accent1"/>
+            </a:lnRef>
+            <a:fillRef idx="0">
+              <a:schemeClr val="accent1"/>
+            </a:fillRef>
+            <a:effectRef idx="0">
+              <a:schemeClr val="accent1"/>
+            </a:effectRef>
+            <a:fontRef idx="minor">
+              <a:schemeClr val="tx1"/>
+            </a:fontRef>
+          </p:style>
+        </p:cxnSp>
+        <p:sp>
+          <p:nvSpPr>
+            <p:cNvPr id="142" name="TextBox 141"/>
+            <p:cNvSpPr txBox="1"/>
+            <p:nvPr/>
+          </p:nvSpPr>
+          <p:spPr>
+            <a:xfrm>
+              <a:off x="2009104" y="740354"/>
+              <a:ext cx="373103" cy="477054"/>
+            </a:xfrm>
+            <a:prstGeom prst="rect">
+              <a:avLst/>
+            </a:prstGeom>
+            <a:noFill/>
+          </p:spPr>
+          <p:txBody>
+            <a:bodyPr wrap="square" rtlCol="0">
+              <a:spAutoFit/>
+            </a:bodyPr>
+            <a:lstStyle/>
+            <a:p>
+              <a:r>
+                <a:rPr lang="en-GB" sz="2500" dirty="0" smtClean="0"/>
+                <a:t>d</a:t>
+              </a:r>
+              <a:endParaRPr lang="en-GB" sz="2500" dirty="0"/>
+            </a:p>
+          </p:txBody>
+        </p:sp>
+        <p:sp>
+          <p:nvSpPr>
+            <p:cNvPr id="143" name="Right Arrow 142"/>
+            <p:cNvSpPr/>
+            <p:nvPr/>
+          </p:nvSpPr>
+          <p:spPr>
+            <a:xfrm>
+              <a:off x="539552" y="1808357"/>
+              <a:ext cx="720080" cy="175954"/>
+            </a:xfrm>
+            <a:prstGeom prst="rightArrow">
+              <a:avLst/>
+            </a:prstGeom>
+            <a:solidFill>
+              <a:srgbClr val="C00000"/>
             </a:solidFill>
-            <a:headEnd type="none" w="med" len="med"/>
-            <a:tailEnd type="arrow" w="med" len="med"/>
-          </a:ln>
-        </p:spPr>
-        <p:style>
-          <a:lnRef idx="1">
-            <a:schemeClr val="accent1"/>
-          </a:lnRef>
-          <a:fillRef idx="0">
-            <a:schemeClr val="accent1"/>
-          </a:fillRef>
-          <a:effectRef idx="0">
-            <a:schemeClr val="accent1"/>
-          </a:effectRef>
-          <a:fontRef idx="minor">
-            <a:schemeClr val="tx1"/>
-          </a:fontRef>
-        </p:style>
-      </p:cxnSp>
-      <p:sp>
-        <p:nvSpPr>
-          <p:cNvPr id="67" name="TextBox 66"/>
-          <p:cNvSpPr txBox="1"/>
-          <p:nvPr/>
-        </p:nvSpPr>
-        <p:spPr>
-          <a:xfrm>
-            <a:off x="2470545" y="1793532"/>
-            <a:ext cx="864096" cy="400110"/>
-          </a:xfrm>
-          <a:prstGeom prst="rect">
-            <a:avLst/>
-          </a:prstGeom>
-          <a:noFill/>
-        </p:spPr>
-        <p:txBody>
-          <a:bodyPr wrap="square" rtlCol="0">
-            <a:spAutoFit/>
-          </a:bodyPr>
-          <a:lstStyle/>
-          <a:p>
-            <a:r>
-              <a:rPr lang="el-GR" sz="2000" dirty="0" smtClean="0"/>
-              <a:t>θ</a:t>
-            </a:r>
-            <a:endParaRPr lang="en-GB" sz="2000" dirty="0"/>
-          </a:p>
-        </p:txBody>
-      </p:sp>
-      <p:sp>
-        <p:nvSpPr>
-          <p:cNvPr id="68" name="TextBox 67"/>
-          <p:cNvSpPr txBox="1"/>
-          <p:nvPr/>
-        </p:nvSpPr>
-        <p:spPr>
-          <a:xfrm>
-            <a:off x="1403648" y="2488367"/>
-            <a:ext cx="504056" cy="400110"/>
-          </a:xfrm>
-          <a:prstGeom prst="rect">
-            <a:avLst/>
-          </a:prstGeom>
-          <a:noFill/>
-        </p:spPr>
-        <p:txBody>
-          <a:bodyPr wrap="square" rtlCol="0">
-            <a:spAutoFit/>
-          </a:bodyPr>
-          <a:lstStyle/>
-          <a:p>
-            <a:r>
-              <a:rPr lang="el-GR" sz="2000" dirty="0" smtClean="0"/>
-              <a:t>ε</a:t>
-            </a:r>
-            <a:r>
-              <a:rPr lang="en-GB" sz="2000" baseline="-25000" dirty="0" smtClean="0"/>
-              <a:t>d</a:t>
-            </a:r>
-            <a:endParaRPr lang="en-GB" sz="2000" baseline="-25000" dirty="0"/>
-          </a:p>
-        </p:txBody>
-      </p:sp>
-      <p:sp>
-        <p:nvSpPr>
-          <p:cNvPr id="69" name="TextBox 68"/>
-          <p:cNvSpPr txBox="1"/>
-          <p:nvPr/>
-        </p:nvSpPr>
-        <p:spPr>
-          <a:xfrm>
-            <a:off x="1763688" y="2272343"/>
-            <a:ext cx="576064" cy="400110"/>
-          </a:xfrm>
-          <a:prstGeom prst="rect">
-            <a:avLst/>
-          </a:prstGeom>
-          <a:noFill/>
-        </p:spPr>
-        <p:txBody>
-          <a:bodyPr wrap="square" rtlCol="0">
-            <a:spAutoFit/>
-          </a:bodyPr>
-          <a:lstStyle/>
-          <a:p>
-            <a:r>
-              <a:rPr lang="el-GR" sz="2000" dirty="0" smtClean="0"/>
-              <a:t>ε</a:t>
-            </a:r>
-            <a:r>
-              <a:rPr lang="en-GB" sz="2000" baseline="-25000" dirty="0"/>
-              <a:t>m</a:t>
-            </a:r>
-            <a:endParaRPr lang="en-GB" sz="2000" baseline="-25000" dirty="0"/>
-          </a:p>
-        </p:txBody>
-      </p:sp>
-      <p:cxnSp>
-        <p:nvCxnSpPr>
-          <p:cNvPr id="70" name="Straight Arrow Connector 69"/>
-          <p:cNvCxnSpPr/>
-          <p:nvPr/>
-        </p:nvCxnSpPr>
-        <p:spPr>
-          <a:xfrm>
-            <a:off x="1472148" y="1192223"/>
-            <a:ext cx="1440000" cy="0"/>
-          </a:xfrm>
-          <a:prstGeom prst="straightConnector1">
-            <a:avLst/>
-          </a:prstGeom>
-          <a:ln>
-            <a:solidFill>
-              <a:schemeClr val="tx1"/>
-            </a:solidFill>
-            <a:headEnd type="triangle" w="med" len="med"/>
-            <a:tailEnd type="triangle" w="med" len="med"/>
-          </a:ln>
-        </p:spPr>
-        <p:style>
-          <a:lnRef idx="1">
-            <a:schemeClr val="accent1"/>
-          </a:lnRef>
-          <a:fillRef idx="0">
-            <a:schemeClr val="accent1"/>
-          </a:fillRef>
-          <a:effectRef idx="0">
-            <a:schemeClr val="accent1"/>
-          </a:effectRef>
-          <a:fontRef idx="minor">
-            <a:schemeClr val="tx1"/>
-          </a:fontRef>
-        </p:style>
-      </p:cxnSp>
-      <p:sp>
-        <p:nvSpPr>
-          <p:cNvPr id="71" name="TextBox 70"/>
-          <p:cNvSpPr txBox="1"/>
-          <p:nvPr/>
-        </p:nvSpPr>
-        <p:spPr>
-          <a:xfrm>
-            <a:off x="2009104" y="792113"/>
-            <a:ext cx="373103" cy="400110"/>
-          </a:xfrm>
-          <a:prstGeom prst="rect">
-            <a:avLst/>
-          </a:prstGeom>
-          <a:noFill/>
-        </p:spPr>
-        <p:txBody>
-          <a:bodyPr wrap="square" rtlCol="0">
-            <a:spAutoFit/>
-          </a:bodyPr>
-          <a:lstStyle/>
-          <a:p>
-            <a:r>
-              <a:rPr lang="en-GB" sz="2000" dirty="0" smtClean="0"/>
-              <a:t>d</a:t>
-            </a:r>
-            <a:endParaRPr lang="en-GB" sz="2000" dirty="0"/>
-          </a:p>
-        </p:txBody>
-      </p:sp>
-      <p:sp>
-        <p:nvSpPr>
-          <p:cNvPr id="72" name="Right Arrow 71"/>
-          <p:cNvSpPr/>
-          <p:nvPr/>
-        </p:nvSpPr>
-        <p:spPr>
-          <a:xfrm>
-            <a:off x="539552" y="1808357"/>
-            <a:ext cx="720080" cy="175954"/>
-          </a:xfrm>
-          <a:prstGeom prst="rightArrow">
-            <a:avLst/>
-          </a:prstGeom>
-          <a:solidFill>
-            <a:srgbClr val="C00000"/>
-          </a:solidFill>
-          <a:ln>
+            <a:ln>
+              <a:noFill/>
+            </a:ln>
+          </p:spPr>
+          <p:style>
+            <a:lnRef idx="2">
+              <a:schemeClr val="accent1">
+                <a:shade val="50000"/>
+              </a:schemeClr>
+            </a:lnRef>
+            <a:fillRef idx="1">
+              <a:schemeClr val="accent1"/>
+            </a:fillRef>
+            <a:effectRef idx="0">
+              <a:schemeClr val="accent1"/>
+            </a:effectRef>
+            <a:fontRef idx="minor">
+              <a:schemeClr val="lt1"/>
+            </a:fontRef>
+          </p:style>
+          <p:txBody>
+            <a:bodyPr rtlCol="0" anchor="ctr"/>
+            <a:lstStyle/>
+            <a:p>
+              <a:pPr algn="ctr"/>
+              <a:endParaRPr lang="en-GB"/>
+            </a:p>
+          </p:txBody>
+        </p:sp>
+        <p:sp>
+          <p:nvSpPr>
+            <p:cNvPr id="144" name="TextBox 143"/>
+            <p:cNvSpPr txBox="1"/>
+            <p:nvPr/>
+          </p:nvSpPr>
+          <p:spPr>
+            <a:xfrm>
+              <a:off x="683568" y="1444465"/>
+              <a:ext cx="474583" cy="477054"/>
+            </a:xfrm>
+            <a:prstGeom prst="rect">
+              <a:avLst/>
+            </a:prstGeom>
             <a:noFill/>
-          </a:ln>
-        </p:spPr>
-        <p:style>
-          <a:lnRef idx="2">
-            <a:schemeClr val="accent1">
-              <a:shade val="50000"/>
-            </a:schemeClr>
-          </a:lnRef>
-          <a:fillRef idx="1">
-            <a:schemeClr val="accent1"/>
-          </a:fillRef>
-          <a:effectRef idx="0">
-            <a:schemeClr val="accent1"/>
-          </a:effectRef>
-          <a:fontRef idx="minor">
-            <a:schemeClr val="lt1"/>
-          </a:fontRef>
-        </p:style>
-        <p:txBody>
-          <a:bodyPr rtlCol="0" anchor="ctr"/>
-          <a:lstStyle/>
-          <a:p>
-            <a:pPr algn="ctr"/>
-            <a:endParaRPr lang="en-GB"/>
-          </a:p>
-        </p:txBody>
-      </p:sp>
-      <p:sp>
-        <p:nvSpPr>
-          <p:cNvPr id="73" name="TextBox 72"/>
-          <p:cNvSpPr txBox="1"/>
-          <p:nvPr/>
-        </p:nvSpPr>
-        <p:spPr>
-          <a:xfrm>
-            <a:off x="683568" y="1496224"/>
-            <a:ext cx="474583" cy="400110"/>
-          </a:xfrm>
-          <a:prstGeom prst="rect">
-            <a:avLst/>
-          </a:prstGeom>
-          <a:noFill/>
-        </p:spPr>
-        <p:txBody>
-          <a:bodyPr wrap="square" rtlCol="0">
-            <a:spAutoFit/>
-          </a:bodyPr>
-          <a:lstStyle/>
-          <a:p>
-            <a:r>
-              <a:rPr lang="en-GB" sz="2000" i="1" dirty="0" smtClean="0">
+          </p:spPr>
+          <p:txBody>
+            <a:bodyPr wrap="square" rtlCol="0">
+              <a:spAutoFit/>
+            </a:bodyPr>
+            <a:lstStyle/>
+            <a:p>
+              <a:r>
+                <a:rPr lang="en-GB" sz="2500" b="1" i="1" dirty="0" smtClean="0">
+                  <a:solidFill>
+                    <a:srgbClr val="C00000"/>
+                  </a:solidFill>
+                </a:rPr>
+                <a:t>E</a:t>
+              </a:r>
+              <a:endParaRPr lang="en-GB" sz="2500" b="1" baseline="-25000" dirty="0">
                 <a:solidFill>
                   <a:srgbClr val="C00000"/>
                 </a:solidFill>
-              </a:rPr>
-              <a:t>E</a:t>
-            </a:r>
-            <a:r>
-              <a:rPr lang="en-GB" sz="2000" baseline="-25000" dirty="0">
-                <a:solidFill>
-                  <a:srgbClr val="C00000"/>
-                </a:solidFill>
-              </a:rPr>
-              <a:t>0</a:t>
-            </a:r>
-          </a:p>
-        </p:txBody>
-      </p:sp>
-      <p:sp>
-        <p:nvSpPr>
-          <p:cNvPr id="74" name="TextBox 73"/>
-          <p:cNvSpPr txBox="1"/>
-          <p:nvPr/>
-        </p:nvSpPr>
-        <p:spPr>
-          <a:xfrm>
-            <a:off x="310018" y="432073"/>
-            <a:ext cx="648072" cy="477054"/>
-          </a:xfrm>
-          <a:prstGeom prst="rect">
-            <a:avLst/>
-          </a:prstGeom>
-          <a:noFill/>
-        </p:spPr>
-        <p:txBody>
-          <a:bodyPr wrap="square" rtlCol="0">
-            <a:spAutoFit/>
-          </a:bodyPr>
-          <a:lstStyle/>
-          <a:p>
-            <a:r>
-              <a:rPr lang="en-GB" sz="2500" dirty="0" smtClean="0"/>
-              <a:t>(a)</a:t>
-            </a:r>
-          </a:p>
-        </p:txBody>
-      </p:sp>
-      <p:sp>
-        <p:nvSpPr>
-          <p:cNvPr id="75" name="TextBox 74"/>
-          <p:cNvSpPr txBox="1"/>
-          <p:nvPr/>
-        </p:nvSpPr>
-        <p:spPr>
-          <a:xfrm>
-            <a:off x="3347864" y="907666"/>
-            <a:ext cx="576064" cy="400110"/>
-          </a:xfrm>
-          <a:prstGeom prst="rect">
-            <a:avLst/>
-          </a:prstGeom>
-          <a:noFill/>
-        </p:spPr>
-        <p:txBody>
-          <a:bodyPr wrap="square" rtlCol="0">
-            <a:spAutoFit/>
-          </a:bodyPr>
-          <a:lstStyle/>
-          <a:p>
-            <a:r>
-              <a:rPr lang="en-GB" sz="2000" dirty="0" smtClean="0"/>
-              <a:t>r</a:t>
-            </a:r>
-            <a:endParaRPr lang="en-GB" sz="2000" dirty="0"/>
-          </a:p>
-        </p:txBody>
-      </p:sp>
+              </a:endParaRPr>
+            </a:p>
+          </p:txBody>
+        </p:sp>
+        <p:sp>
+          <p:nvSpPr>
+            <p:cNvPr id="145" name="TextBox 144"/>
+            <p:cNvSpPr txBox="1"/>
+            <p:nvPr/>
+          </p:nvSpPr>
+          <p:spPr>
+            <a:xfrm>
+              <a:off x="3347864" y="855907"/>
+              <a:ext cx="576064" cy="477054"/>
+            </a:xfrm>
+            <a:prstGeom prst="rect">
+              <a:avLst/>
+            </a:prstGeom>
+            <a:noFill/>
+          </p:spPr>
+          <p:txBody>
+            <a:bodyPr wrap="square" rtlCol="0">
+              <a:spAutoFit/>
+            </a:bodyPr>
+            <a:lstStyle/>
+            <a:p>
+              <a:r>
+                <a:rPr lang="en-GB" sz="2500" dirty="0" smtClean="0"/>
+                <a:t>r</a:t>
+              </a:r>
+              <a:endParaRPr lang="en-GB" sz="2500" dirty="0"/>
+            </a:p>
+          </p:txBody>
+        </p:sp>
+      </p:grpSp>
       <p:pic>
         <p:nvPicPr>
-          <p:cNvPr id="76" name="Picture 2" descr="C:\Users\Wendy\Documents\wwn20\Thesis\Chapter3\Figures\Ag_Au.png"/>
+          <p:cNvPr id="146" name="Picture 2" descr="C:\Users\Wendy\Documents\wwn20\Thesis\Chapter3\Figures\Ag_Au.png"/>
           <p:cNvPicPr>
             <a:picLocks noChangeAspect="1" noChangeArrowheads="1"/>
           </p:cNvPicPr>
@@ -3589,7 +3600,7 @@
         </p:blipFill>
         <p:spPr bwMode="auto">
           <a:xfrm>
-            <a:off x="10153228" y="71656"/>
+            <a:off x="4824636" y="71656"/>
             <a:ext cx="4038600" cy="3476625"/>
           </a:xfrm>
           <a:prstGeom prst="rect">
@@ -3607,26 +3618,1543 @@
           </a:extLst>
         </p:spPr>
       </p:pic>
-      <p:sp>
-        <p:nvSpPr>
-          <p:cNvPr id="34" name="TextBox 33"/>
+      <p:grpSp>
+        <p:nvGrpSpPr>
+          <p:cNvPr id="147" name="Group 146"/>
+          <p:cNvGrpSpPr/>
+          <p:nvPr/>
+        </p:nvGrpSpPr>
+        <p:grpSpPr>
+          <a:xfrm>
+            <a:off x="684138" y="3463405"/>
+            <a:ext cx="7416824" cy="2394222"/>
+            <a:chOff x="180082" y="3463405"/>
+            <a:chExt cx="7416824" cy="2394222"/>
+          </a:xfrm>
+        </p:grpSpPr>
+        <p:cxnSp>
+          <p:nvCxnSpPr>
+            <p:cNvPr id="148" name="Straight Connector 147"/>
+            <p:cNvCxnSpPr/>
+            <p:nvPr/>
+          </p:nvCxnSpPr>
+          <p:spPr>
+            <a:xfrm>
+              <a:off x="1248938" y="4777906"/>
+              <a:ext cx="6347968" cy="0"/>
+            </a:xfrm>
+            <a:prstGeom prst="line">
+              <a:avLst/>
+            </a:prstGeom>
+            <a:ln w="9525">
+              <a:solidFill>
+                <a:schemeClr val="tx1"/>
+              </a:solidFill>
+              <a:prstDash val="sysDot"/>
+            </a:ln>
+          </p:spPr>
+          <p:style>
+            <a:lnRef idx="1">
+              <a:schemeClr val="accent1"/>
+            </a:lnRef>
+            <a:fillRef idx="0">
+              <a:schemeClr val="accent1"/>
+            </a:fillRef>
+            <a:effectRef idx="0">
+              <a:schemeClr val="accent1"/>
+            </a:effectRef>
+            <a:fontRef idx="minor">
+              <a:schemeClr val="tx1"/>
+            </a:fontRef>
+          </p:style>
+        </p:cxnSp>
+        <p:sp>
+          <p:nvSpPr>
+            <p:cNvPr id="149" name="Freeform 148"/>
+            <p:cNvSpPr>
+              <a:spLocks noChangeAspect="1"/>
+            </p:cNvSpPr>
+            <p:nvPr/>
+          </p:nvSpPr>
+          <p:spPr>
+            <a:xfrm flipV="1">
+              <a:off x="2112705" y="3696013"/>
+              <a:ext cx="4424471" cy="2100693"/>
+            </a:xfrm>
+            <a:custGeom>
+              <a:avLst/>
+              <a:gdLst>
+                <a:gd name="connsiteX0" fmla="*/ 0 w 2885847"/>
+                <a:gd name="connsiteY0" fmla="*/ 721858 h 725515"/>
+                <a:gd name="connsiteX1" fmla="*/ 362103 w 2885847"/>
+                <a:gd name="connsiteY1" fmla="*/ 4968 h 725515"/>
+                <a:gd name="connsiteX2" fmla="*/ 724205 w 2885847"/>
+                <a:gd name="connsiteY2" fmla="*/ 725515 h 725515"/>
+                <a:gd name="connsiteX3" fmla="*/ 1078992 w 2885847"/>
+                <a:gd name="connsiteY3" fmla="*/ 4968 h 725515"/>
+                <a:gd name="connsiteX4" fmla="*/ 1441095 w 2885847"/>
+                <a:gd name="connsiteY4" fmla="*/ 725515 h 725515"/>
+                <a:gd name="connsiteX5" fmla="*/ 1795882 w 2885847"/>
+                <a:gd name="connsiteY5" fmla="*/ 4968 h 725515"/>
+                <a:gd name="connsiteX6" fmla="*/ 2165299 w 2885847"/>
+                <a:gd name="connsiteY6" fmla="*/ 410962 h 725515"/>
+                <a:gd name="connsiteX7" fmla="*/ 2885847 w 2885847"/>
+                <a:gd name="connsiteY7" fmla="*/ 487771 h 725515"/>
+                <a:gd name="connsiteX0" fmla="*/ 29690 w 2915537"/>
+                <a:gd name="connsiteY0" fmla="*/ 721858 h 769324"/>
+                <a:gd name="connsiteX1" fmla="*/ 26033 w 2915537"/>
+                <a:gd name="connsiteY1" fmla="*/ 714543 h 769324"/>
+                <a:gd name="connsiteX2" fmla="*/ 391793 w 2915537"/>
+                <a:gd name="connsiteY2" fmla="*/ 4968 h 769324"/>
+                <a:gd name="connsiteX3" fmla="*/ 753895 w 2915537"/>
+                <a:gd name="connsiteY3" fmla="*/ 725515 h 769324"/>
+                <a:gd name="connsiteX4" fmla="*/ 1108682 w 2915537"/>
+                <a:gd name="connsiteY4" fmla="*/ 4968 h 769324"/>
+                <a:gd name="connsiteX5" fmla="*/ 1470785 w 2915537"/>
+                <a:gd name="connsiteY5" fmla="*/ 725515 h 769324"/>
+                <a:gd name="connsiteX6" fmla="*/ 1825572 w 2915537"/>
+                <a:gd name="connsiteY6" fmla="*/ 4968 h 769324"/>
+                <a:gd name="connsiteX7" fmla="*/ 2194989 w 2915537"/>
+                <a:gd name="connsiteY7" fmla="*/ 410962 h 769324"/>
+                <a:gd name="connsiteX8" fmla="*/ 2915537 w 2915537"/>
+                <a:gd name="connsiteY8" fmla="*/ 487771 h 769324"/>
+                <a:gd name="connsiteX0" fmla="*/ 1 w 3108962"/>
+                <a:gd name="connsiteY0" fmla="*/ 579212 h 746320"/>
+                <a:gd name="connsiteX1" fmla="*/ 219458 w 3108962"/>
+                <a:gd name="connsiteY1" fmla="*/ 714543 h 746320"/>
+                <a:gd name="connsiteX2" fmla="*/ 585218 w 3108962"/>
+                <a:gd name="connsiteY2" fmla="*/ 4968 h 746320"/>
+                <a:gd name="connsiteX3" fmla="*/ 947320 w 3108962"/>
+                <a:gd name="connsiteY3" fmla="*/ 725515 h 746320"/>
+                <a:gd name="connsiteX4" fmla="*/ 1302107 w 3108962"/>
+                <a:gd name="connsiteY4" fmla="*/ 4968 h 746320"/>
+                <a:gd name="connsiteX5" fmla="*/ 1664210 w 3108962"/>
+                <a:gd name="connsiteY5" fmla="*/ 725515 h 746320"/>
+                <a:gd name="connsiteX6" fmla="*/ 2018997 w 3108962"/>
+                <a:gd name="connsiteY6" fmla="*/ 4968 h 746320"/>
+                <a:gd name="connsiteX7" fmla="*/ 2388414 w 3108962"/>
+                <a:gd name="connsiteY7" fmla="*/ 410962 h 746320"/>
+                <a:gd name="connsiteX8" fmla="*/ 3108962 w 3108962"/>
+                <a:gd name="connsiteY8" fmla="*/ 487771 h 746320"/>
+                <a:gd name="connsiteX0" fmla="*/ 0 w 3251607"/>
+                <a:gd name="connsiteY0" fmla="*/ 381701 h 734595"/>
+                <a:gd name="connsiteX1" fmla="*/ 362103 w 3251607"/>
+                <a:gd name="connsiteY1" fmla="*/ 714543 h 734595"/>
+                <a:gd name="connsiteX2" fmla="*/ 727863 w 3251607"/>
+                <a:gd name="connsiteY2" fmla="*/ 4968 h 734595"/>
+                <a:gd name="connsiteX3" fmla="*/ 1089965 w 3251607"/>
+                <a:gd name="connsiteY3" fmla="*/ 725515 h 734595"/>
+                <a:gd name="connsiteX4" fmla="*/ 1444752 w 3251607"/>
+                <a:gd name="connsiteY4" fmla="*/ 4968 h 734595"/>
+                <a:gd name="connsiteX5" fmla="*/ 1806855 w 3251607"/>
+                <a:gd name="connsiteY5" fmla="*/ 725515 h 734595"/>
+                <a:gd name="connsiteX6" fmla="*/ 2161642 w 3251607"/>
+                <a:gd name="connsiteY6" fmla="*/ 4968 h 734595"/>
+                <a:gd name="connsiteX7" fmla="*/ 2531059 w 3251607"/>
+                <a:gd name="connsiteY7" fmla="*/ 410962 h 734595"/>
+                <a:gd name="connsiteX8" fmla="*/ 3251607 w 3251607"/>
+                <a:gd name="connsiteY8" fmla="*/ 487771 h 734595"/>
+                <a:gd name="connsiteX0" fmla="*/ 26821 w 3278428"/>
+                <a:gd name="connsiteY0" fmla="*/ 381701 h 725515"/>
+                <a:gd name="connsiteX1" fmla="*/ 26822 w 3278428"/>
+                <a:gd name="connsiteY1" fmla="*/ 378043 h 725515"/>
+                <a:gd name="connsiteX2" fmla="*/ 388924 w 3278428"/>
+                <a:gd name="connsiteY2" fmla="*/ 714543 h 725515"/>
+                <a:gd name="connsiteX3" fmla="*/ 754684 w 3278428"/>
+                <a:gd name="connsiteY3" fmla="*/ 4968 h 725515"/>
+                <a:gd name="connsiteX4" fmla="*/ 1116786 w 3278428"/>
+                <a:gd name="connsiteY4" fmla="*/ 725515 h 725515"/>
+                <a:gd name="connsiteX5" fmla="*/ 1471573 w 3278428"/>
+                <a:gd name="connsiteY5" fmla="*/ 4968 h 725515"/>
+                <a:gd name="connsiteX6" fmla="*/ 1833676 w 3278428"/>
+                <a:gd name="connsiteY6" fmla="*/ 725515 h 725515"/>
+                <a:gd name="connsiteX7" fmla="*/ 2188463 w 3278428"/>
+                <a:gd name="connsiteY7" fmla="*/ 4968 h 725515"/>
+                <a:gd name="connsiteX8" fmla="*/ 2557880 w 3278428"/>
+                <a:gd name="connsiteY8" fmla="*/ 410962 h 725515"/>
+                <a:gd name="connsiteX9" fmla="*/ 3278428 w 3278428"/>
+                <a:gd name="connsiteY9" fmla="*/ 487771 h 725515"/>
+                <a:gd name="connsiteX0" fmla="*/ 0 w 3617367"/>
+                <a:gd name="connsiteY0" fmla="*/ 337810 h 725515"/>
+                <a:gd name="connsiteX1" fmla="*/ 365761 w 3617367"/>
+                <a:gd name="connsiteY1" fmla="*/ 378043 h 725515"/>
+                <a:gd name="connsiteX2" fmla="*/ 727863 w 3617367"/>
+                <a:gd name="connsiteY2" fmla="*/ 714543 h 725515"/>
+                <a:gd name="connsiteX3" fmla="*/ 1093623 w 3617367"/>
+                <a:gd name="connsiteY3" fmla="*/ 4968 h 725515"/>
+                <a:gd name="connsiteX4" fmla="*/ 1455725 w 3617367"/>
+                <a:gd name="connsiteY4" fmla="*/ 725515 h 725515"/>
+                <a:gd name="connsiteX5" fmla="*/ 1810512 w 3617367"/>
+                <a:gd name="connsiteY5" fmla="*/ 4968 h 725515"/>
+                <a:gd name="connsiteX6" fmla="*/ 2172615 w 3617367"/>
+                <a:gd name="connsiteY6" fmla="*/ 725515 h 725515"/>
+                <a:gd name="connsiteX7" fmla="*/ 2527402 w 3617367"/>
+                <a:gd name="connsiteY7" fmla="*/ 4968 h 725515"/>
+                <a:gd name="connsiteX8" fmla="*/ 2896819 w 3617367"/>
+                <a:gd name="connsiteY8" fmla="*/ 410962 h 725515"/>
+                <a:gd name="connsiteX9" fmla="*/ 3617367 w 3617367"/>
+                <a:gd name="connsiteY9" fmla="*/ 487771 h 725515"/>
+                <a:gd name="connsiteX0" fmla="*/ 1 w 3251607"/>
+                <a:gd name="connsiteY0" fmla="*/ 378043 h 725515"/>
+                <a:gd name="connsiteX1" fmla="*/ 362103 w 3251607"/>
+                <a:gd name="connsiteY1" fmla="*/ 714543 h 725515"/>
+                <a:gd name="connsiteX2" fmla="*/ 727863 w 3251607"/>
+                <a:gd name="connsiteY2" fmla="*/ 4968 h 725515"/>
+                <a:gd name="connsiteX3" fmla="*/ 1089965 w 3251607"/>
+                <a:gd name="connsiteY3" fmla="*/ 725515 h 725515"/>
+                <a:gd name="connsiteX4" fmla="*/ 1444752 w 3251607"/>
+                <a:gd name="connsiteY4" fmla="*/ 4968 h 725515"/>
+                <a:gd name="connsiteX5" fmla="*/ 1806855 w 3251607"/>
+                <a:gd name="connsiteY5" fmla="*/ 725515 h 725515"/>
+                <a:gd name="connsiteX6" fmla="*/ 2161642 w 3251607"/>
+                <a:gd name="connsiteY6" fmla="*/ 4968 h 725515"/>
+                <a:gd name="connsiteX7" fmla="*/ 2531059 w 3251607"/>
+                <a:gd name="connsiteY7" fmla="*/ 410962 h 725515"/>
+                <a:gd name="connsiteX8" fmla="*/ 3251607 w 3251607"/>
+                <a:gd name="connsiteY8" fmla="*/ 487771 h 725515"/>
+                <a:gd name="connsiteX0" fmla="*/ 0 w 2889504"/>
+                <a:gd name="connsiteY0" fmla="*/ 714543 h 725515"/>
+                <a:gd name="connsiteX1" fmla="*/ 365760 w 2889504"/>
+                <a:gd name="connsiteY1" fmla="*/ 4968 h 725515"/>
+                <a:gd name="connsiteX2" fmla="*/ 727862 w 2889504"/>
+                <a:gd name="connsiteY2" fmla="*/ 725515 h 725515"/>
+                <a:gd name="connsiteX3" fmla="*/ 1082649 w 2889504"/>
+                <a:gd name="connsiteY3" fmla="*/ 4968 h 725515"/>
+                <a:gd name="connsiteX4" fmla="*/ 1444752 w 2889504"/>
+                <a:gd name="connsiteY4" fmla="*/ 725515 h 725515"/>
+                <a:gd name="connsiteX5" fmla="*/ 1799539 w 2889504"/>
+                <a:gd name="connsiteY5" fmla="*/ 4968 h 725515"/>
+                <a:gd name="connsiteX6" fmla="*/ 2168956 w 2889504"/>
+                <a:gd name="connsiteY6" fmla="*/ 410962 h 725515"/>
+                <a:gd name="connsiteX7" fmla="*/ 2889504 w 2889504"/>
+                <a:gd name="connsiteY7" fmla="*/ 487771 h 725515"/>
+                <a:gd name="connsiteX0" fmla="*/ 0 w 2523744"/>
+                <a:gd name="connsiteY0" fmla="*/ 4968 h 725515"/>
+                <a:gd name="connsiteX1" fmla="*/ 362102 w 2523744"/>
+                <a:gd name="connsiteY1" fmla="*/ 725515 h 725515"/>
+                <a:gd name="connsiteX2" fmla="*/ 716889 w 2523744"/>
+                <a:gd name="connsiteY2" fmla="*/ 4968 h 725515"/>
+                <a:gd name="connsiteX3" fmla="*/ 1078992 w 2523744"/>
+                <a:gd name="connsiteY3" fmla="*/ 725515 h 725515"/>
+                <a:gd name="connsiteX4" fmla="*/ 1433779 w 2523744"/>
+                <a:gd name="connsiteY4" fmla="*/ 4968 h 725515"/>
+                <a:gd name="connsiteX5" fmla="*/ 1803196 w 2523744"/>
+                <a:gd name="connsiteY5" fmla="*/ 410962 h 725515"/>
+                <a:gd name="connsiteX6" fmla="*/ 2523744 w 2523744"/>
+                <a:gd name="connsiteY6" fmla="*/ 487771 h 725515"/>
+                <a:gd name="connsiteX0" fmla="*/ 0 w 1803196"/>
+                <a:gd name="connsiteY0" fmla="*/ 4968 h 725515"/>
+                <a:gd name="connsiteX1" fmla="*/ 362102 w 1803196"/>
+                <a:gd name="connsiteY1" fmla="*/ 725515 h 725515"/>
+                <a:gd name="connsiteX2" fmla="*/ 716889 w 1803196"/>
+                <a:gd name="connsiteY2" fmla="*/ 4968 h 725515"/>
+                <a:gd name="connsiteX3" fmla="*/ 1078992 w 1803196"/>
+                <a:gd name="connsiteY3" fmla="*/ 725515 h 725515"/>
+                <a:gd name="connsiteX4" fmla="*/ 1433779 w 1803196"/>
+                <a:gd name="connsiteY4" fmla="*/ 4968 h 725515"/>
+                <a:gd name="connsiteX5" fmla="*/ 1803196 w 1803196"/>
+                <a:gd name="connsiteY5" fmla="*/ 410962 h 725515"/>
+                <a:gd name="connsiteX0" fmla="*/ 0 w 1433779"/>
+                <a:gd name="connsiteY0" fmla="*/ 0 h 720547"/>
+                <a:gd name="connsiteX1" fmla="*/ 362102 w 1433779"/>
+                <a:gd name="connsiteY1" fmla="*/ 720547 h 720547"/>
+                <a:gd name="connsiteX2" fmla="*/ 716889 w 1433779"/>
+                <a:gd name="connsiteY2" fmla="*/ 0 h 720547"/>
+                <a:gd name="connsiteX3" fmla="*/ 1078992 w 1433779"/>
+                <a:gd name="connsiteY3" fmla="*/ 720547 h 720547"/>
+                <a:gd name="connsiteX4" fmla="*/ 1433779 w 1433779"/>
+                <a:gd name="connsiteY4" fmla="*/ 0 h 720547"/>
+                <a:gd name="connsiteX0" fmla="*/ 0 w 1078992"/>
+                <a:gd name="connsiteY0" fmla="*/ 0 h 720547"/>
+                <a:gd name="connsiteX1" fmla="*/ 362102 w 1078992"/>
+                <a:gd name="connsiteY1" fmla="*/ 720547 h 720547"/>
+                <a:gd name="connsiteX2" fmla="*/ 716889 w 1078992"/>
+                <a:gd name="connsiteY2" fmla="*/ 0 h 720547"/>
+                <a:gd name="connsiteX3" fmla="*/ 1078992 w 1078992"/>
+                <a:gd name="connsiteY3" fmla="*/ 720547 h 720547"/>
+                <a:gd name="connsiteX0" fmla="*/ 0 w 1078992"/>
+                <a:gd name="connsiteY0" fmla="*/ 0 h 720547"/>
+                <a:gd name="connsiteX1" fmla="*/ 362102 w 1078992"/>
+                <a:gd name="connsiteY1" fmla="*/ 720547 h 720547"/>
+                <a:gd name="connsiteX2" fmla="*/ 716889 w 1078992"/>
+                <a:gd name="connsiteY2" fmla="*/ 0 h 720547"/>
+                <a:gd name="connsiteX3" fmla="*/ 1078992 w 1078992"/>
+                <a:gd name="connsiteY3" fmla="*/ 720547 h 720547"/>
+                <a:gd name="connsiteX0" fmla="*/ 0 w 965500"/>
+                <a:gd name="connsiteY0" fmla="*/ 277042 h 724327"/>
+                <a:gd name="connsiteX1" fmla="*/ 248610 w 965500"/>
+                <a:gd name="connsiteY1" fmla="*/ 720547 h 724327"/>
+                <a:gd name="connsiteX2" fmla="*/ 603397 w 965500"/>
+                <a:gd name="connsiteY2" fmla="*/ 0 h 724327"/>
+                <a:gd name="connsiteX3" fmla="*/ 965500 w 965500"/>
+                <a:gd name="connsiteY3" fmla="*/ 720547 h 724327"/>
+                <a:gd name="connsiteX0" fmla="*/ 0 w 965500"/>
+                <a:gd name="connsiteY0" fmla="*/ 277042 h 724747"/>
+                <a:gd name="connsiteX1" fmla="*/ 248610 w 965500"/>
+                <a:gd name="connsiteY1" fmla="*/ 720547 h 724747"/>
+                <a:gd name="connsiteX2" fmla="*/ 603397 w 965500"/>
+                <a:gd name="connsiteY2" fmla="*/ 0 h 724747"/>
+                <a:gd name="connsiteX3" fmla="*/ 965500 w 965500"/>
+                <a:gd name="connsiteY3" fmla="*/ 720547 h 724747"/>
+                <a:gd name="connsiteX0" fmla="*/ 19 w 965519"/>
+                <a:gd name="connsiteY0" fmla="*/ 277042 h 726172"/>
+                <a:gd name="connsiteX1" fmla="*/ 31471 w 965519"/>
+                <a:gd name="connsiteY1" fmla="*/ 332209 h 726172"/>
+                <a:gd name="connsiteX2" fmla="*/ 248629 w 965519"/>
+                <a:gd name="connsiteY2" fmla="*/ 720547 h 726172"/>
+                <a:gd name="connsiteX3" fmla="*/ 603416 w 965519"/>
+                <a:gd name="connsiteY3" fmla="*/ 0 h 726172"/>
+                <a:gd name="connsiteX4" fmla="*/ 965519 w 965519"/>
+                <a:gd name="connsiteY4" fmla="*/ 720547 h 726172"/>
+                <a:gd name="connsiteX0" fmla="*/ 0 w 934048"/>
+                <a:gd name="connsiteY0" fmla="*/ 332209 h 726172"/>
+                <a:gd name="connsiteX1" fmla="*/ 217158 w 934048"/>
+                <a:gd name="connsiteY1" fmla="*/ 720547 h 726172"/>
+                <a:gd name="connsiteX2" fmla="*/ 571945 w 934048"/>
+                <a:gd name="connsiteY2" fmla="*/ 0 h 726172"/>
+                <a:gd name="connsiteX3" fmla="*/ 934048 w 934048"/>
+                <a:gd name="connsiteY3" fmla="*/ 720547 h 726172"/>
+                <a:gd name="connsiteX0" fmla="*/ 0 w 934048"/>
+                <a:gd name="connsiteY0" fmla="*/ 332209 h 726172"/>
+                <a:gd name="connsiteX1" fmla="*/ 217158 w 934048"/>
+                <a:gd name="connsiteY1" fmla="*/ 720547 h 726172"/>
+                <a:gd name="connsiteX2" fmla="*/ 571945 w 934048"/>
+                <a:gd name="connsiteY2" fmla="*/ 0 h 726172"/>
+                <a:gd name="connsiteX3" fmla="*/ 934048 w 934048"/>
+                <a:gd name="connsiteY3" fmla="*/ 720547 h 726172"/>
+                <a:gd name="connsiteX0" fmla="*/ 0 w 934048"/>
+                <a:gd name="connsiteY0" fmla="*/ 339485 h 733448"/>
+                <a:gd name="connsiteX1" fmla="*/ 217158 w 934048"/>
+                <a:gd name="connsiteY1" fmla="*/ 727823 h 733448"/>
+                <a:gd name="connsiteX2" fmla="*/ 571945 w 934048"/>
+                <a:gd name="connsiteY2" fmla="*/ 7276 h 733448"/>
+                <a:gd name="connsiteX3" fmla="*/ 750792 w 934048"/>
+                <a:gd name="connsiteY3" fmla="*/ 377511 h 733448"/>
+                <a:gd name="connsiteX4" fmla="*/ 934048 w 934048"/>
+                <a:gd name="connsiteY4" fmla="*/ 727823 h 733448"/>
+                <a:gd name="connsiteX0" fmla="*/ 0 w 750792"/>
+                <a:gd name="connsiteY0" fmla="*/ 339485 h 733448"/>
+                <a:gd name="connsiteX1" fmla="*/ 217158 w 750792"/>
+                <a:gd name="connsiteY1" fmla="*/ 727823 h 733448"/>
+                <a:gd name="connsiteX2" fmla="*/ 571945 w 750792"/>
+                <a:gd name="connsiteY2" fmla="*/ 7276 h 733448"/>
+                <a:gd name="connsiteX3" fmla="*/ 750792 w 750792"/>
+                <a:gd name="connsiteY3" fmla="*/ 377511 h 733448"/>
+                <a:gd name="connsiteX0" fmla="*/ 0 w 768252"/>
+                <a:gd name="connsiteY0" fmla="*/ 338897 h 732860"/>
+                <a:gd name="connsiteX1" fmla="*/ 217158 w 768252"/>
+                <a:gd name="connsiteY1" fmla="*/ 727235 h 732860"/>
+                <a:gd name="connsiteX2" fmla="*/ 571945 w 768252"/>
+                <a:gd name="connsiteY2" fmla="*/ 6688 h 732860"/>
+                <a:gd name="connsiteX3" fmla="*/ 768252 w 768252"/>
+                <a:gd name="connsiteY3" fmla="*/ 387787 h 732860"/>
+                <a:gd name="connsiteX0" fmla="*/ 0 w 768252"/>
+                <a:gd name="connsiteY0" fmla="*/ 339418 h 733381"/>
+                <a:gd name="connsiteX1" fmla="*/ 217158 w 768252"/>
+                <a:gd name="connsiteY1" fmla="*/ 727756 h 733381"/>
+                <a:gd name="connsiteX2" fmla="*/ 571945 w 768252"/>
+                <a:gd name="connsiteY2" fmla="*/ 7209 h 733381"/>
+                <a:gd name="connsiteX3" fmla="*/ 768252 w 768252"/>
+                <a:gd name="connsiteY3" fmla="*/ 388308 h 733381"/>
+                <a:gd name="connsiteX0" fmla="*/ 0 w 772617"/>
+                <a:gd name="connsiteY0" fmla="*/ 340757 h 734720"/>
+                <a:gd name="connsiteX1" fmla="*/ 217158 w 772617"/>
+                <a:gd name="connsiteY1" fmla="*/ 729095 h 734720"/>
+                <a:gd name="connsiteX2" fmla="*/ 571945 w 772617"/>
+                <a:gd name="connsiteY2" fmla="*/ 8548 h 734720"/>
+                <a:gd name="connsiteX3" fmla="*/ 772617 w 772617"/>
+                <a:gd name="connsiteY3" fmla="*/ 367918 h 734720"/>
+                <a:gd name="connsiteX0" fmla="*/ 0 w 794443"/>
+                <a:gd name="connsiteY0" fmla="*/ 341122 h 735085"/>
+                <a:gd name="connsiteX1" fmla="*/ 217158 w 794443"/>
+                <a:gd name="connsiteY1" fmla="*/ 729460 h 735085"/>
+                <a:gd name="connsiteX2" fmla="*/ 571945 w 794443"/>
+                <a:gd name="connsiteY2" fmla="*/ 8913 h 735085"/>
+                <a:gd name="connsiteX3" fmla="*/ 794443 w 794443"/>
+                <a:gd name="connsiteY3" fmla="*/ 362851 h 735085"/>
+                <a:gd name="connsiteX0" fmla="*/ 0 w 758930"/>
+                <a:gd name="connsiteY0" fmla="*/ 341641 h 735604"/>
+                <a:gd name="connsiteX1" fmla="*/ 217158 w 758930"/>
+                <a:gd name="connsiteY1" fmla="*/ 729979 h 735604"/>
+                <a:gd name="connsiteX2" fmla="*/ 571945 w 758930"/>
+                <a:gd name="connsiteY2" fmla="*/ 9432 h 735604"/>
+                <a:gd name="connsiteX3" fmla="*/ 758930 w 758930"/>
+                <a:gd name="connsiteY3" fmla="*/ 355940 h 735604"/>
+                <a:gd name="connsiteX0" fmla="*/ 0 w 747093"/>
+                <a:gd name="connsiteY0" fmla="*/ 341641 h 735604"/>
+                <a:gd name="connsiteX1" fmla="*/ 205321 w 747093"/>
+                <a:gd name="connsiteY1" fmla="*/ 729979 h 735604"/>
+                <a:gd name="connsiteX2" fmla="*/ 560108 w 747093"/>
+                <a:gd name="connsiteY2" fmla="*/ 9432 h 735604"/>
+                <a:gd name="connsiteX3" fmla="*/ 747093 w 747093"/>
+                <a:gd name="connsiteY3" fmla="*/ 355940 h 735604"/>
+                <a:gd name="connsiteX0" fmla="*/ 0 w 747093"/>
+                <a:gd name="connsiteY0" fmla="*/ 341641 h 735875"/>
+                <a:gd name="connsiteX1" fmla="*/ 205321 w 747093"/>
+                <a:gd name="connsiteY1" fmla="*/ 729979 h 735875"/>
+                <a:gd name="connsiteX2" fmla="*/ 560108 w 747093"/>
+                <a:gd name="connsiteY2" fmla="*/ 9432 h 735875"/>
+                <a:gd name="connsiteX3" fmla="*/ 747093 w 747093"/>
+                <a:gd name="connsiteY3" fmla="*/ 355940 h 735875"/>
+                <a:gd name="connsiteX0" fmla="*/ 0 w 739990"/>
+                <a:gd name="connsiteY0" fmla="*/ 361006 h 736823"/>
+                <a:gd name="connsiteX1" fmla="*/ 198218 w 739990"/>
+                <a:gd name="connsiteY1" fmla="*/ 729979 h 736823"/>
+                <a:gd name="connsiteX2" fmla="*/ 553005 w 739990"/>
+                <a:gd name="connsiteY2" fmla="*/ 9432 h 736823"/>
+                <a:gd name="connsiteX3" fmla="*/ 739990 w 739990"/>
+                <a:gd name="connsiteY3" fmla="*/ 355940 h 736823"/>
+                <a:gd name="connsiteX0" fmla="*/ 0 w 758930"/>
+                <a:gd name="connsiteY0" fmla="*/ 361006 h 736823"/>
+                <a:gd name="connsiteX1" fmla="*/ 198218 w 758930"/>
+                <a:gd name="connsiteY1" fmla="*/ 729979 h 736823"/>
+                <a:gd name="connsiteX2" fmla="*/ 553005 w 758930"/>
+                <a:gd name="connsiteY2" fmla="*/ 9432 h 736823"/>
+                <a:gd name="connsiteX3" fmla="*/ 758930 w 758930"/>
+                <a:gd name="connsiteY3" fmla="*/ 355940 h 736823"/>
+              </a:gdLst>
+              <a:ahLst/>
+              <a:cxnLst>
+                <a:cxn ang="0">
+                  <a:pos x="connsiteX0" y="connsiteY0"/>
+                </a:cxn>
+                <a:cxn ang="0">
+                  <a:pos x="connsiteX1" y="connsiteY1"/>
+                </a:cxn>
+                <a:cxn ang="0">
+                  <a:pos x="connsiteX2" y="connsiteY2"/>
+                </a:cxn>
+                <a:cxn ang="0">
+                  <a:pos x="connsiteX3" y="connsiteY3"/>
+                </a:cxn>
+              </a:cxnLst>
+              <a:rect l="l" t="t" r="r" b="b"/>
+              <a:pathLst>
+                <a:path w="758930" h="736823">
+                  <a:moveTo>
+                    <a:pt x="0" y="361006"/>
+                  </a:moveTo>
+                  <a:cubicBezTo>
+                    <a:pt x="34333" y="454288"/>
+                    <a:pt x="106051" y="788575"/>
+                    <a:pt x="198218" y="729979"/>
+                  </a:cubicBezTo>
+                  <a:cubicBezTo>
+                    <a:pt x="290385" y="671383"/>
+                    <a:pt x="459553" y="71772"/>
+                    <a:pt x="553005" y="9432"/>
+                  </a:cubicBezTo>
+                  <a:cubicBezTo>
+                    <a:pt x="646457" y="-52908"/>
+                    <a:pt x="716040" y="208688"/>
+                    <a:pt x="758930" y="355940"/>
+                  </a:cubicBezTo>
+                </a:path>
+              </a:pathLst>
+            </a:custGeom>
+            <a:noFill/>
+            <a:ln w="38100">
+              <a:solidFill>
+                <a:srgbClr val="C00000"/>
+              </a:solidFill>
+              <a:headEnd type="none" w="med" len="med"/>
+              <a:tailEnd type="none" w="med" len="med"/>
+            </a:ln>
+          </p:spPr>
+          <p:style>
+            <a:lnRef idx="2">
+              <a:schemeClr val="accent1">
+                <a:shade val="50000"/>
+              </a:schemeClr>
+            </a:lnRef>
+            <a:fillRef idx="1">
+              <a:schemeClr val="accent1"/>
+            </a:fillRef>
+            <a:effectRef idx="0">
+              <a:schemeClr val="accent1"/>
+            </a:effectRef>
+            <a:fontRef idx="minor">
+              <a:schemeClr val="lt1"/>
+            </a:fontRef>
+          </p:style>
+          <p:txBody>
+            <a:bodyPr rtlCol="0" anchor="ctr"/>
+            <a:lstStyle/>
+            <a:p>
+              <a:pPr algn="ctr"/>
+              <a:endParaRPr lang="en-GB">
+                <a:solidFill>
+                  <a:srgbClr val="C00000"/>
+                </a:solidFill>
+              </a:endParaRPr>
+            </a:p>
+          </p:txBody>
+        </p:sp>
+        <p:grpSp>
+          <p:nvGrpSpPr>
+            <p:cNvPr id="150" name="Group 149"/>
+            <p:cNvGrpSpPr/>
+            <p:nvPr/>
+          </p:nvGrpSpPr>
+          <p:grpSpPr>
+            <a:xfrm>
+              <a:off x="2608207" y="4217946"/>
+              <a:ext cx="1170385" cy="1416671"/>
+              <a:chOff x="2051720" y="4480592"/>
+              <a:chExt cx="1462981" cy="1770839"/>
+            </a:xfrm>
+          </p:grpSpPr>
+          <p:sp>
+            <p:nvSpPr>
+              <p:cNvPr id="178" name="Oval 177"/>
+              <p:cNvSpPr/>
+              <p:nvPr/>
+            </p:nvSpPr>
+            <p:spPr>
+              <a:xfrm>
+                <a:off x="2051720" y="4480592"/>
+                <a:ext cx="1440000" cy="1440000"/>
+              </a:xfrm>
+              <a:prstGeom prst="ellipse">
+                <a:avLst/>
+              </a:prstGeom>
+              <a:solidFill>
+                <a:schemeClr val="bg1">
+                  <a:lumMod val="65000"/>
+                </a:schemeClr>
+              </a:solidFill>
+              <a:ln>
+                <a:noFill/>
+              </a:ln>
+              <a:scene3d>
+                <a:camera prst="orthographicFront"/>
+                <a:lightRig rig="threePt" dir="t"/>
+              </a:scene3d>
+              <a:sp3d>
+                <a:bevelT w="723900" h="723900"/>
+              </a:sp3d>
+            </p:spPr>
+            <p:style>
+              <a:lnRef idx="2">
+                <a:schemeClr val="accent1">
+                  <a:shade val="50000"/>
+                </a:schemeClr>
+              </a:lnRef>
+              <a:fillRef idx="1">
+                <a:schemeClr val="accent1"/>
+              </a:fillRef>
+              <a:effectRef idx="0">
+                <a:schemeClr val="accent1"/>
+              </a:effectRef>
+              <a:fontRef idx="minor">
+                <a:schemeClr val="lt1"/>
+              </a:fontRef>
+            </p:style>
+            <p:txBody>
+              <a:bodyPr rtlCol="0" anchor="ctr"/>
+              <a:lstStyle/>
+              <a:p>
+                <a:pPr algn="ctr"/>
+                <a:endParaRPr lang="en-GB"/>
+              </a:p>
+            </p:txBody>
+          </p:sp>
+          <p:sp>
+            <p:nvSpPr>
+              <p:cNvPr id="179" name="Oval 178"/>
+              <p:cNvSpPr/>
+              <p:nvPr/>
+            </p:nvSpPr>
+            <p:spPr>
+              <a:xfrm>
+                <a:off x="2074701" y="4811431"/>
+                <a:ext cx="1440000" cy="1440000"/>
+              </a:xfrm>
+              <a:prstGeom prst="ellipse">
+                <a:avLst/>
+              </a:prstGeom>
+              <a:solidFill>
+                <a:schemeClr val="tx2">
+                  <a:lumMod val="40000"/>
+                  <a:lumOff val="60000"/>
+                  <a:alpha val="85000"/>
+                </a:schemeClr>
+              </a:solidFill>
+              <a:ln>
+                <a:noFill/>
+              </a:ln>
+            </p:spPr>
+            <p:style>
+              <a:lnRef idx="2">
+                <a:schemeClr val="accent1">
+                  <a:shade val="50000"/>
+                </a:schemeClr>
+              </a:lnRef>
+              <a:fillRef idx="1">
+                <a:schemeClr val="accent1"/>
+              </a:fillRef>
+              <a:effectRef idx="0">
+                <a:schemeClr val="accent1"/>
+              </a:effectRef>
+              <a:fontRef idx="minor">
+                <a:schemeClr val="lt1"/>
+              </a:fontRef>
+            </p:style>
+            <p:txBody>
+              <a:bodyPr rtlCol="0" anchor="ctr"/>
+              <a:lstStyle/>
+              <a:p>
+                <a:pPr algn="ctr"/>
+                <a:endParaRPr lang="en-GB"/>
+              </a:p>
+            </p:txBody>
+          </p:sp>
+        </p:grpSp>
+        <p:grpSp>
+          <p:nvGrpSpPr>
+            <p:cNvPr id="151" name="Group 150"/>
+            <p:cNvGrpSpPr/>
+            <p:nvPr/>
+          </p:nvGrpSpPr>
+          <p:grpSpPr>
+            <a:xfrm>
+              <a:off x="4907993" y="3883055"/>
+              <a:ext cx="1152000" cy="1415152"/>
+              <a:chOff x="4859624" y="5186210"/>
+              <a:chExt cx="1440000" cy="1768940"/>
+            </a:xfrm>
+          </p:grpSpPr>
+          <p:sp>
+            <p:nvSpPr>
+              <p:cNvPr id="176" name="Oval 175"/>
+              <p:cNvSpPr/>
+              <p:nvPr/>
+            </p:nvSpPr>
+            <p:spPr>
+              <a:xfrm>
+                <a:off x="4859624" y="5515150"/>
+                <a:ext cx="1440000" cy="1440000"/>
+              </a:xfrm>
+              <a:prstGeom prst="ellipse">
+                <a:avLst/>
+              </a:prstGeom>
+              <a:solidFill>
+                <a:schemeClr val="bg1">
+                  <a:lumMod val="65000"/>
+                </a:schemeClr>
+              </a:solidFill>
+              <a:ln>
+                <a:noFill/>
+              </a:ln>
+              <a:scene3d>
+                <a:camera prst="orthographicFront"/>
+                <a:lightRig rig="threePt" dir="t"/>
+              </a:scene3d>
+              <a:sp3d>
+                <a:bevelT w="723900" h="723900"/>
+              </a:sp3d>
+            </p:spPr>
+            <p:style>
+              <a:lnRef idx="2">
+                <a:schemeClr val="accent1">
+                  <a:shade val="50000"/>
+                </a:schemeClr>
+              </a:lnRef>
+              <a:fillRef idx="1">
+                <a:schemeClr val="accent1"/>
+              </a:fillRef>
+              <a:effectRef idx="0">
+                <a:schemeClr val="accent1"/>
+              </a:effectRef>
+              <a:fontRef idx="minor">
+                <a:schemeClr val="lt1"/>
+              </a:fontRef>
+            </p:style>
+            <p:txBody>
+              <a:bodyPr rtlCol="0" anchor="ctr"/>
+              <a:lstStyle/>
+              <a:p>
+                <a:pPr algn="ctr"/>
+                <a:endParaRPr lang="en-GB"/>
+              </a:p>
+            </p:txBody>
+          </p:sp>
+          <p:sp>
+            <p:nvSpPr>
+              <p:cNvPr id="177" name="Oval 176"/>
+              <p:cNvSpPr/>
+              <p:nvPr/>
+            </p:nvSpPr>
+            <p:spPr>
+              <a:xfrm>
+                <a:off x="4859624" y="5186210"/>
+                <a:ext cx="1440000" cy="1440000"/>
+              </a:xfrm>
+              <a:prstGeom prst="ellipse">
+                <a:avLst/>
+              </a:prstGeom>
+              <a:solidFill>
+                <a:schemeClr val="tx2">
+                  <a:lumMod val="40000"/>
+                  <a:lumOff val="60000"/>
+                  <a:alpha val="85000"/>
+                </a:schemeClr>
+              </a:solidFill>
+              <a:ln>
+                <a:noFill/>
+              </a:ln>
+            </p:spPr>
+            <p:style>
+              <a:lnRef idx="2">
+                <a:schemeClr val="accent1">
+                  <a:shade val="50000"/>
+                </a:schemeClr>
+              </a:lnRef>
+              <a:fillRef idx="1">
+                <a:schemeClr val="accent1"/>
+              </a:fillRef>
+              <a:effectRef idx="0">
+                <a:schemeClr val="accent1"/>
+              </a:effectRef>
+              <a:fontRef idx="minor">
+                <a:schemeClr val="lt1"/>
+              </a:fontRef>
+            </p:style>
+            <p:txBody>
+              <a:bodyPr rtlCol="0" anchor="ctr"/>
+              <a:lstStyle/>
+              <a:p>
+                <a:pPr algn="ctr"/>
+                <a:endParaRPr lang="en-GB"/>
+              </a:p>
+            </p:txBody>
+          </p:sp>
+        </p:grpSp>
+        <p:grpSp>
+          <p:nvGrpSpPr>
+            <p:cNvPr id="152" name="Group 151"/>
+            <p:cNvGrpSpPr/>
+            <p:nvPr/>
+          </p:nvGrpSpPr>
+          <p:grpSpPr>
+            <a:xfrm>
+              <a:off x="2775790" y="4066137"/>
+              <a:ext cx="858758" cy="479033"/>
+              <a:chOff x="2261715" y="5095577"/>
+              <a:chExt cx="1073447" cy="598791"/>
+            </a:xfrm>
+          </p:grpSpPr>
+          <p:sp>
+            <p:nvSpPr>
+              <p:cNvPr id="173" name="TextBox 172"/>
+              <p:cNvSpPr txBox="1"/>
+              <p:nvPr/>
+            </p:nvSpPr>
+            <p:spPr>
+              <a:xfrm>
+                <a:off x="2555081" y="5095577"/>
+                <a:ext cx="497525" cy="553998"/>
+              </a:xfrm>
+              <a:prstGeom prst="rect">
+                <a:avLst/>
+              </a:prstGeom>
+              <a:noFill/>
+            </p:spPr>
+            <p:txBody>
+              <a:bodyPr wrap="square" rtlCol="0">
+                <a:spAutoFit/>
+              </a:bodyPr>
+              <a:lstStyle/>
+              <a:p>
+                <a:r>
+                  <a:rPr lang="en-GB" sz="3000" dirty="0" smtClean="0">
+                    <a:solidFill>
+                      <a:schemeClr val="bg1"/>
+                    </a:solidFill>
+                  </a:rPr>
+                  <a:t>+</a:t>
+                </a:r>
+                <a:endParaRPr lang="en-GB" sz="3000" dirty="0">
+                  <a:solidFill>
+                    <a:schemeClr val="bg1"/>
+                  </a:solidFill>
+                </a:endParaRPr>
+              </a:p>
+            </p:txBody>
+          </p:sp>
+          <p:sp>
+            <p:nvSpPr>
+              <p:cNvPr id="174" name="TextBox 173"/>
+              <p:cNvSpPr txBox="1"/>
+              <p:nvPr/>
+            </p:nvSpPr>
+            <p:spPr>
+              <a:xfrm>
+                <a:off x="2261715" y="5140370"/>
+                <a:ext cx="497525" cy="553998"/>
+              </a:xfrm>
+              <a:prstGeom prst="rect">
+                <a:avLst/>
+              </a:prstGeom>
+              <a:noFill/>
+            </p:spPr>
+            <p:txBody>
+              <a:bodyPr wrap="square" rtlCol="0">
+                <a:spAutoFit/>
+              </a:bodyPr>
+              <a:lstStyle/>
+              <a:p>
+                <a:r>
+                  <a:rPr lang="en-GB" sz="3000" dirty="0" smtClean="0">
+                    <a:solidFill>
+                      <a:schemeClr val="bg1"/>
+                    </a:solidFill>
+                  </a:rPr>
+                  <a:t>+</a:t>
+                </a:r>
+                <a:endParaRPr lang="en-GB" sz="3000" dirty="0">
+                  <a:solidFill>
+                    <a:schemeClr val="bg1"/>
+                  </a:solidFill>
+                </a:endParaRPr>
+              </a:p>
+            </p:txBody>
+          </p:sp>
+          <p:sp>
+            <p:nvSpPr>
+              <p:cNvPr id="175" name="TextBox 174"/>
+              <p:cNvSpPr txBox="1"/>
+              <p:nvPr/>
+            </p:nvSpPr>
+            <p:spPr>
+              <a:xfrm>
+                <a:off x="2837637" y="5132208"/>
+                <a:ext cx="497525" cy="553999"/>
+              </a:xfrm>
+              <a:prstGeom prst="rect">
+                <a:avLst/>
+              </a:prstGeom>
+              <a:noFill/>
+            </p:spPr>
+            <p:txBody>
+              <a:bodyPr wrap="square" rtlCol="0">
+                <a:spAutoFit/>
+              </a:bodyPr>
+              <a:lstStyle/>
+              <a:p>
+                <a:r>
+                  <a:rPr lang="en-GB" sz="3000" dirty="0" smtClean="0">
+                    <a:solidFill>
+                      <a:schemeClr val="bg1"/>
+                    </a:solidFill>
+                  </a:rPr>
+                  <a:t>+</a:t>
+                </a:r>
+                <a:endParaRPr lang="en-GB" sz="3000" dirty="0">
+                  <a:solidFill>
+                    <a:schemeClr val="bg1"/>
+                  </a:solidFill>
+                </a:endParaRPr>
+              </a:p>
+            </p:txBody>
+          </p:sp>
+        </p:grpSp>
+        <p:grpSp>
+          <p:nvGrpSpPr>
+            <p:cNvPr id="153" name="Group 152"/>
+            <p:cNvGrpSpPr/>
+            <p:nvPr/>
+          </p:nvGrpSpPr>
+          <p:grpSpPr>
+            <a:xfrm>
+              <a:off x="5094114" y="3688083"/>
+              <a:ext cx="841505" cy="554390"/>
+              <a:chOff x="2261715" y="5095577"/>
+              <a:chExt cx="1051881" cy="692988"/>
+            </a:xfrm>
+          </p:grpSpPr>
+          <p:sp>
+            <p:nvSpPr>
+              <p:cNvPr id="170" name="TextBox 169"/>
+              <p:cNvSpPr txBox="1"/>
+              <p:nvPr/>
+            </p:nvSpPr>
+            <p:spPr>
+              <a:xfrm>
+                <a:off x="2555081" y="5095577"/>
+                <a:ext cx="497525" cy="630942"/>
+              </a:xfrm>
+              <a:prstGeom prst="rect">
+                <a:avLst/>
+              </a:prstGeom>
+              <a:noFill/>
+            </p:spPr>
+            <p:txBody>
+              <a:bodyPr wrap="square" rtlCol="0">
+                <a:spAutoFit/>
+              </a:bodyPr>
+              <a:lstStyle/>
+              <a:p>
+                <a:r>
+                  <a:rPr lang="en-GB" sz="3500" dirty="0">
+                    <a:solidFill>
+                      <a:schemeClr val="bg1"/>
+                    </a:solidFill>
+                  </a:rPr>
+                  <a:t>-</a:t>
+                </a:r>
+                <a:endParaRPr lang="en-GB" sz="3500" dirty="0">
+                  <a:solidFill>
+                    <a:schemeClr val="bg1"/>
+                  </a:solidFill>
+                </a:endParaRPr>
+              </a:p>
+            </p:txBody>
+          </p:sp>
+          <p:sp>
+            <p:nvSpPr>
+              <p:cNvPr id="171" name="TextBox 170"/>
+              <p:cNvSpPr txBox="1"/>
+              <p:nvPr/>
+            </p:nvSpPr>
+            <p:spPr>
+              <a:xfrm>
+                <a:off x="2261715" y="5157623"/>
+                <a:ext cx="497525" cy="630942"/>
+              </a:xfrm>
+              <a:prstGeom prst="rect">
+                <a:avLst/>
+              </a:prstGeom>
+              <a:noFill/>
+            </p:spPr>
+            <p:txBody>
+              <a:bodyPr wrap="square" rtlCol="0">
+                <a:spAutoFit/>
+              </a:bodyPr>
+              <a:lstStyle/>
+              <a:p>
+                <a:r>
+                  <a:rPr lang="en-GB" sz="3500" dirty="0">
+                    <a:solidFill>
+                      <a:schemeClr val="bg1"/>
+                    </a:solidFill>
+                  </a:rPr>
+                  <a:t>-</a:t>
+                </a:r>
+                <a:endParaRPr lang="en-GB" sz="3500" dirty="0">
+                  <a:solidFill>
+                    <a:schemeClr val="bg1"/>
+                  </a:solidFill>
+                </a:endParaRPr>
+              </a:p>
+            </p:txBody>
+          </p:sp>
+          <p:sp>
+            <p:nvSpPr>
+              <p:cNvPr id="172" name="TextBox 171"/>
+              <p:cNvSpPr txBox="1"/>
+              <p:nvPr/>
+            </p:nvSpPr>
+            <p:spPr>
+              <a:xfrm>
+                <a:off x="2816071" y="5153774"/>
+                <a:ext cx="497525" cy="630942"/>
+              </a:xfrm>
+              <a:prstGeom prst="rect">
+                <a:avLst/>
+              </a:prstGeom>
+              <a:noFill/>
+            </p:spPr>
+            <p:txBody>
+              <a:bodyPr wrap="square" rtlCol="0">
+                <a:spAutoFit/>
+              </a:bodyPr>
+              <a:lstStyle/>
+              <a:p>
+                <a:r>
+                  <a:rPr lang="en-GB" sz="3500" dirty="0">
+                    <a:solidFill>
+                      <a:schemeClr val="bg1"/>
+                    </a:solidFill>
+                  </a:rPr>
+                  <a:t>-</a:t>
+                </a:r>
+                <a:endParaRPr lang="en-GB" sz="3500" dirty="0">
+                  <a:solidFill>
+                    <a:schemeClr val="bg1"/>
+                  </a:solidFill>
+                </a:endParaRPr>
+              </a:p>
+            </p:txBody>
+          </p:sp>
+        </p:grpSp>
+        <p:grpSp>
+          <p:nvGrpSpPr>
+            <p:cNvPr id="154" name="Group 153"/>
+            <p:cNvGrpSpPr/>
+            <p:nvPr/>
+          </p:nvGrpSpPr>
+          <p:grpSpPr>
+            <a:xfrm flipV="1">
+              <a:off x="5066729" y="5006211"/>
+              <a:ext cx="841505" cy="479033"/>
+              <a:chOff x="2261715" y="5095577"/>
+              <a:chExt cx="1051881" cy="598791"/>
+            </a:xfrm>
+          </p:grpSpPr>
+          <p:sp>
+            <p:nvSpPr>
+              <p:cNvPr id="167" name="TextBox 166"/>
+              <p:cNvSpPr txBox="1"/>
+              <p:nvPr/>
+            </p:nvSpPr>
+            <p:spPr>
+              <a:xfrm>
+                <a:off x="2555081" y="5095577"/>
+                <a:ext cx="497525" cy="553998"/>
+              </a:xfrm>
+              <a:prstGeom prst="rect">
+                <a:avLst/>
+              </a:prstGeom>
+              <a:noFill/>
+            </p:spPr>
+            <p:txBody>
+              <a:bodyPr wrap="square" rtlCol="0">
+                <a:spAutoFit/>
+              </a:bodyPr>
+              <a:lstStyle/>
+              <a:p>
+                <a:r>
+                  <a:rPr lang="en-GB" sz="3000" dirty="0" smtClean="0">
+                    <a:solidFill>
+                      <a:schemeClr val="bg1"/>
+                    </a:solidFill>
+                  </a:rPr>
+                  <a:t>+</a:t>
+                </a:r>
+                <a:endParaRPr lang="en-GB" sz="3000" dirty="0">
+                  <a:solidFill>
+                    <a:schemeClr val="bg1"/>
+                  </a:solidFill>
+                </a:endParaRPr>
+              </a:p>
+            </p:txBody>
+          </p:sp>
+          <p:sp>
+            <p:nvSpPr>
+              <p:cNvPr id="168" name="TextBox 167"/>
+              <p:cNvSpPr txBox="1"/>
+              <p:nvPr/>
+            </p:nvSpPr>
+            <p:spPr>
+              <a:xfrm>
+                <a:off x="2261715" y="5140370"/>
+                <a:ext cx="497525" cy="553998"/>
+              </a:xfrm>
+              <a:prstGeom prst="rect">
+                <a:avLst/>
+              </a:prstGeom>
+              <a:noFill/>
+            </p:spPr>
+            <p:txBody>
+              <a:bodyPr wrap="square" rtlCol="0">
+                <a:spAutoFit/>
+              </a:bodyPr>
+              <a:lstStyle/>
+              <a:p>
+                <a:r>
+                  <a:rPr lang="en-GB" sz="3000" dirty="0" smtClean="0">
+                    <a:solidFill>
+                      <a:schemeClr val="bg1"/>
+                    </a:solidFill>
+                  </a:rPr>
+                  <a:t>+</a:t>
+                </a:r>
+                <a:endParaRPr lang="en-GB" sz="3000" dirty="0">
+                  <a:solidFill>
+                    <a:schemeClr val="bg1"/>
+                  </a:solidFill>
+                </a:endParaRPr>
+              </a:p>
+            </p:txBody>
+          </p:sp>
+          <p:sp>
+            <p:nvSpPr>
+              <p:cNvPr id="169" name="TextBox 168"/>
+              <p:cNvSpPr txBox="1"/>
+              <p:nvPr/>
+            </p:nvSpPr>
+            <p:spPr>
+              <a:xfrm>
+                <a:off x="2816071" y="5136521"/>
+                <a:ext cx="497525" cy="553998"/>
+              </a:xfrm>
+              <a:prstGeom prst="rect">
+                <a:avLst/>
+              </a:prstGeom>
+              <a:noFill/>
+            </p:spPr>
+            <p:txBody>
+              <a:bodyPr wrap="square" rtlCol="0">
+                <a:spAutoFit/>
+              </a:bodyPr>
+              <a:lstStyle/>
+              <a:p>
+                <a:r>
+                  <a:rPr lang="en-GB" sz="3000" dirty="0" smtClean="0">
+                    <a:solidFill>
+                      <a:schemeClr val="bg1"/>
+                    </a:solidFill>
+                  </a:rPr>
+                  <a:t>+</a:t>
+                </a:r>
+                <a:endParaRPr lang="en-GB" sz="3000" dirty="0">
+                  <a:solidFill>
+                    <a:schemeClr val="bg1"/>
+                  </a:solidFill>
+                </a:endParaRPr>
+              </a:p>
+            </p:txBody>
+          </p:sp>
+        </p:grpSp>
+        <p:grpSp>
+          <p:nvGrpSpPr>
+            <p:cNvPr id="155" name="Group 154"/>
+            <p:cNvGrpSpPr/>
+            <p:nvPr/>
+          </p:nvGrpSpPr>
+          <p:grpSpPr>
+            <a:xfrm flipV="1">
+              <a:off x="2730080" y="5303237"/>
+              <a:ext cx="841505" cy="554390"/>
+              <a:chOff x="2261715" y="5095577"/>
+              <a:chExt cx="1051881" cy="692988"/>
+            </a:xfrm>
+          </p:grpSpPr>
+          <p:sp>
+            <p:nvSpPr>
+              <p:cNvPr id="164" name="TextBox 163"/>
+              <p:cNvSpPr txBox="1"/>
+              <p:nvPr/>
+            </p:nvSpPr>
+            <p:spPr>
+              <a:xfrm>
+                <a:off x="2555081" y="5095577"/>
+                <a:ext cx="497525" cy="630942"/>
+              </a:xfrm>
+              <a:prstGeom prst="rect">
+                <a:avLst/>
+              </a:prstGeom>
+              <a:noFill/>
+            </p:spPr>
+            <p:txBody>
+              <a:bodyPr wrap="square" rtlCol="0">
+                <a:spAutoFit/>
+              </a:bodyPr>
+              <a:lstStyle/>
+              <a:p>
+                <a:r>
+                  <a:rPr lang="en-GB" sz="3500" dirty="0">
+                    <a:solidFill>
+                      <a:schemeClr val="bg1"/>
+                    </a:solidFill>
+                  </a:rPr>
+                  <a:t>-</a:t>
+                </a:r>
+                <a:endParaRPr lang="en-GB" sz="3500" dirty="0">
+                  <a:solidFill>
+                    <a:schemeClr val="bg1"/>
+                  </a:solidFill>
+                </a:endParaRPr>
+              </a:p>
+            </p:txBody>
+          </p:sp>
+          <p:sp>
+            <p:nvSpPr>
+              <p:cNvPr id="165" name="TextBox 164"/>
+              <p:cNvSpPr txBox="1"/>
+              <p:nvPr/>
+            </p:nvSpPr>
+            <p:spPr>
+              <a:xfrm>
+                <a:off x="2261715" y="5157623"/>
+                <a:ext cx="497525" cy="630942"/>
+              </a:xfrm>
+              <a:prstGeom prst="rect">
+                <a:avLst/>
+              </a:prstGeom>
+              <a:noFill/>
+            </p:spPr>
+            <p:txBody>
+              <a:bodyPr wrap="square" rtlCol="0">
+                <a:spAutoFit/>
+              </a:bodyPr>
+              <a:lstStyle/>
+              <a:p>
+                <a:r>
+                  <a:rPr lang="en-GB" sz="3500" dirty="0">
+                    <a:solidFill>
+                      <a:schemeClr val="bg1"/>
+                    </a:solidFill>
+                  </a:rPr>
+                  <a:t>-</a:t>
+                </a:r>
+                <a:endParaRPr lang="en-GB" sz="3500" dirty="0">
+                  <a:solidFill>
+                    <a:schemeClr val="bg1"/>
+                  </a:solidFill>
+                </a:endParaRPr>
+              </a:p>
+            </p:txBody>
+          </p:sp>
+          <p:sp>
+            <p:nvSpPr>
+              <p:cNvPr id="166" name="TextBox 165"/>
+              <p:cNvSpPr txBox="1"/>
+              <p:nvPr/>
+            </p:nvSpPr>
+            <p:spPr>
+              <a:xfrm>
+                <a:off x="2816071" y="5153774"/>
+                <a:ext cx="497525" cy="630942"/>
+              </a:xfrm>
+              <a:prstGeom prst="rect">
+                <a:avLst/>
+              </a:prstGeom>
+              <a:noFill/>
+            </p:spPr>
+            <p:txBody>
+              <a:bodyPr wrap="square" rtlCol="0">
+                <a:spAutoFit/>
+              </a:bodyPr>
+              <a:lstStyle/>
+              <a:p>
+                <a:r>
+                  <a:rPr lang="en-GB" sz="3500" dirty="0">
+                    <a:solidFill>
+                      <a:schemeClr val="bg1"/>
+                    </a:solidFill>
+                  </a:rPr>
+                  <a:t>-</a:t>
+                </a:r>
+                <a:endParaRPr lang="en-GB" sz="3500" dirty="0">
+                  <a:solidFill>
+                    <a:schemeClr val="bg1"/>
+                  </a:solidFill>
+                </a:endParaRPr>
+              </a:p>
+            </p:txBody>
+          </p:sp>
+        </p:grpSp>
+        <p:sp>
+          <p:nvSpPr>
+            <p:cNvPr id="156" name="TextBox 155"/>
+            <p:cNvSpPr txBox="1"/>
+            <p:nvPr/>
+          </p:nvSpPr>
+          <p:spPr>
+            <a:xfrm>
+              <a:off x="276966" y="3463405"/>
+              <a:ext cx="2065181" cy="477054"/>
+            </a:xfrm>
+            <a:prstGeom prst="rect">
+              <a:avLst/>
+            </a:prstGeom>
+            <a:noFill/>
+          </p:spPr>
+          <p:txBody>
+            <a:bodyPr wrap="square" rtlCol="0">
+              <a:spAutoFit/>
+            </a:bodyPr>
+            <a:lstStyle/>
+            <a:p>
+              <a:r>
+                <a:rPr lang="en-GB" sz="2500" dirty="0" smtClean="0"/>
+                <a:t>Electric field</a:t>
+              </a:r>
+              <a:endParaRPr lang="en-GB" sz="2500" dirty="0"/>
+            </a:p>
+          </p:txBody>
+        </p:sp>
+        <p:sp>
+          <p:nvSpPr>
+            <p:cNvPr id="157" name="TextBox 156"/>
+            <p:cNvSpPr txBox="1"/>
+            <p:nvPr/>
+          </p:nvSpPr>
+          <p:spPr>
+            <a:xfrm>
+              <a:off x="252090" y="4146207"/>
+              <a:ext cx="1944217" cy="477054"/>
+            </a:xfrm>
+            <a:prstGeom prst="rect">
+              <a:avLst/>
+            </a:prstGeom>
+            <a:noFill/>
+          </p:spPr>
+          <p:txBody>
+            <a:bodyPr wrap="square" rtlCol="0">
+              <a:spAutoFit/>
+            </a:bodyPr>
+            <a:lstStyle/>
+            <a:p>
+              <a:r>
+                <a:rPr lang="en-GB" sz="2500" dirty="0" smtClean="0"/>
+                <a:t>Nanoparticle</a:t>
+              </a:r>
+              <a:endParaRPr lang="en-GB" sz="2500" dirty="0"/>
+            </a:p>
+          </p:txBody>
+        </p:sp>
+        <p:sp>
+          <p:nvSpPr>
+            <p:cNvPr id="158" name="TextBox 157"/>
+            <p:cNvSpPr txBox="1"/>
+            <p:nvPr/>
+          </p:nvSpPr>
+          <p:spPr>
+            <a:xfrm>
+              <a:off x="180082" y="5128196"/>
+              <a:ext cx="2099229" cy="477054"/>
+            </a:xfrm>
+            <a:prstGeom prst="rect">
+              <a:avLst/>
+            </a:prstGeom>
+            <a:noFill/>
+          </p:spPr>
+          <p:txBody>
+            <a:bodyPr wrap="square" rtlCol="0">
+              <a:spAutoFit/>
+            </a:bodyPr>
+            <a:lstStyle/>
+            <a:p>
+              <a:r>
+                <a:rPr lang="en-GB" sz="2500" dirty="0" smtClean="0"/>
+                <a:t>Electron cloud</a:t>
+              </a:r>
+              <a:endParaRPr lang="en-GB" sz="2500" dirty="0"/>
+            </a:p>
+          </p:txBody>
+        </p:sp>
+        <p:sp>
+          <p:nvSpPr>
+            <p:cNvPr id="159" name="Up Arrow 158"/>
+            <p:cNvSpPr/>
+            <p:nvPr/>
+          </p:nvSpPr>
+          <p:spPr>
+            <a:xfrm>
+              <a:off x="3071453" y="4746359"/>
+              <a:ext cx="225507" cy="432048"/>
+            </a:xfrm>
+            <a:prstGeom prst="upArrow">
+              <a:avLst/>
+            </a:prstGeom>
+            <a:solidFill>
+              <a:schemeClr val="tx1"/>
+            </a:solidFill>
+            <a:ln>
+              <a:noFill/>
+            </a:ln>
+          </p:spPr>
+          <p:style>
+            <a:lnRef idx="2">
+              <a:schemeClr val="accent1">
+                <a:shade val="50000"/>
+              </a:schemeClr>
+            </a:lnRef>
+            <a:fillRef idx="1">
+              <a:schemeClr val="accent1"/>
+            </a:fillRef>
+            <a:effectRef idx="0">
+              <a:schemeClr val="accent1"/>
+            </a:effectRef>
+            <a:fontRef idx="minor">
+              <a:schemeClr val="lt1"/>
+            </a:fontRef>
+          </p:style>
+          <p:txBody>
+            <a:bodyPr rtlCol="0" anchor="ctr"/>
+            <a:lstStyle/>
+            <a:p>
+              <a:pPr algn="ctr"/>
+              <a:endParaRPr lang="en-GB"/>
+            </a:p>
+          </p:txBody>
+        </p:sp>
+        <p:sp>
+          <p:nvSpPr>
+            <p:cNvPr id="160" name="Up Arrow 159"/>
+            <p:cNvSpPr/>
+            <p:nvPr/>
+          </p:nvSpPr>
+          <p:spPr>
+            <a:xfrm flipV="1">
+              <a:off x="5371239" y="4329146"/>
+              <a:ext cx="225507" cy="432048"/>
+            </a:xfrm>
+            <a:prstGeom prst="upArrow">
+              <a:avLst/>
+            </a:prstGeom>
+            <a:solidFill>
+              <a:schemeClr val="tx1"/>
+            </a:solidFill>
+            <a:ln>
+              <a:noFill/>
+            </a:ln>
+          </p:spPr>
+          <p:style>
+            <a:lnRef idx="2">
+              <a:schemeClr val="accent1">
+                <a:shade val="50000"/>
+              </a:schemeClr>
+            </a:lnRef>
+            <a:fillRef idx="1">
+              <a:schemeClr val="accent1"/>
+            </a:fillRef>
+            <a:effectRef idx="0">
+              <a:schemeClr val="accent1"/>
+            </a:effectRef>
+            <a:fontRef idx="minor">
+              <a:schemeClr val="lt1"/>
+            </a:fontRef>
+          </p:style>
+          <p:txBody>
+            <a:bodyPr rtlCol="0" anchor="ctr"/>
+            <a:lstStyle/>
+            <a:p>
+              <a:pPr algn="ctr"/>
+              <a:endParaRPr lang="en-GB"/>
+            </a:p>
+          </p:txBody>
+        </p:sp>
+        <p:cxnSp>
+          <p:nvCxnSpPr>
+            <p:cNvPr id="161" name="Straight Arrow Connector 160"/>
+            <p:cNvCxnSpPr/>
+            <p:nvPr/>
+          </p:nvCxnSpPr>
+          <p:spPr>
+            <a:xfrm flipH="1" flipV="1">
+              <a:off x="2009104" y="3688083"/>
+              <a:ext cx="617489" cy="252377"/>
+            </a:xfrm>
+            <a:prstGeom prst="straightConnector1">
+              <a:avLst/>
+            </a:prstGeom>
+            <a:ln w="12700">
+              <a:solidFill>
+                <a:schemeClr val="tx1"/>
+              </a:solidFill>
+              <a:headEnd type="none" w="med" len="med"/>
+              <a:tailEnd type="triangle" w="med" len="med"/>
+            </a:ln>
+          </p:spPr>
+          <p:style>
+            <a:lnRef idx="1">
+              <a:schemeClr val="accent1"/>
+            </a:lnRef>
+            <a:fillRef idx="0">
+              <a:schemeClr val="accent1"/>
+            </a:fillRef>
+            <a:effectRef idx="0">
+              <a:schemeClr val="accent1"/>
+            </a:effectRef>
+            <a:fontRef idx="minor">
+              <a:schemeClr val="tx1"/>
+            </a:fontRef>
+          </p:style>
+        </p:cxnSp>
+        <p:cxnSp>
+          <p:nvCxnSpPr>
+            <p:cNvPr id="162" name="Straight Arrow Connector 161"/>
+            <p:cNvCxnSpPr/>
+            <p:nvPr/>
+          </p:nvCxnSpPr>
+          <p:spPr>
+            <a:xfrm flipH="1" flipV="1">
+              <a:off x="2009104" y="4406999"/>
+              <a:ext cx="766687" cy="119266"/>
+            </a:xfrm>
+            <a:prstGeom prst="straightConnector1">
+              <a:avLst/>
+            </a:prstGeom>
+            <a:ln w="12700">
+              <a:solidFill>
+                <a:schemeClr val="tx1"/>
+              </a:solidFill>
+              <a:headEnd type="none" w="med" len="med"/>
+              <a:tailEnd type="triangle" w="med" len="med"/>
+            </a:ln>
+          </p:spPr>
+          <p:style>
+            <a:lnRef idx="1">
+              <a:schemeClr val="accent1"/>
+            </a:lnRef>
+            <a:fillRef idx="0">
+              <a:schemeClr val="accent1"/>
+            </a:fillRef>
+            <a:effectRef idx="0">
+              <a:schemeClr val="accent1"/>
+            </a:effectRef>
+            <a:fontRef idx="minor">
+              <a:schemeClr val="tx1"/>
+            </a:fontRef>
+          </p:style>
+        </p:cxnSp>
+        <p:cxnSp>
+          <p:nvCxnSpPr>
+            <p:cNvPr id="163" name="Straight Arrow Connector 162"/>
+            <p:cNvCxnSpPr/>
+            <p:nvPr/>
+          </p:nvCxnSpPr>
+          <p:spPr>
+            <a:xfrm flipH="1">
+              <a:off x="2182593" y="5352874"/>
+              <a:ext cx="671296" cy="17072"/>
+            </a:xfrm>
+            <a:prstGeom prst="straightConnector1">
+              <a:avLst/>
+            </a:prstGeom>
+            <a:ln w="12700">
+              <a:solidFill>
+                <a:schemeClr val="tx1"/>
+              </a:solidFill>
+              <a:headEnd type="none" w="med" len="med"/>
+              <a:tailEnd type="triangle" w="med" len="med"/>
+            </a:ln>
+          </p:spPr>
+          <p:style>
+            <a:lnRef idx="1">
+              <a:schemeClr val="accent1"/>
+            </a:lnRef>
+            <a:fillRef idx="0">
+              <a:schemeClr val="accent1"/>
+            </a:fillRef>
+            <a:effectRef idx="0">
+              <a:schemeClr val="accent1"/>
+            </a:effectRef>
+            <a:fontRef idx="minor">
+              <a:schemeClr val="tx1"/>
+            </a:fontRef>
+          </p:style>
+        </p:cxnSp>
+      </p:grpSp>
+      <p:sp>
+        <p:nvSpPr>
+          <p:cNvPr id="180" name="TextBox 179"/>
           <p:cNvSpPr txBox="1"/>
           <p:nvPr/>
         </p:nvSpPr>
         <p:spPr>
           <a:xfrm>
-            <a:off x="5184676" y="432073"/>
-            <a:ext cx="3744416" cy="369332"/>
+            <a:off x="4284538" y="18005"/>
+            <a:ext cx="648072" cy="553998"/>
           </a:xfrm>
           <a:prstGeom prst="rect">
             <a:avLst/>
           </a:prstGeom>
           <a:noFill/>
-          <a:ln>
-            <a:solidFill>
-              <a:schemeClr val="tx1"/>
-            </a:solidFill>
-          </a:ln>
         </p:spPr>
         <p:txBody>
           <a:bodyPr wrap="square" rtlCol="0">
@@ -3635,10 +5163,40 @@
           <a:lstStyle/>
           <a:p>
             <a:r>
-              <a:rPr lang="en-GB" dirty="0" smtClean="0"/>
-              <a:t>LSP field</a:t>
-            </a:r>
-            <a:endParaRPr lang="en-GB" dirty="0"/>
+              <a:rPr lang="en-GB" sz="3000" dirty="0" smtClean="0"/>
+              <a:t>(b)</a:t>
+            </a:r>
+            <a:endParaRPr lang="en-GB" sz="3000" dirty="0" smtClean="0"/>
+          </a:p>
+        </p:txBody>
+      </p:sp>
+      <p:sp>
+        <p:nvSpPr>
+          <p:cNvPr id="181" name="TextBox 180"/>
+          <p:cNvSpPr txBox="1"/>
+          <p:nvPr/>
+        </p:nvSpPr>
+        <p:spPr>
+          <a:xfrm>
+            <a:off x="35496" y="2994283"/>
+            <a:ext cx="648072" cy="553998"/>
+          </a:xfrm>
+          <a:prstGeom prst="rect">
+            <a:avLst/>
+          </a:prstGeom>
+          <a:noFill/>
+        </p:spPr>
+        <p:txBody>
+          <a:bodyPr wrap="square" rtlCol="0">
+            <a:spAutoFit/>
+          </a:bodyPr>
+          <a:lstStyle/>
+          <a:p>
+            <a:r>
+              <a:rPr lang="en-GB" sz="3000" dirty="0" smtClean="0"/>
+              <a:t>(c)</a:t>
+            </a:r>
+            <a:endParaRPr lang="en-GB" sz="3000" dirty="0" smtClean="0"/>
           </a:p>
         </p:txBody>
       </p:sp>
@@ -3652,6 +5210,13 @@
   <p:clrMapOvr>
     <a:masterClrMapping/>
   </p:clrMapOvr>
+  <p:timing>
+    <p:tnLst>
+      <p:par>
+        <p:cTn id="1" dur="indefinite" restart="never" nodeType="tmRoot"/>
+      </p:par>
+    </p:tnLst>
+  </p:timing>
 </p:sld>
 </file>
 

--- a/Chapter3/Figures/Fig7.pptx
+++ b/Chapter3/Figures/Fig7.pptx
@@ -7,14 +7,14 @@
   <p:sldIdLst>
     <p:sldId id="256" r:id="rId2"/>
   </p:sldIdLst>
-  <p:sldSz cx="8640763" cy="6121400"/>
+  <p:sldSz cx="9361488" cy="6480175"/>
   <p:notesSz cx="6858000" cy="9144000"/>
   <p:defaultTextStyle>
     <a:defPPr>
       <a:defRPr lang="en-US"/>
     </a:defPPr>
-    <a:lvl1pPr marL="0" algn="l" defTabSz="713141" rtl="0" eaLnBrk="1" latinLnBrk="0" hangingPunct="1">
-      <a:defRPr sz="1400" kern="1200">
+    <a:lvl1pPr marL="0" algn="l" defTabSz="765237" rtl="0" eaLnBrk="1" latinLnBrk="0" hangingPunct="1">
+      <a:defRPr sz="1500" kern="1200">
         <a:solidFill>
           <a:schemeClr val="tx1"/>
         </a:solidFill>
@@ -23,8 +23,8 @@
         <a:cs typeface="+mn-cs"/>
       </a:defRPr>
     </a:lvl1pPr>
-    <a:lvl2pPr marL="356570" algn="l" defTabSz="713141" rtl="0" eaLnBrk="1" latinLnBrk="0" hangingPunct="1">
-      <a:defRPr sz="1400" kern="1200">
+    <a:lvl2pPr marL="382618" algn="l" defTabSz="765237" rtl="0" eaLnBrk="1" latinLnBrk="0" hangingPunct="1">
+      <a:defRPr sz="1500" kern="1200">
         <a:solidFill>
           <a:schemeClr val="tx1"/>
         </a:solidFill>
@@ -33,8 +33,8 @@
         <a:cs typeface="+mn-cs"/>
       </a:defRPr>
     </a:lvl2pPr>
-    <a:lvl3pPr marL="713141" algn="l" defTabSz="713141" rtl="0" eaLnBrk="1" latinLnBrk="0" hangingPunct="1">
-      <a:defRPr sz="1400" kern="1200">
+    <a:lvl3pPr marL="765237" algn="l" defTabSz="765237" rtl="0" eaLnBrk="1" latinLnBrk="0" hangingPunct="1">
+      <a:defRPr sz="1500" kern="1200">
         <a:solidFill>
           <a:schemeClr val="tx1"/>
         </a:solidFill>
@@ -43,8 +43,8 @@
         <a:cs typeface="+mn-cs"/>
       </a:defRPr>
     </a:lvl3pPr>
-    <a:lvl4pPr marL="1069711" algn="l" defTabSz="713141" rtl="0" eaLnBrk="1" latinLnBrk="0" hangingPunct="1">
-      <a:defRPr sz="1400" kern="1200">
+    <a:lvl4pPr marL="1147855" algn="l" defTabSz="765237" rtl="0" eaLnBrk="1" latinLnBrk="0" hangingPunct="1">
+      <a:defRPr sz="1500" kern="1200">
         <a:solidFill>
           <a:schemeClr val="tx1"/>
         </a:solidFill>
@@ -53,8 +53,8 @@
         <a:cs typeface="+mn-cs"/>
       </a:defRPr>
     </a:lvl4pPr>
-    <a:lvl5pPr marL="1426281" algn="l" defTabSz="713141" rtl="0" eaLnBrk="1" latinLnBrk="0" hangingPunct="1">
-      <a:defRPr sz="1400" kern="1200">
+    <a:lvl5pPr marL="1530473" algn="l" defTabSz="765237" rtl="0" eaLnBrk="1" latinLnBrk="0" hangingPunct="1">
+      <a:defRPr sz="1500" kern="1200">
         <a:solidFill>
           <a:schemeClr val="tx1"/>
         </a:solidFill>
@@ -63,8 +63,8 @@
         <a:cs typeface="+mn-cs"/>
       </a:defRPr>
     </a:lvl5pPr>
-    <a:lvl6pPr marL="1782851" algn="l" defTabSz="713141" rtl="0" eaLnBrk="1" latinLnBrk="0" hangingPunct="1">
-      <a:defRPr sz="1400" kern="1200">
+    <a:lvl6pPr marL="1913091" algn="l" defTabSz="765237" rtl="0" eaLnBrk="1" latinLnBrk="0" hangingPunct="1">
+      <a:defRPr sz="1500" kern="1200">
         <a:solidFill>
           <a:schemeClr val="tx1"/>
         </a:solidFill>
@@ -73,8 +73,8 @@
         <a:cs typeface="+mn-cs"/>
       </a:defRPr>
     </a:lvl6pPr>
-    <a:lvl7pPr marL="2139422" algn="l" defTabSz="713141" rtl="0" eaLnBrk="1" latinLnBrk="0" hangingPunct="1">
-      <a:defRPr sz="1400" kern="1200">
+    <a:lvl7pPr marL="2295709" algn="l" defTabSz="765237" rtl="0" eaLnBrk="1" latinLnBrk="0" hangingPunct="1">
+      <a:defRPr sz="1500" kern="1200">
         <a:solidFill>
           <a:schemeClr val="tx1"/>
         </a:solidFill>
@@ -83,8 +83,8 @@
         <a:cs typeface="+mn-cs"/>
       </a:defRPr>
     </a:lvl7pPr>
-    <a:lvl8pPr marL="2495992" algn="l" defTabSz="713141" rtl="0" eaLnBrk="1" latinLnBrk="0" hangingPunct="1">
-      <a:defRPr sz="1400" kern="1200">
+    <a:lvl8pPr marL="2678328" algn="l" defTabSz="765237" rtl="0" eaLnBrk="1" latinLnBrk="0" hangingPunct="1">
+      <a:defRPr sz="1500" kern="1200">
         <a:solidFill>
           <a:schemeClr val="tx1"/>
         </a:solidFill>
@@ -93,8 +93,8 @@
         <a:cs typeface="+mn-cs"/>
       </a:defRPr>
     </a:lvl8pPr>
-    <a:lvl9pPr marL="2852562" algn="l" defTabSz="713141" rtl="0" eaLnBrk="1" latinLnBrk="0" hangingPunct="1">
-      <a:defRPr sz="1400" kern="1200">
+    <a:lvl9pPr marL="3060946" algn="l" defTabSz="765237" rtl="0" eaLnBrk="1" latinLnBrk="0" hangingPunct="1">
+      <a:defRPr sz="1500" kern="1200">
         <a:solidFill>
           <a:schemeClr val="tx1"/>
         </a:solidFill>
@@ -136,8 +136,8 @@
         </p:nvSpPr>
         <p:spPr>
           <a:xfrm>
-            <a:off x="648059" y="1901608"/>
-            <a:ext cx="7344649" cy="1312134"/>
+            <a:off x="702114" y="2013062"/>
+            <a:ext cx="7957265" cy="1389038"/>
           </a:xfrm>
         </p:spPr>
         <p:txBody>
@@ -164,8 +164,8 @@
         </p:nvSpPr>
         <p:spPr>
           <a:xfrm>
-            <a:off x="1296115" y="3468800"/>
-            <a:ext cx="6048535" cy="1564358"/>
+            <a:off x="1404224" y="3672106"/>
+            <a:ext cx="6553043" cy="1656045"/>
           </a:xfrm>
         </p:spPr>
         <p:txBody>
@@ -181,7 +181,7 @@
                 </a:solidFill>
               </a:defRPr>
             </a:lvl1pPr>
-            <a:lvl2pPr marL="356570" indent="0" algn="ctr">
+            <a:lvl2pPr marL="382618" indent="0" algn="ctr">
               <a:buNone/>
               <a:defRPr>
                 <a:solidFill>
@@ -191,7 +191,7 @@
                 </a:solidFill>
               </a:defRPr>
             </a:lvl2pPr>
-            <a:lvl3pPr marL="713141" indent="0" algn="ctr">
+            <a:lvl3pPr marL="765237" indent="0" algn="ctr">
               <a:buNone/>
               <a:defRPr>
                 <a:solidFill>
@@ -201,7 +201,7 @@
                 </a:solidFill>
               </a:defRPr>
             </a:lvl3pPr>
-            <a:lvl4pPr marL="1069711" indent="0" algn="ctr">
+            <a:lvl4pPr marL="1147855" indent="0" algn="ctr">
               <a:buNone/>
               <a:defRPr>
                 <a:solidFill>
@@ -211,7 +211,7 @@
                 </a:solidFill>
               </a:defRPr>
             </a:lvl4pPr>
-            <a:lvl5pPr marL="1426281" indent="0" algn="ctr">
+            <a:lvl5pPr marL="1530473" indent="0" algn="ctr">
               <a:buNone/>
               <a:defRPr>
                 <a:solidFill>
@@ -221,7 +221,7 @@
                 </a:solidFill>
               </a:defRPr>
             </a:lvl5pPr>
-            <a:lvl6pPr marL="1782851" indent="0" algn="ctr">
+            <a:lvl6pPr marL="1913091" indent="0" algn="ctr">
               <a:buNone/>
               <a:defRPr>
                 <a:solidFill>
@@ -231,7 +231,7 @@
                 </a:solidFill>
               </a:defRPr>
             </a:lvl6pPr>
-            <a:lvl7pPr marL="2139422" indent="0" algn="ctr">
+            <a:lvl7pPr marL="2295709" indent="0" algn="ctr">
               <a:buNone/>
               <a:defRPr>
                 <a:solidFill>
@@ -241,7 +241,7 @@
                 </a:solidFill>
               </a:defRPr>
             </a:lvl7pPr>
-            <a:lvl8pPr marL="2495992" indent="0" algn="ctr">
+            <a:lvl8pPr marL="2678328" indent="0" algn="ctr">
               <a:buNone/>
               <a:defRPr>
                 <a:solidFill>
@@ -251,7 +251,7 @@
                 </a:solidFill>
               </a:defRPr>
             </a:lvl8pPr>
-            <a:lvl9pPr marL="2852562" indent="0" algn="ctr">
+            <a:lvl9pPr marL="3060946" indent="0" algn="ctr">
               <a:buNone/>
               <a:defRPr>
                 <a:solidFill>
@@ -288,7 +288,7 @@
           <a:p>
             <a:fld id="{DD015247-60B9-4D54-BD6B-C1C3EA51958A}" type="datetimeFigureOut">
               <a:rPr lang="en-GB" smtClean="0"/>
-              <a:t>14/07/2014</a:t>
+              <a:t>01/09/2014</a:t>
             </a:fld>
             <a:endParaRPr lang="en-GB"/>
           </a:p>
@@ -458,7 +458,7 @@
           <a:p>
             <a:fld id="{DD015247-60B9-4D54-BD6B-C1C3EA51958A}" type="datetimeFigureOut">
               <a:rPr lang="en-GB" smtClean="0"/>
-              <a:t>14/07/2014</a:t>
+              <a:t>01/09/2014</a:t>
             </a:fld>
             <a:endParaRPr lang="en-GB"/>
           </a:p>
@@ -548,8 +548,8 @@
         </p:nvSpPr>
         <p:spPr>
           <a:xfrm>
-            <a:off x="6264555" y="245147"/>
-            <a:ext cx="1944172" cy="5223029"/>
+            <a:off x="6787081" y="259516"/>
+            <a:ext cx="2106336" cy="5529151"/>
           </a:xfrm>
         </p:spPr>
         <p:txBody>
@@ -576,8 +576,8 @@
         </p:nvSpPr>
         <p:spPr>
           <a:xfrm>
-            <a:off x="432039" y="245147"/>
-            <a:ext cx="5688503" cy="5223029"/>
+            <a:off x="468076" y="259516"/>
+            <a:ext cx="6162981" cy="5529151"/>
           </a:xfrm>
         </p:spPr>
         <p:txBody>
@@ -638,7 +638,7 @@
           <a:p>
             <a:fld id="{DD015247-60B9-4D54-BD6B-C1C3EA51958A}" type="datetimeFigureOut">
               <a:rPr lang="en-GB" smtClean="0"/>
-              <a:t>14/07/2014</a:t>
+              <a:t>01/09/2014</a:t>
             </a:fld>
             <a:endParaRPr lang="en-GB"/>
           </a:p>
@@ -808,7 +808,7 @@
           <a:p>
             <a:fld id="{DD015247-60B9-4D54-BD6B-C1C3EA51958A}" type="datetimeFigureOut">
               <a:rPr lang="en-GB" smtClean="0"/>
-              <a:t>14/07/2014</a:t>
+              <a:t>01/09/2014</a:t>
             </a:fld>
             <a:endParaRPr lang="en-GB"/>
           </a:p>
@@ -898,15 +898,15 @@
         </p:nvSpPr>
         <p:spPr>
           <a:xfrm>
-            <a:off x="682562" y="3933573"/>
-            <a:ext cx="7344649" cy="1215778"/>
+            <a:off x="739495" y="4164120"/>
+            <a:ext cx="7957265" cy="1287035"/>
           </a:xfrm>
         </p:spPr>
         <p:txBody>
           <a:bodyPr anchor="t"/>
           <a:lstStyle>
             <a:lvl1pPr algn="l">
-              <a:defRPr sz="3100" b="1" cap="all"/>
+              <a:defRPr sz="3400" b="1" cap="all"/>
             </a:lvl1pPr>
           </a:lstStyle>
           <a:p>
@@ -930,8 +930,8 @@
         </p:nvSpPr>
         <p:spPr>
           <a:xfrm>
-            <a:off x="682562" y="2594513"/>
-            <a:ext cx="7344649" cy="1339056"/>
+            <a:off x="739495" y="2746577"/>
+            <a:ext cx="7957265" cy="1417538"/>
           </a:xfrm>
         </p:spPr>
         <p:txBody>
@@ -939,7 +939,7 @@
           <a:lstStyle>
             <a:lvl1pPr marL="0" indent="0">
               <a:buNone/>
-              <a:defRPr sz="1600">
+              <a:defRPr sz="1700">
                 <a:solidFill>
                   <a:schemeClr val="tx1">
                     <a:tint val="75000"/>
@@ -947,9 +947,9 @@
                 </a:solidFill>
               </a:defRPr>
             </a:lvl1pPr>
-            <a:lvl2pPr marL="356570" indent="0">
-              <a:buNone/>
-              <a:defRPr sz="1400">
+            <a:lvl2pPr marL="382618" indent="0">
+              <a:buNone/>
+              <a:defRPr sz="1500">
                 <a:solidFill>
                   <a:schemeClr val="tx1">
                     <a:tint val="75000"/>
@@ -957,7 +957,17 @@
                 </a:solidFill>
               </a:defRPr>
             </a:lvl2pPr>
-            <a:lvl3pPr marL="713141" indent="0">
+            <a:lvl3pPr marL="765237" indent="0">
+              <a:buNone/>
+              <a:defRPr sz="1300">
+                <a:solidFill>
+                  <a:schemeClr val="tx1">
+                    <a:tint val="75000"/>
+                  </a:schemeClr>
+                </a:solidFill>
+              </a:defRPr>
+            </a:lvl3pPr>
+            <a:lvl4pPr marL="1147855" indent="0">
               <a:buNone/>
               <a:defRPr sz="1200">
                 <a:solidFill>
@@ -966,20 +976,10 @@
                   </a:schemeClr>
                 </a:solidFill>
               </a:defRPr>
-            </a:lvl3pPr>
-            <a:lvl4pPr marL="1069711" indent="0">
-              <a:buNone/>
-              <a:defRPr sz="1100">
-                <a:solidFill>
-                  <a:schemeClr val="tx1">
-                    <a:tint val="75000"/>
-                  </a:schemeClr>
-                </a:solidFill>
-              </a:defRPr>
             </a:lvl4pPr>
-            <a:lvl5pPr marL="1426281" indent="0">
-              <a:buNone/>
-              <a:defRPr sz="1100">
+            <a:lvl5pPr marL="1530473" indent="0">
+              <a:buNone/>
+              <a:defRPr sz="1200">
                 <a:solidFill>
                   <a:schemeClr val="tx1">
                     <a:tint val="75000"/>
@@ -987,9 +987,9 @@
                 </a:solidFill>
               </a:defRPr>
             </a:lvl5pPr>
-            <a:lvl6pPr marL="1782851" indent="0">
-              <a:buNone/>
-              <a:defRPr sz="1100">
+            <a:lvl6pPr marL="1913091" indent="0">
+              <a:buNone/>
+              <a:defRPr sz="1200">
                 <a:solidFill>
                   <a:schemeClr val="tx1">
                     <a:tint val="75000"/>
@@ -997,9 +997,9 @@
                 </a:solidFill>
               </a:defRPr>
             </a:lvl6pPr>
-            <a:lvl7pPr marL="2139422" indent="0">
-              <a:buNone/>
-              <a:defRPr sz="1100">
+            <a:lvl7pPr marL="2295709" indent="0">
+              <a:buNone/>
+              <a:defRPr sz="1200">
                 <a:solidFill>
                   <a:schemeClr val="tx1">
                     <a:tint val="75000"/>
@@ -1007,9 +1007,9 @@
                 </a:solidFill>
               </a:defRPr>
             </a:lvl7pPr>
-            <a:lvl8pPr marL="2495992" indent="0">
-              <a:buNone/>
-              <a:defRPr sz="1100">
+            <a:lvl8pPr marL="2678328" indent="0">
+              <a:buNone/>
+              <a:defRPr sz="1200">
                 <a:solidFill>
                   <a:schemeClr val="tx1">
                     <a:tint val="75000"/>
@@ -1017,9 +1017,9 @@
                 </a:solidFill>
               </a:defRPr>
             </a:lvl8pPr>
-            <a:lvl9pPr marL="2852562" indent="0">
-              <a:buNone/>
-              <a:defRPr sz="1100">
+            <a:lvl9pPr marL="3060946" indent="0">
+              <a:buNone/>
+              <a:defRPr sz="1200">
                 <a:solidFill>
                   <a:schemeClr val="tx1">
                     <a:tint val="75000"/>
@@ -1054,7 +1054,7 @@
           <a:p>
             <a:fld id="{DD015247-60B9-4D54-BD6B-C1C3EA51958A}" type="datetimeFigureOut">
               <a:rPr lang="en-GB" smtClean="0"/>
-              <a:t>14/07/2014</a:t>
+              <a:t>01/09/2014</a:t>
             </a:fld>
             <a:endParaRPr lang="en-GB"/>
           </a:p>
@@ -1167,39 +1167,39 @@
         </p:nvSpPr>
         <p:spPr>
           <a:xfrm>
-            <a:off x="432040" y="1428334"/>
-            <a:ext cx="3816337" cy="4039842"/>
+            <a:off x="468077" y="1512049"/>
+            <a:ext cx="4134657" cy="4276617"/>
           </a:xfrm>
         </p:spPr>
         <p:txBody>
           <a:bodyPr/>
           <a:lstStyle>
             <a:lvl1pPr>
-              <a:defRPr sz="2200"/>
+              <a:defRPr sz="2300"/>
             </a:lvl1pPr>
             <a:lvl2pPr>
-              <a:defRPr sz="1900"/>
+              <a:defRPr sz="2100"/>
             </a:lvl2pPr>
             <a:lvl3pPr>
-              <a:defRPr sz="1600"/>
+              <a:defRPr sz="1700"/>
             </a:lvl3pPr>
             <a:lvl4pPr>
-              <a:defRPr sz="1400"/>
+              <a:defRPr sz="1500"/>
             </a:lvl4pPr>
             <a:lvl5pPr>
-              <a:defRPr sz="1400"/>
+              <a:defRPr sz="1500"/>
             </a:lvl5pPr>
             <a:lvl6pPr>
-              <a:defRPr sz="1400"/>
+              <a:defRPr sz="1500"/>
             </a:lvl6pPr>
             <a:lvl7pPr>
-              <a:defRPr sz="1400"/>
+              <a:defRPr sz="1500"/>
             </a:lvl7pPr>
             <a:lvl8pPr>
-              <a:defRPr sz="1400"/>
+              <a:defRPr sz="1500"/>
             </a:lvl8pPr>
             <a:lvl9pPr>
-              <a:defRPr sz="1400"/>
+              <a:defRPr sz="1500"/>
             </a:lvl9pPr>
           </a:lstStyle>
           <a:p>
@@ -1252,39 +1252,39 @@
         </p:nvSpPr>
         <p:spPr>
           <a:xfrm>
-            <a:off x="4392390" y="1428334"/>
-            <a:ext cx="3816337" cy="4039842"/>
+            <a:off x="4758759" y="1512049"/>
+            <a:ext cx="4134657" cy="4276617"/>
           </a:xfrm>
         </p:spPr>
         <p:txBody>
           <a:bodyPr/>
           <a:lstStyle>
             <a:lvl1pPr>
-              <a:defRPr sz="2200"/>
+              <a:defRPr sz="2300"/>
             </a:lvl1pPr>
             <a:lvl2pPr>
-              <a:defRPr sz="1900"/>
+              <a:defRPr sz="2100"/>
             </a:lvl2pPr>
             <a:lvl3pPr>
-              <a:defRPr sz="1600"/>
+              <a:defRPr sz="1700"/>
             </a:lvl3pPr>
             <a:lvl4pPr>
-              <a:defRPr sz="1400"/>
+              <a:defRPr sz="1500"/>
             </a:lvl4pPr>
             <a:lvl5pPr>
-              <a:defRPr sz="1400"/>
+              <a:defRPr sz="1500"/>
             </a:lvl5pPr>
             <a:lvl6pPr>
-              <a:defRPr sz="1400"/>
+              <a:defRPr sz="1500"/>
             </a:lvl6pPr>
             <a:lvl7pPr>
-              <a:defRPr sz="1400"/>
+              <a:defRPr sz="1500"/>
             </a:lvl7pPr>
             <a:lvl8pPr>
-              <a:defRPr sz="1400"/>
+              <a:defRPr sz="1500"/>
             </a:lvl8pPr>
             <a:lvl9pPr>
-              <a:defRPr sz="1400"/>
+              <a:defRPr sz="1500"/>
             </a:lvl9pPr>
           </a:lstStyle>
           <a:p>
@@ -1342,7 +1342,7 @@
           <a:p>
             <a:fld id="{DD015247-60B9-4D54-BD6B-C1C3EA51958A}" type="datetimeFigureOut">
               <a:rPr lang="en-GB" smtClean="0"/>
-              <a:t>14/07/2014</a:t>
+              <a:t>01/09/2014</a:t>
             </a:fld>
             <a:endParaRPr lang="en-GB"/>
           </a:p>
@@ -1459,8 +1459,8 @@
         </p:nvSpPr>
         <p:spPr>
           <a:xfrm>
-            <a:off x="432039" y="1370235"/>
-            <a:ext cx="3817838" cy="571047"/>
+            <a:off x="468075" y="1450545"/>
+            <a:ext cx="4136284" cy="604516"/>
           </a:xfrm>
         </p:spPr>
         <p:txBody>
@@ -1468,39 +1468,39 @@
           <a:lstStyle>
             <a:lvl1pPr marL="0" indent="0">
               <a:buNone/>
-              <a:defRPr sz="1900" b="1"/>
+              <a:defRPr sz="2100" b="1"/>
             </a:lvl1pPr>
-            <a:lvl2pPr marL="356570" indent="0">
-              <a:buNone/>
-              <a:defRPr sz="1600" b="1"/>
+            <a:lvl2pPr marL="382618" indent="0">
+              <a:buNone/>
+              <a:defRPr sz="1700" b="1"/>
             </a:lvl2pPr>
-            <a:lvl3pPr marL="713141" indent="0">
-              <a:buNone/>
-              <a:defRPr sz="1400" b="1"/>
+            <a:lvl3pPr marL="765237" indent="0">
+              <a:buNone/>
+              <a:defRPr sz="1500" b="1"/>
             </a:lvl3pPr>
-            <a:lvl4pPr marL="1069711" indent="0">
-              <a:buNone/>
-              <a:defRPr sz="1200" b="1"/>
+            <a:lvl4pPr marL="1147855" indent="0">
+              <a:buNone/>
+              <a:defRPr sz="1300" b="1"/>
             </a:lvl4pPr>
-            <a:lvl5pPr marL="1426281" indent="0">
-              <a:buNone/>
-              <a:defRPr sz="1200" b="1"/>
+            <a:lvl5pPr marL="1530473" indent="0">
+              <a:buNone/>
+              <a:defRPr sz="1300" b="1"/>
             </a:lvl5pPr>
-            <a:lvl6pPr marL="1782851" indent="0">
-              <a:buNone/>
-              <a:defRPr sz="1200" b="1"/>
+            <a:lvl6pPr marL="1913091" indent="0">
+              <a:buNone/>
+              <a:defRPr sz="1300" b="1"/>
             </a:lvl6pPr>
-            <a:lvl7pPr marL="2139422" indent="0">
-              <a:buNone/>
-              <a:defRPr sz="1200" b="1"/>
+            <a:lvl7pPr marL="2295709" indent="0">
+              <a:buNone/>
+              <a:defRPr sz="1300" b="1"/>
             </a:lvl7pPr>
-            <a:lvl8pPr marL="2495992" indent="0">
-              <a:buNone/>
-              <a:defRPr sz="1200" b="1"/>
+            <a:lvl8pPr marL="2678328" indent="0">
+              <a:buNone/>
+              <a:defRPr sz="1300" b="1"/>
             </a:lvl8pPr>
-            <a:lvl9pPr marL="2852562" indent="0">
-              <a:buNone/>
-              <a:defRPr sz="1200" b="1"/>
+            <a:lvl9pPr marL="3060946" indent="0">
+              <a:buNone/>
+              <a:defRPr sz="1300" b="1"/>
             </a:lvl9pPr>
           </a:lstStyle>
           <a:p>
@@ -1524,39 +1524,39 @@
         </p:nvSpPr>
         <p:spPr>
           <a:xfrm>
-            <a:off x="432039" y="1941278"/>
-            <a:ext cx="3817838" cy="3526890"/>
+            <a:off x="468075" y="2055057"/>
+            <a:ext cx="4136284" cy="3733601"/>
           </a:xfrm>
         </p:spPr>
         <p:txBody>
           <a:bodyPr/>
           <a:lstStyle>
             <a:lvl1pPr>
-              <a:defRPr sz="1900"/>
+              <a:defRPr sz="2100"/>
             </a:lvl1pPr>
             <a:lvl2pPr>
-              <a:defRPr sz="1600"/>
+              <a:defRPr sz="1700"/>
             </a:lvl2pPr>
             <a:lvl3pPr>
-              <a:defRPr sz="1400"/>
+              <a:defRPr sz="1500"/>
             </a:lvl3pPr>
             <a:lvl4pPr>
-              <a:defRPr sz="1200"/>
+              <a:defRPr sz="1300"/>
             </a:lvl4pPr>
             <a:lvl5pPr>
-              <a:defRPr sz="1200"/>
+              <a:defRPr sz="1300"/>
             </a:lvl5pPr>
             <a:lvl6pPr>
-              <a:defRPr sz="1200"/>
+              <a:defRPr sz="1300"/>
             </a:lvl6pPr>
             <a:lvl7pPr>
-              <a:defRPr sz="1200"/>
+              <a:defRPr sz="1300"/>
             </a:lvl7pPr>
             <a:lvl8pPr>
-              <a:defRPr sz="1200"/>
+              <a:defRPr sz="1300"/>
             </a:lvl8pPr>
             <a:lvl9pPr>
-              <a:defRPr sz="1200"/>
+              <a:defRPr sz="1300"/>
             </a:lvl9pPr>
           </a:lstStyle>
           <a:p>
@@ -1609,8 +1609,8 @@
         </p:nvSpPr>
         <p:spPr>
           <a:xfrm>
-            <a:off x="4389390" y="1370235"/>
-            <a:ext cx="3819338" cy="571047"/>
+            <a:off x="4755508" y="1450545"/>
+            <a:ext cx="4137909" cy="604516"/>
           </a:xfrm>
         </p:spPr>
         <p:txBody>
@@ -1618,39 +1618,39 @@
           <a:lstStyle>
             <a:lvl1pPr marL="0" indent="0">
               <a:buNone/>
-              <a:defRPr sz="1900" b="1"/>
+              <a:defRPr sz="2100" b="1"/>
             </a:lvl1pPr>
-            <a:lvl2pPr marL="356570" indent="0">
-              <a:buNone/>
-              <a:defRPr sz="1600" b="1"/>
+            <a:lvl2pPr marL="382618" indent="0">
+              <a:buNone/>
+              <a:defRPr sz="1700" b="1"/>
             </a:lvl2pPr>
-            <a:lvl3pPr marL="713141" indent="0">
-              <a:buNone/>
-              <a:defRPr sz="1400" b="1"/>
+            <a:lvl3pPr marL="765237" indent="0">
+              <a:buNone/>
+              <a:defRPr sz="1500" b="1"/>
             </a:lvl3pPr>
-            <a:lvl4pPr marL="1069711" indent="0">
-              <a:buNone/>
-              <a:defRPr sz="1200" b="1"/>
+            <a:lvl4pPr marL="1147855" indent="0">
+              <a:buNone/>
+              <a:defRPr sz="1300" b="1"/>
             </a:lvl4pPr>
-            <a:lvl5pPr marL="1426281" indent="0">
-              <a:buNone/>
-              <a:defRPr sz="1200" b="1"/>
+            <a:lvl5pPr marL="1530473" indent="0">
+              <a:buNone/>
+              <a:defRPr sz="1300" b="1"/>
             </a:lvl5pPr>
-            <a:lvl6pPr marL="1782851" indent="0">
-              <a:buNone/>
-              <a:defRPr sz="1200" b="1"/>
+            <a:lvl6pPr marL="1913091" indent="0">
+              <a:buNone/>
+              <a:defRPr sz="1300" b="1"/>
             </a:lvl6pPr>
-            <a:lvl7pPr marL="2139422" indent="0">
-              <a:buNone/>
-              <a:defRPr sz="1200" b="1"/>
+            <a:lvl7pPr marL="2295709" indent="0">
+              <a:buNone/>
+              <a:defRPr sz="1300" b="1"/>
             </a:lvl7pPr>
-            <a:lvl8pPr marL="2495992" indent="0">
-              <a:buNone/>
-              <a:defRPr sz="1200" b="1"/>
+            <a:lvl8pPr marL="2678328" indent="0">
+              <a:buNone/>
+              <a:defRPr sz="1300" b="1"/>
             </a:lvl8pPr>
-            <a:lvl9pPr marL="2852562" indent="0">
-              <a:buNone/>
-              <a:defRPr sz="1200" b="1"/>
+            <a:lvl9pPr marL="3060946" indent="0">
+              <a:buNone/>
+              <a:defRPr sz="1300" b="1"/>
             </a:lvl9pPr>
           </a:lstStyle>
           <a:p>
@@ -1674,39 +1674,39 @@
         </p:nvSpPr>
         <p:spPr>
           <a:xfrm>
-            <a:off x="4389390" y="1941278"/>
-            <a:ext cx="3819338" cy="3526890"/>
+            <a:off x="4755508" y="2055057"/>
+            <a:ext cx="4137909" cy="3733601"/>
           </a:xfrm>
         </p:spPr>
         <p:txBody>
           <a:bodyPr/>
           <a:lstStyle>
             <a:lvl1pPr>
-              <a:defRPr sz="1900"/>
+              <a:defRPr sz="2100"/>
             </a:lvl1pPr>
             <a:lvl2pPr>
-              <a:defRPr sz="1600"/>
+              <a:defRPr sz="1700"/>
             </a:lvl2pPr>
             <a:lvl3pPr>
-              <a:defRPr sz="1400"/>
+              <a:defRPr sz="1500"/>
             </a:lvl3pPr>
             <a:lvl4pPr>
-              <a:defRPr sz="1200"/>
+              <a:defRPr sz="1300"/>
             </a:lvl4pPr>
             <a:lvl5pPr>
-              <a:defRPr sz="1200"/>
+              <a:defRPr sz="1300"/>
             </a:lvl5pPr>
             <a:lvl6pPr>
-              <a:defRPr sz="1200"/>
+              <a:defRPr sz="1300"/>
             </a:lvl6pPr>
             <a:lvl7pPr>
-              <a:defRPr sz="1200"/>
+              <a:defRPr sz="1300"/>
             </a:lvl7pPr>
             <a:lvl8pPr>
-              <a:defRPr sz="1200"/>
+              <a:defRPr sz="1300"/>
             </a:lvl8pPr>
             <a:lvl9pPr>
-              <a:defRPr sz="1200"/>
+              <a:defRPr sz="1300"/>
             </a:lvl9pPr>
           </a:lstStyle>
           <a:p>
@@ -1764,7 +1764,7 @@
           <a:p>
             <a:fld id="{DD015247-60B9-4D54-BD6B-C1C3EA51958A}" type="datetimeFigureOut">
               <a:rPr lang="en-GB" smtClean="0"/>
-              <a:t>14/07/2014</a:t>
+              <a:t>01/09/2014</a:t>
             </a:fld>
             <a:endParaRPr lang="en-GB"/>
           </a:p>
@@ -1882,7 +1882,7 @@
           <a:p>
             <a:fld id="{DD015247-60B9-4D54-BD6B-C1C3EA51958A}" type="datetimeFigureOut">
               <a:rPr lang="en-GB" smtClean="0"/>
-              <a:t>14/07/2014</a:t>
+              <a:t>01/09/2014</a:t>
             </a:fld>
             <a:endParaRPr lang="en-GB"/>
           </a:p>
@@ -1977,7 +1977,7 @@
           <a:p>
             <a:fld id="{DD015247-60B9-4D54-BD6B-C1C3EA51958A}" type="datetimeFigureOut">
               <a:rPr lang="en-GB" smtClean="0"/>
-              <a:t>14/07/2014</a:t>
+              <a:t>01/09/2014</a:t>
             </a:fld>
             <a:endParaRPr lang="en-GB"/>
           </a:p>
@@ -2067,15 +2067,15 @@
         </p:nvSpPr>
         <p:spPr>
           <a:xfrm>
-            <a:off x="432042" y="243722"/>
-            <a:ext cx="2842751" cy="1037237"/>
+            <a:off x="468079" y="258008"/>
+            <a:ext cx="3079864" cy="1098029"/>
           </a:xfrm>
         </p:spPr>
         <p:txBody>
           <a:bodyPr anchor="b"/>
           <a:lstStyle>
             <a:lvl1pPr algn="l">
-              <a:defRPr sz="1600" b="1"/>
+              <a:defRPr sz="1700" b="1"/>
             </a:lvl1pPr>
           </a:lstStyle>
           <a:p>
@@ -2099,39 +2099,39 @@
         </p:nvSpPr>
         <p:spPr>
           <a:xfrm>
-            <a:off x="3378301" y="243724"/>
-            <a:ext cx="4830427" cy="5224445"/>
+            <a:off x="3660086" y="258009"/>
+            <a:ext cx="5233333" cy="5530649"/>
           </a:xfrm>
         </p:spPr>
         <p:txBody>
           <a:bodyPr/>
           <a:lstStyle>
             <a:lvl1pPr>
-              <a:defRPr sz="2500"/>
+              <a:defRPr sz="2700"/>
             </a:lvl1pPr>
             <a:lvl2pPr>
-              <a:defRPr sz="2200"/>
+              <a:defRPr sz="2300"/>
             </a:lvl2pPr>
             <a:lvl3pPr>
-              <a:defRPr sz="1900"/>
+              <a:defRPr sz="2100"/>
             </a:lvl3pPr>
             <a:lvl4pPr>
-              <a:defRPr sz="1600"/>
+              <a:defRPr sz="1700"/>
             </a:lvl4pPr>
             <a:lvl5pPr>
-              <a:defRPr sz="1600"/>
+              <a:defRPr sz="1700"/>
             </a:lvl5pPr>
             <a:lvl6pPr>
-              <a:defRPr sz="1600"/>
+              <a:defRPr sz="1700"/>
             </a:lvl6pPr>
             <a:lvl7pPr>
-              <a:defRPr sz="1600"/>
+              <a:defRPr sz="1700"/>
             </a:lvl7pPr>
             <a:lvl8pPr>
-              <a:defRPr sz="1600"/>
+              <a:defRPr sz="1700"/>
             </a:lvl8pPr>
             <a:lvl9pPr>
-              <a:defRPr sz="1600"/>
+              <a:defRPr sz="1700"/>
             </a:lvl9pPr>
           </a:lstStyle>
           <a:p>
@@ -2184,8 +2184,8 @@
         </p:nvSpPr>
         <p:spPr>
           <a:xfrm>
-            <a:off x="432042" y="1280960"/>
-            <a:ext cx="2842751" cy="4187208"/>
+            <a:off x="468079" y="1356037"/>
+            <a:ext cx="3079864" cy="4432620"/>
           </a:xfrm>
         </p:spPr>
         <p:txBody>
@@ -2193,37 +2193,37 @@
           <a:lstStyle>
             <a:lvl1pPr marL="0" indent="0">
               <a:buNone/>
-              <a:defRPr sz="1100"/>
+              <a:defRPr sz="1200"/>
             </a:lvl1pPr>
-            <a:lvl2pPr marL="356570" indent="0">
+            <a:lvl2pPr marL="382618" indent="0">
               <a:buNone/>
               <a:defRPr sz="900"/>
             </a:lvl2pPr>
-            <a:lvl3pPr marL="713141" indent="0">
+            <a:lvl3pPr marL="765237" indent="0">
               <a:buNone/>
               <a:defRPr sz="800"/>
             </a:lvl3pPr>
-            <a:lvl4pPr marL="1069711" indent="0">
+            <a:lvl4pPr marL="1147855" indent="0">
               <a:buNone/>
               <a:defRPr sz="700"/>
             </a:lvl4pPr>
-            <a:lvl5pPr marL="1426281" indent="0">
+            <a:lvl5pPr marL="1530473" indent="0">
               <a:buNone/>
               <a:defRPr sz="700"/>
             </a:lvl5pPr>
-            <a:lvl6pPr marL="1782851" indent="0">
+            <a:lvl6pPr marL="1913091" indent="0">
               <a:buNone/>
               <a:defRPr sz="700"/>
             </a:lvl6pPr>
-            <a:lvl7pPr marL="2139422" indent="0">
+            <a:lvl7pPr marL="2295709" indent="0">
               <a:buNone/>
               <a:defRPr sz="700"/>
             </a:lvl7pPr>
-            <a:lvl8pPr marL="2495992" indent="0">
+            <a:lvl8pPr marL="2678328" indent="0">
               <a:buNone/>
               <a:defRPr sz="700"/>
             </a:lvl8pPr>
-            <a:lvl9pPr marL="2852562" indent="0">
+            <a:lvl9pPr marL="3060946" indent="0">
               <a:buNone/>
               <a:defRPr sz="700"/>
             </a:lvl9pPr>
@@ -2254,7 +2254,7 @@
           <a:p>
             <a:fld id="{DD015247-60B9-4D54-BD6B-C1C3EA51958A}" type="datetimeFigureOut">
               <a:rPr lang="en-GB" smtClean="0"/>
-              <a:t>14/07/2014</a:t>
+              <a:t>01/09/2014</a:t>
             </a:fld>
             <a:endParaRPr lang="en-GB"/>
           </a:p>
@@ -2344,15 +2344,15 @@
         </p:nvSpPr>
         <p:spPr>
           <a:xfrm>
-            <a:off x="1693651" y="4284986"/>
-            <a:ext cx="5184458" cy="505866"/>
+            <a:off x="1834918" y="4536129"/>
+            <a:ext cx="5616893" cy="535515"/>
           </a:xfrm>
         </p:spPr>
         <p:txBody>
           <a:bodyPr anchor="b"/>
           <a:lstStyle>
             <a:lvl1pPr algn="l">
-              <a:defRPr sz="1600" b="1"/>
+              <a:defRPr sz="1700" b="1"/>
             </a:lvl1pPr>
           </a:lstStyle>
           <a:p>
@@ -2376,8 +2376,8 @@
         </p:nvSpPr>
         <p:spPr>
           <a:xfrm>
-            <a:off x="1693651" y="546960"/>
-            <a:ext cx="5184458" cy="3672840"/>
+            <a:off x="1834918" y="579018"/>
+            <a:ext cx="5616893" cy="3888105"/>
           </a:xfrm>
         </p:spPr>
         <p:txBody>
@@ -2385,39 +2385,39 @@
           <a:lstStyle>
             <a:lvl1pPr marL="0" indent="0">
               <a:buNone/>
-              <a:defRPr sz="2500"/>
+              <a:defRPr sz="2700"/>
             </a:lvl1pPr>
-            <a:lvl2pPr marL="356570" indent="0">
-              <a:buNone/>
-              <a:defRPr sz="2200"/>
+            <a:lvl2pPr marL="382618" indent="0">
+              <a:buNone/>
+              <a:defRPr sz="2300"/>
             </a:lvl2pPr>
-            <a:lvl3pPr marL="713141" indent="0">
-              <a:buNone/>
-              <a:defRPr sz="1900"/>
+            <a:lvl3pPr marL="765237" indent="0">
+              <a:buNone/>
+              <a:defRPr sz="2100"/>
             </a:lvl3pPr>
-            <a:lvl4pPr marL="1069711" indent="0">
-              <a:buNone/>
-              <a:defRPr sz="1600"/>
+            <a:lvl4pPr marL="1147855" indent="0">
+              <a:buNone/>
+              <a:defRPr sz="1700"/>
             </a:lvl4pPr>
-            <a:lvl5pPr marL="1426281" indent="0">
-              <a:buNone/>
-              <a:defRPr sz="1600"/>
+            <a:lvl5pPr marL="1530473" indent="0">
+              <a:buNone/>
+              <a:defRPr sz="1700"/>
             </a:lvl5pPr>
-            <a:lvl6pPr marL="1782851" indent="0">
-              <a:buNone/>
-              <a:defRPr sz="1600"/>
+            <a:lvl6pPr marL="1913091" indent="0">
+              <a:buNone/>
+              <a:defRPr sz="1700"/>
             </a:lvl6pPr>
-            <a:lvl7pPr marL="2139422" indent="0">
-              <a:buNone/>
-              <a:defRPr sz="1600"/>
+            <a:lvl7pPr marL="2295709" indent="0">
+              <a:buNone/>
+              <a:defRPr sz="1700"/>
             </a:lvl7pPr>
-            <a:lvl8pPr marL="2495992" indent="0">
-              <a:buNone/>
-              <a:defRPr sz="1600"/>
+            <a:lvl8pPr marL="2678328" indent="0">
+              <a:buNone/>
+              <a:defRPr sz="1700"/>
             </a:lvl8pPr>
-            <a:lvl9pPr marL="2852562" indent="0">
-              <a:buNone/>
-              <a:defRPr sz="1600"/>
+            <a:lvl9pPr marL="3060946" indent="0">
+              <a:buNone/>
+              <a:defRPr sz="1700"/>
             </a:lvl9pPr>
           </a:lstStyle>
           <a:p>
@@ -2437,8 +2437,8 @@
         </p:nvSpPr>
         <p:spPr>
           <a:xfrm>
-            <a:off x="1693651" y="4790852"/>
-            <a:ext cx="5184458" cy="718415"/>
+            <a:off x="1834918" y="5071645"/>
+            <a:ext cx="5616893" cy="760521"/>
           </a:xfrm>
         </p:spPr>
         <p:txBody>
@@ -2446,37 +2446,37 @@
           <a:lstStyle>
             <a:lvl1pPr marL="0" indent="0">
               <a:buNone/>
-              <a:defRPr sz="1100"/>
+              <a:defRPr sz="1200"/>
             </a:lvl1pPr>
-            <a:lvl2pPr marL="356570" indent="0">
+            <a:lvl2pPr marL="382618" indent="0">
               <a:buNone/>
               <a:defRPr sz="900"/>
             </a:lvl2pPr>
-            <a:lvl3pPr marL="713141" indent="0">
+            <a:lvl3pPr marL="765237" indent="0">
               <a:buNone/>
               <a:defRPr sz="800"/>
             </a:lvl3pPr>
-            <a:lvl4pPr marL="1069711" indent="0">
+            <a:lvl4pPr marL="1147855" indent="0">
               <a:buNone/>
               <a:defRPr sz="700"/>
             </a:lvl4pPr>
-            <a:lvl5pPr marL="1426281" indent="0">
+            <a:lvl5pPr marL="1530473" indent="0">
               <a:buNone/>
               <a:defRPr sz="700"/>
             </a:lvl5pPr>
-            <a:lvl6pPr marL="1782851" indent="0">
+            <a:lvl6pPr marL="1913091" indent="0">
               <a:buNone/>
               <a:defRPr sz="700"/>
             </a:lvl6pPr>
-            <a:lvl7pPr marL="2139422" indent="0">
+            <a:lvl7pPr marL="2295709" indent="0">
               <a:buNone/>
               <a:defRPr sz="700"/>
             </a:lvl7pPr>
-            <a:lvl8pPr marL="2495992" indent="0">
+            <a:lvl8pPr marL="2678328" indent="0">
               <a:buNone/>
               <a:defRPr sz="700"/>
             </a:lvl8pPr>
-            <a:lvl9pPr marL="2852562" indent="0">
+            <a:lvl9pPr marL="3060946" indent="0">
               <a:buNone/>
               <a:defRPr sz="700"/>
             </a:lvl9pPr>
@@ -2507,7 +2507,7 @@
           <a:p>
             <a:fld id="{DD015247-60B9-4D54-BD6B-C1C3EA51958A}" type="datetimeFigureOut">
               <a:rPr lang="en-GB" smtClean="0"/>
-              <a:t>14/07/2014</a:t>
+              <a:t>01/09/2014</a:t>
             </a:fld>
             <a:endParaRPr lang="en-GB"/>
           </a:p>
@@ -2602,15 +2602,15 @@
         </p:nvSpPr>
         <p:spPr>
           <a:xfrm>
-            <a:off x="432040" y="245147"/>
-            <a:ext cx="7776687" cy="1020234"/>
+            <a:off x="468077" y="259515"/>
+            <a:ext cx="8425339" cy="1080030"/>
           </a:xfrm>
           <a:prstGeom prst="rect">
             <a:avLst/>
           </a:prstGeom>
         </p:spPr>
         <p:txBody>
-          <a:bodyPr vert="horz" lIns="71314" tIns="35657" rIns="71314" bIns="35657" rtlCol="0" anchor="ctr">
+          <a:bodyPr vert="horz" lIns="76523" tIns="38262" rIns="76523" bIns="38262" rtlCol="0" anchor="ctr">
             <a:normAutofit/>
           </a:bodyPr>
           <a:lstStyle/>
@@ -2635,15 +2635,15 @@
         </p:nvSpPr>
         <p:spPr>
           <a:xfrm>
-            <a:off x="432040" y="1428334"/>
-            <a:ext cx="7776687" cy="4039842"/>
+            <a:off x="468077" y="1512049"/>
+            <a:ext cx="8425339" cy="4276617"/>
           </a:xfrm>
           <a:prstGeom prst="rect">
             <a:avLst/>
           </a:prstGeom>
         </p:spPr>
         <p:txBody>
-          <a:bodyPr vert="horz" lIns="71314" tIns="35657" rIns="71314" bIns="35657" rtlCol="0">
+          <a:bodyPr vert="horz" lIns="76523" tIns="38262" rIns="76523" bIns="38262" rtlCol="0">
             <a:normAutofit/>
           </a:bodyPr>
           <a:lstStyle/>
@@ -2697,15 +2697,15 @@
         </p:nvSpPr>
         <p:spPr>
           <a:xfrm>
-            <a:off x="432040" y="5673638"/>
-            <a:ext cx="2016179" cy="325909"/>
+            <a:off x="468078" y="6006170"/>
+            <a:ext cx="2184348" cy="345011"/>
           </a:xfrm>
           <a:prstGeom prst="rect">
             <a:avLst/>
           </a:prstGeom>
         </p:spPr>
         <p:txBody>
-          <a:bodyPr vert="horz" lIns="71314" tIns="35657" rIns="71314" bIns="35657" rtlCol="0" anchor="ctr"/>
+          <a:bodyPr vert="horz" lIns="76523" tIns="38262" rIns="76523" bIns="38262" rtlCol="0" anchor="ctr"/>
           <a:lstStyle>
             <a:lvl1pPr algn="l">
               <a:defRPr sz="900">
@@ -2720,7 +2720,7 @@
           <a:p>
             <a:fld id="{DD015247-60B9-4D54-BD6B-C1C3EA51958A}" type="datetimeFigureOut">
               <a:rPr lang="en-GB" smtClean="0"/>
-              <a:t>14/07/2014</a:t>
+              <a:t>01/09/2014</a:t>
             </a:fld>
             <a:endParaRPr lang="en-GB"/>
           </a:p>
@@ -2738,15 +2738,15 @@
         </p:nvSpPr>
         <p:spPr>
           <a:xfrm>
-            <a:off x="2952262" y="5673638"/>
-            <a:ext cx="2736242" cy="325909"/>
+            <a:off x="3198510" y="6006170"/>
+            <a:ext cx="2964471" cy="345011"/>
           </a:xfrm>
           <a:prstGeom prst="rect">
             <a:avLst/>
           </a:prstGeom>
         </p:spPr>
         <p:txBody>
-          <a:bodyPr vert="horz" lIns="71314" tIns="35657" rIns="71314" bIns="35657" rtlCol="0" anchor="ctr"/>
+          <a:bodyPr vert="horz" lIns="76523" tIns="38262" rIns="76523" bIns="38262" rtlCol="0" anchor="ctr"/>
           <a:lstStyle>
             <a:lvl1pPr algn="ctr">
               <a:defRPr sz="900">
@@ -2775,15 +2775,15 @@
         </p:nvSpPr>
         <p:spPr>
           <a:xfrm>
-            <a:off x="6192549" y="5673638"/>
-            <a:ext cx="2016179" cy="325909"/>
+            <a:off x="6709070" y="6006170"/>
+            <a:ext cx="2184348" cy="345011"/>
           </a:xfrm>
           <a:prstGeom prst="rect">
             <a:avLst/>
           </a:prstGeom>
         </p:spPr>
         <p:txBody>
-          <a:bodyPr vert="horz" lIns="71314" tIns="35657" rIns="71314" bIns="35657" rtlCol="0" anchor="ctr"/>
+          <a:bodyPr vert="horz" lIns="76523" tIns="38262" rIns="76523" bIns="38262" rtlCol="0" anchor="ctr"/>
           <a:lstStyle>
             <a:lvl1pPr algn="r">
               <a:defRPr sz="900">
@@ -2827,12 +2827,12 @@
   </p:sldLayoutIdLst>
   <p:txStyles>
     <p:titleStyle>
-      <a:lvl1pPr algn="ctr" defTabSz="713141" rtl="0" eaLnBrk="1" latinLnBrk="0" hangingPunct="1">
+      <a:lvl1pPr algn="ctr" defTabSz="765237" rtl="0" eaLnBrk="1" latinLnBrk="0" hangingPunct="1">
         <a:spcBef>
           <a:spcPct val="0"/>
         </a:spcBef>
         <a:buNone/>
-        <a:defRPr sz="3400" kern="1200">
+        <a:defRPr sz="3700" kern="1200">
           <a:solidFill>
             <a:schemeClr val="tx1"/>
           </a:solidFill>
@@ -2843,13 +2843,13 @@
       </a:lvl1pPr>
     </p:titleStyle>
     <p:bodyStyle>
-      <a:lvl1pPr marL="267428" indent="-267428" algn="l" defTabSz="713141" rtl="0" eaLnBrk="1" latinLnBrk="0" hangingPunct="1">
+      <a:lvl1pPr marL="286964" indent="-286964" algn="l" defTabSz="765237" rtl="0" eaLnBrk="1" latinLnBrk="0" hangingPunct="1">
         <a:spcBef>
           <a:spcPct val="20000"/>
         </a:spcBef>
         <a:buFont typeface="Arial" panose="020B0604020202020204" pitchFamily="34" charset="0"/>
         <a:buChar char="•"/>
-        <a:defRPr sz="2500" kern="1200">
+        <a:defRPr sz="2700" kern="1200">
           <a:solidFill>
             <a:schemeClr val="tx1"/>
           </a:solidFill>
@@ -2858,13 +2858,13 @@
           <a:cs typeface="+mn-cs"/>
         </a:defRPr>
       </a:lvl1pPr>
-      <a:lvl2pPr marL="579427" indent="-222856" algn="l" defTabSz="713141" rtl="0" eaLnBrk="1" latinLnBrk="0" hangingPunct="1">
+      <a:lvl2pPr marL="621755" indent="-239136" algn="l" defTabSz="765237" rtl="0" eaLnBrk="1" latinLnBrk="0" hangingPunct="1">
         <a:spcBef>
           <a:spcPct val="20000"/>
         </a:spcBef>
         <a:buFont typeface="Arial" panose="020B0604020202020204" pitchFamily="34" charset="0"/>
         <a:buChar char="–"/>
-        <a:defRPr sz="2200" kern="1200">
+        <a:defRPr sz="2300" kern="1200">
           <a:solidFill>
             <a:schemeClr val="tx1"/>
           </a:solidFill>
@@ -2873,13 +2873,13 @@
           <a:cs typeface="+mn-cs"/>
         </a:defRPr>
       </a:lvl2pPr>
-      <a:lvl3pPr marL="891426" indent="-178285" algn="l" defTabSz="713141" rtl="0" eaLnBrk="1" latinLnBrk="0" hangingPunct="1">
+      <a:lvl3pPr marL="956546" indent="-191309" algn="l" defTabSz="765237" rtl="0" eaLnBrk="1" latinLnBrk="0" hangingPunct="1">
         <a:spcBef>
           <a:spcPct val="20000"/>
         </a:spcBef>
         <a:buFont typeface="Arial" panose="020B0604020202020204" pitchFamily="34" charset="0"/>
         <a:buChar char="•"/>
-        <a:defRPr sz="1900" kern="1200">
+        <a:defRPr sz="2100" kern="1200">
           <a:solidFill>
             <a:schemeClr val="tx1"/>
           </a:solidFill>
@@ -2888,13 +2888,13 @@
           <a:cs typeface="+mn-cs"/>
         </a:defRPr>
       </a:lvl3pPr>
-      <a:lvl4pPr marL="1247996" indent="-178285" algn="l" defTabSz="713141" rtl="0" eaLnBrk="1" latinLnBrk="0" hangingPunct="1">
+      <a:lvl4pPr marL="1339164" indent="-191309" algn="l" defTabSz="765237" rtl="0" eaLnBrk="1" latinLnBrk="0" hangingPunct="1">
         <a:spcBef>
           <a:spcPct val="20000"/>
         </a:spcBef>
         <a:buFont typeface="Arial" panose="020B0604020202020204" pitchFamily="34" charset="0"/>
         <a:buChar char="–"/>
-        <a:defRPr sz="1600" kern="1200">
+        <a:defRPr sz="1700" kern="1200">
           <a:solidFill>
             <a:schemeClr val="tx1"/>
           </a:solidFill>
@@ -2903,13 +2903,13 @@
           <a:cs typeface="+mn-cs"/>
         </a:defRPr>
       </a:lvl4pPr>
-      <a:lvl5pPr marL="1604566" indent="-178285" algn="l" defTabSz="713141" rtl="0" eaLnBrk="1" latinLnBrk="0" hangingPunct="1">
+      <a:lvl5pPr marL="1721782" indent="-191309" algn="l" defTabSz="765237" rtl="0" eaLnBrk="1" latinLnBrk="0" hangingPunct="1">
         <a:spcBef>
           <a:spcPct val="20000"/>
         </a:spcBef>
         <a:buFont typeface="Arial" panose="020B0604020202020204" pitchFamily="34" charset="0"/>
         <a:buChar char="»"/>
-        <a:defRPr sz="1600" kern="1200">
+        <a:defRPr sz="1700" kern="1200">
           <a:solidFill>
             <a:schemeClr val="tx1"/>
           </a:solidFill>
@@ -2918,13 +2918,13 @@
           <a:cs typeface="+mn-cs"/>
         </a:defRPr>
       </a:lvl5pPr>
-      <a:lvl6pPr marL="1961137" indent="-178285" algn="l" defTabSz="713141" rtl="0" eaLnBrk="1" latinLnBrk="0" hangingPunct="1">
+      <a:lvl6pPr marL="2104401" indent="-191309" algn="l" defTabSz="765237" rtl="0" eaLnBrk="1" latinLnBrk="0" hangingPunct="1">
         <a:spcBef>
           <a:spcPct val="20000"/>
         </a:spcBef>
         <a:buFont typeface="Arial" panose="020B0604020202020204" pitchFamily="34" charset="0"/>
         <a:buChar char="•"/>
-        <a:defRPr sz="1600" kern="1200">
+        <a:defRPr sz="1700" kern="1200">
           <a:solidFill>
             <a:schemeClr val="tx1"/>
           </a:solidFill>
@@ -2933,13 +2933,13 @@
           <a:cs typeface="+mn-cs"/>
         </a:defRPr>
       </a:lvl6pPr>
-      <a:lvl7pPr marL="2317707" indent="-178285" algn="l" defTabSz="713141" rtl="0" eaLnBrk="1" latinLnBrk="0" hangingPunct="1">
+      <a:lvl7pPr marL="2487019" indent="-191309" algn="l" defTabSz="765237" rtl="0" eaLnBrk="1" latinLnBrk="0" hangingPunct="1">
         <a:spcBef>
           <a:spcPct val="20000"/>
         </a:spcBef>
         <a:buFont typeface="Arial" panose="020B0604020202020204" pitchFamily="34" charset="0"/>
         <a:buChar char="•"/>
-        <a:defRPr sz="1600" kern="1200">
+        <a:defRPr sz="1700" kern="1200">
           <a:solidFill>
             <a:schemeClr val="tx1"/>
           </a:solidFill>
@@ -2948,13 +2948,13 @@
           <a:cs typeface="+mn-cs"/>
         </a:defRPr>
       </a:lvl7pPr>
-      <a:lvl8pPr marL="2674277" indent="-178285" algn="l" defTabSz="713141" rtl="0" eaLnBrk="1" latinLnBrk="0" hangingPunct="1">
+      <a:lvl8pPr marL="2869637" indent="-191309" algn="l" defTabSz="765237" rtl="0" eaLnBrk="1" latinLnBrk="0" hangingPunct="1">
         <a:spcBef>
           <a:spcPct val="20000"/>
         </a:spcBef>
         <a:buFont typeface="Arial" panose="020B0604020202020204" pitchFamily="34" charset="0"/>
         <a:buChar char="•"/>
-        <a:defRPr sz="1600" kern="1200">
+        <a:defRPr sz="1700" kern="1200">
           <a:solidFill>
             <a:schemeClr val="tx1"/>
           </a:solidFill>
@@ -2963,13 +2963,13 @@
           <a:cs typeface="+mn-cs"/>
         </a:defRPr>
       </a:lvl8pPr>
-      <a:lvl9pPr marL="3030847" indent="-178285" algn="l" defTabSz="713141" rtl="0" eaLnBrk="1" latinLnBrk="0" hangingPunct="1">
+      <a:lvl9pPr marL="3252255" indent="-191309" algn="l" defTabSz="765237" rtl="0" eaLnBrk="1" latinLnBrk="0" hangingPunct="1">
         <a:spcBef>
           <a:spcPct val="20000"/>
         </a:spcBef>
         <a:buFont typeface="Arial" panose="020B0604020202020204" pitchFamily="34" charset="0"/>
         <a:buChar char="•"/>
-        <a:defRPr sz="1600" kern="1200">
+        <a:defRPr sz="1700" kern="1200">
           <a:solidFill>
             <a:schemeClr val="tx1"/>
           </a:solidFill>
@@ -2983,8 +2983,8 @@
       <a:defPPr>
         <a:defRPr lang="en-US"/>
       </a:defPPr>
-      <a:lvl1pPr marL="0" algn="l" defTabSz="713141" rtl="0" eaLnBrk="1" latinLnBrk="0" hangingPunct="1">
-        <a:defRPr sz="1400" kern="1200">
+      <a:lvl1pPr marL="0" algn="l" defTabSz="765237" rtl="0" eaLnBrk="1" latinLnBrk="0" hangingPunct="1">
+        <a:defRPr sz="1500" kern="1200">
           <a:solidFill>
             <a:schemeClr val="tx1"/>
           </a:solidFill>
@@ -2993,8 +2993,8 @@
           <a:cs typeface="+mn-cs"/>
         </a:defRPr>
       </a:lvl1pPr>
-      <a:lvl2pPr marL="356570" algn="l" defTabSz="713141" rtl="0" eaLnBrk="1" latinLnBrk="0" hangingPunct="1">
-        <a:defRPr sz="1400" kern="1200">
+      <a:lvl2pPr marL="382618" algn="l" defTabSz="765237" rtl="0" eaLnBrk="1" latinLnBrk="0" hangingPunct="1">
+        <a:defRPr sz="1500" kern="1200">
           <a:solidFill>
             <a:schemeClr val="tx1"/>
           </a:solidFill>
@@ -3003,8 +3003,8 @@
           <a:cs typeface="+mn-cs"/>
         </a:defRPr>
       </a:lvl2pPr>
-      <a:lvl3pPr marL="713141" algn="l" defTabSz="713141" rtl="0" eaLnBrk="1" latinLnBrk="0" hangingPunct="1">
-        <a:defRPr sz="1400" kern="1200">
+      <a:lvl3pPr marL="765237" algn="l" defTabSz="765237" rtl="0" eaLnBrk="1" latinLnBrk="0" hangingPunct="1">
+        <a:defRPr sz="1500" kern="1200">
           <a:solidFill>
             <a:schemeClr val="tx1"/>
           </a:solidFill>
@@ -3013,8 +3013,8 @@
           <a:cs typeface="+mn-cs"/>
         </a:defRPr>
       </a:lvl3pPr>
-      <a:lvl4pPr marL="1069711" algn="l" defTabSz="713141" rtl="0" eaLnBrk="1" latinLnBrk="0" hangingPunct="1">
-        <a:defRPr sz="1400" kern="1200">
+      <a:lvl4pPr marL="1147855" algn="l" defTabSz="765237" rtl="0" eaLnBrk="1" latinLnBrk="0" hangingPunct="1">
+        <a:defRPr sz="1500" kern="1200">
           <a:solidFill>
             <a:schemeClr val="tx1"/>
           </a:solidFill>
@@ -3023,8 +3023,8 @@
           <a:cs typeface="+mn-cs"/>
         </a:defRPr>
       </a:lvl4pPr>
-      <a:lvl5pPr marL="1426281" algn="l" defTabSz="713141" rtl="0" eaLnBrk="1" latinLnBrk="0" hangingPunct="1">
-        <a:defRPr sz="1400" kern="1200">
+      <a:lvl5pPr marL="1530473" algn="l" defTabSz="765237" rtl="0" eaLnBrk="1" latinLnBrk="0" hangingPunct="1">
+        <a:defRPr sz="1500" kern="1200">
           <a:solidFill>
             <a:schemeClr val="tx1"/>
           </a:solidFill>
@@ -3033,8 +3033,8 @@
           <a:cs typeface="+mn-cs"/>
         </a:defRPr>
       </a:lvl5pPr>
-      <a:lvl6pPr marL="1782851" algn="l" defTabSz="713141" rtl="0" eaLnBrk="1" latinLnBrk="0" hangingPunct="1">
-        <a:defRPr sz="1400" kern="1200">
+      <a:lvl6pPr marL="1913091" algn="l" defTabSz="765237" rtl="0" eaLnBrk="1" latinLnBrk="0" hangingPunct="1">
+        <a:defRPr sz="1500" kern="1200">
           <a:solidFill>
             <a:schemeClr val="tx1"/>
           </a:solidFill>
@@ -3043,8 +3043,8 @@
           <a:cs typeface="+mn-cs"/>
         </a:defRPr>
       </a:lvl6pPr>
-      <a:lvl7pPr marL="2139422" algn="l" defTabSz="713141" rtl="0" eaLnBrk="1" latinLnBrk="0" hangingPunct="1">
-        <a:defRPr sz="1400" kern="1200">
+      <a:lvl7pPr marL="2295709" algn="l" defTabSz="765237" rtl="0" eaLnBrk="1" latinLnBrk="0" hangingPunct="1">
+        <a:defRPr sz="1500" kern="1200">
           <a:solidFill>
             <a:schemeClr val="tx1"/>
           </a:solidFill>
@@ -3053,8 +3053,8 @@
           <a:cs typeface="+mn-cs"/>
         </a:defRPr>
       </a:lvl7pPr>
-      <a:lvl8pPr marL="2495992" algn="l" defTabSz="713141" rtl="0" eaLnBrk="1" latinLnBrk="0" hangingPunct="1">
-        <a:defRPr sz="1400" kern="1200">
+      <a:lvl8pPr marL="2678328" algn="l" defTabSz="765237" rtl="0" eaLnBrk="1" latinLnBrk="0" hangingPunct="1">
+        <a:defRPr sz="1500" kern="1200">
           <a:solidFill>
             <a:schemeClr val="tx1"/>
           </a:solidFill>
@@ -3063,8 +3063,8 @@
           <a:cs typeface="+mn-cs"/>
         </a:defRPr>
       </a:lvl8pPr>
-      <a:lvl9pPr marL="2852562" algn="l" defTabSz="713141" rtl="0" eaLnBrk="1" latinLnBrk="0" hangingPunct="1">
-        <a:defRPr sz="1400" kern="1200">
+      <a:lvl9pPr marL="3060946" algn="l" defTabSz="765237" rtl="0" eaLnBrk="1" latinLnBrk="0" hangingPunct="1">
+        <a:defRPr sz="1500" kern="1200">
           <a:solidFill>
             <a:schemeClr val="tx1"/>
           </a:solidFill>
@@ -3097,13 +3097,13 @@
       </p:grpSpPr>
       <p:sp>
         <p:nvSpPr>
-          <p:cNvPr id="132" name="TextBox 131"/>
+          <p:cNvPr id="102" name="TextBox 101"/>
           <p:cNvSpPr txBox="1"/>
           <p:nvPr/>
         </p:nvSpPr>
         <p:spPr>
           <a:xfrm>
-            <a:off x="35496" y="18005"/>
+            <a:off x="35496" y="396404"/>
             <a:ext cx="648072" cy="553998"/>
           </a:xfrm>
           <a:prstGeom prst="rect">
@@ -3126,13 +3126,13 @@
       </p:sp>
       <p:grpSp>
         <p:nvGrpSpPr>
-          <p:cNvPr id="133" name="Group 132"/>
+          <p:cNvPr id="103" name="Group 102"/>
           <p:cNvGrpSpPr/>
           <p:nvPr/>
         </p:nvGrpSpPr>
         <p:grpSpPr>
           <a:xfrm>
-            <a:off x="395536" y="383038"/>
+            <a:off x="395536" y="761437"/>
             <a:ext cx="4294354" cy="2173308"/>
             <a:chOff x="395536" y="740354"/>
             <a:chExt cx="4294354" cy="2173308"/>
@@ -3140,7 +3140,7 @@
         </p:grpSpPr>
         <p:sp>
           <p:nvSpPr>
-            <p:cNvPr id="134" name="Oval 133"/>
+            <p:cNvPr id="104" name="Oval 103"/>
             <p:cNvSpPr/>
             <p:nvPr/>
           </p:nvSpPr>
@@ -3195,7 +3195,7 @@
         </p:sp>
         <p:cxnSp>
           <p:nvCxnSpPr>
-            <p:cNvPr id="135" name="Straight Connector 134"/>
+            <p:cNvPr id="105" name="Straight Connector 104"/>
             <p:cNvCxnSpPr/>
             <p:nvPr/>
           </p:nvCxnSpPr>
@@ -3233,7 +3233,7 @@
         </p:cxnSp>
         <p:sp>
           <p:nvSpPr>
-            <p:cNvPr id="136" name="TextBox 135"/>
+            <p:cNvPr id="106" name="TextBox 105"/>
             <p:cNvSpPr txBox="1"/>
             <p:nvPr/>
           </p:nvSpPr>
@@ -3263,7 +3263,7 @@
         </p:sp>
         <p:cxnSp>
           <p:nvCxnSpPr>
-            <p:cNvPr id="137" name="Straight Connector 136"/>
+            <p:cNvPr id="107" name="Straight Connector 106"/>
             <p:cNvCxnSpPr/>
             <p:nvPr/>
           </p:nvCxnSpPr>
@@ -3300,7 +3300,7 @@
         </p:cxnSp>
         <p:sp>
           <p:nvSpPr>
-            <p:cNvPr id="138" name="TextBox 137"/>
+            <p:cNvPr id="108" name="TextBox 107"/>
             <p:cNvSpPr txBox="1"/>
             <p:nvPr/>
           </p:nvSpPr>
@@ -3330,7 +3330,7 @@
         </p:sp>
         <p:sp>
           <p:nvSpPr>
-            <p:cNvPr id="139" name="TextBox 138"/>
+            <p:cNvPr id="109" name="TextBox 108"/>
             <p:cNvSpPr txBox="1"/>
             <p:nvPr/>
           </p:nvSpPr>
@@ -3364,7 +3364,7 @@
         </p:sp>
         <p:sp>
           <p:nvSpPr>
-            <p:cNvPr id="140" name="TextBox 139"/>
+            <p:cNvPr id="110" name="TextBox 109"/>
             <p:cNvSpPr txBox="1"/>
             <p:nvPr/>
           </p:nvSpPr>
@@ -3397,7 +3397,7 @@
         </p:sp>
         <p:cxnSp>
           <p:nvCxnSpPr>
-            <p:cNvPr id="141" name="Straight Arrow Connector 140"/>
+            <p:cNvPr id="111" name="Straight Arrow Connector 110"/>
             <p:cNvCxnSpPr/>
             <p:nvPr/>
           </p:nvCxnSpPr>
@@ -3434,7 +3434,7 @@
         </p:cxnSp>
         <p:sp>
           <p:nvSpPr>
-            <p:cNvPr id="142" name="TextBox 141"/>
+            <p:cNvPr id="112" name="TextBox 111"/>
             <p:cNvSpPr txBox="1"/>
             <p:nvPr/>
           </p:nvSpPr>
@@ -3464,7 +3464,7 @@
         </p:sp>
         <p:sp>
           <p:nvSpPr>
-            <p:cNvPr id="143" name="Right Arrow 142"/>
+            <p:cNvPr id="113" name="Right Arrow 112"/>
             <p:cNvSpPr/>
             <p:nvPr/>
           </p:nvSpPr>
@@ -3510,7 +3510,7 @@
         </p:sp>
         <p:sp>
           <p:nvSpPr>
-            <p:cNvPr id="144" name="TextBox 143"/>
+            <p:cNvPr id="114" name="TextBox 113"/>
             <p:cNvSpPr txBox="1"/>
             <p:nvPr/>
           </p:nvSpPr>
@@ -3548,7 +3548,7 @@
         </p:sp>
         <p:sp>
           <p:nvSpPr>
-            <p:cNvPr id="145" name="TextBox 144"/>
+            <p:cNvPr id="115" name="TextBox 114"/>
             <p:cNvSpPr txBox="1"/>
             <p:nvPr/>
           </p:nvSpPr>
@@ -3579,7 +3579,7 @@
       </p:grpSp>
       <p:pic>
         <p:nvPicPr>
-          <p:cNvPr id="146" name="Picture 2" descr="C:\Users\Wendy\Documents\wwn20\Thesis\Chapter3\Figures\Ag_Au.png"/>
+          <p:cNvPr id="116" name="Picture 2" descr="C:\Users\Wendy\Documents\wwn20\Thesis\Chapter3\Figures\Ag_Au.png"/>
           <p:cNvPicPr>
             <a:picLocks noChangeAspect="1" noChangeArrowheads="1"/>
           </p:cNvPicPr>
@@ -3600,8 +3600,8 @@
         </p:blipFill>
         <p:spPr bwMode="auto">
           <a:xfrm>
-            <a:off x="4824636" y="71656"/>
-            <a:ext cx="4038600" cy="3476625"/>
+            <a:off x="4824635" y="71656"/>
+            <a:ext cx="4752329" cy="4091038"/>
           </a:xfrm>
           <a:prstGeom prst="rect">
             <a:avLst/>
@@ -3620,13 +3620,13 @@
       </p:pic>
       <p:grpSp>
         <p:nvGrpSpPr>
-          <p:cNvPr id="147" name="Group 146"/>
+          <p:cNvPr id="117" name="Group 116"/>
           <p:cNvGrpSpPr/>
           <p:nvPr/>
         </p:nvGrpSpPr>
         <p:grpSpPr>
           <a:xfrm>
-            <a:off x="684138" y="3463405"/>
+            <a:off x="936575" y="4050854"/>
             <a:ext cx="7416824" cy="2394222"/>
             <a:chOff x="180082" y="3463405"/>
             <a:chExt cx="7416824" cy="2394222"/>
@@ -3634,7 +3634,7 @@
         </p:grpSpPr>
         <p:cxnSp>
           <p:nvCxnSpPr>
-            <p:cNvPr id="148" name="Straight Connector 147"/>
+            <p:cNvPr id="118" name="Straight Connector 117"/>
             <p:cNvCxnSpPr/>
             <p:nvPr/>
           </p:nvCxnSpPr>
@@ -3670,7 +3670,7 @@
         </p:cxnSp>
         <p:sp>
           <p:nvSpPr>
-            <p:cNvPr id="149" name="Freeform 148"/>
+            <p:cNvPr id="119" name="Freeform 118"/>
             <p:cNvSpPr>
               <a:spLocks noChangeAspect="1"/>
             </p:cNvSpPr>
@@ -4092,7 +4092,7 @@
         </p:sp>
         <p:grpSp>
           <p:nvGrpSpPr>
-            <p:cNvPr id="150" name="Group 149"/>
+            <p:cNvPr id="120" name="Group 119"/>
             <p:cNvGrpSpPr/>
             <p:nvPr/>
           </p:nvGrpSpPr>
@@ -4106,7 +4106,7 @@
           </p:grpSpPr>
           <p:sp>
             <p:nvSpPr>
-              <p:cNvPr id="178" name="Oval 177"/>
+              <p:cNvPr id="198" name="Oval 197"/>
               <p:cNvSpPr/>
               <p:nvPr/>
             </p:nvSpPr>
@@ -4161,7 +4161,7 @@
           </p:sp>
           <p:sp>
             <p:nvSpPr>
-              <p:cNvPr id="179" name="Oval 178"/>
+              <p:cNvPr id="199" name="Oval 198"/>
               <p:cNvSpPr/>
               <p:nvPr/>
             </p:nvSpPr>
@@ -4212,7 +4212,7 @@
         </p:grpSp>
         <p:grpSp>
           <p:nvGrpSpPr>
-            <p:cNvPr id="151" name="Group 150"/>
+            <p:cNvPr id="121" name="Group 120"/>
             <p:cNvGrpSpPr/>
             <p:nvPr/>
           </p:nvGrpSpPr>
@@ -4226,7 +4226,7 @@
           </p:grpSpPr>
           <p:sp>
             <p:nvSpPr>
-              <p:cNvPr id="176" name="Oval 175"/>
+              <p:cNvPr id="196" name="Oval 195"/>
               <p:cNvSpPr/>
               <p:nvPr/>
             </p:nvSpPr>
@@ -4281,7 +4281,7 @@
           </p:sp>
           <p:sp>
             <p:nvSpPr>
-              <p:cNvPr id="177" name="Oval 176"/>
+              <p:cNvPr id="197" name="Oval 196"/>
               <p:cNvSpPr/>
               <p:nvPr/>
             </p:nvSpPr>
@@ -4332,7 +4332,7 @@
         </p:grpSp>
         <p:grpSp>
           <p:nvGrpSpPr>
-            <p:cNvPr id="152" name="Group 151"/>
+            <p:cNvPr id="122" name="Group 121"/>
             <p:cNvGrpSpPr/>
             <p:nvPr/>
           </p:nvGrpSpPr>
@@ -4346,7 +4346,7 @@
           </p:grpSpPr>
           <p:sp>
             <p:nvSpPr>
-              <p:cNvPr id="173" name="TextBox 172"/>
+              <p:cNvPr id="193" name="TextBox 192"/>
               <p:cNvSpPr txBox="1"/>
               <p:nvPr/>
             </p:nvSpPr>
@@ -4384,7 +4384,7 @@
           </p:sp>
           <p:sp>
             <p:nvSpPr>
-              <p:cNvPr id="174" name="TextBox 173"/>
+              <p:cNvPr id="194" name="TextBox 193"/>
               <p:cNvSpPr txBox="1"/>
               <p:nvPr/>
             </p:nvSpPr>
@@ -4422,7 +4422,7 @@
           </p:sp>
           <p:sp>
             <p:nvSpPr>
-              <p:cNvPr id="175" name="TextBox 174"/>
+              <p:cNvPr id="195" name="TextBox 194"/>
               <p:cNvSpPr txBox="1"/>
               <p:nvPr/>
             </p:nvSpPr>
@@ -4461,7 +4461,7 @@
         </p:grpSp>
         <p:grpSp>
           <p:nvGrpSpPr>
-            <p:cNvPr id="153" name="Group 152"/>
+            <p:cNvPr id="123" name="Group 122"/>
             <p:cNvGrpSpPr/>
             <p:nvPr/>
           </p:nvGrpSpPr>
@@ -4475,7 +4475,7 @@
           </p:grpSpPr>
           <p:sp>
             <p:nvSpPr>
-              <p:cNvPr id="170" name="TextBox 169"/>
+              <p:cNvPr id="190" name="TextBox 189"/>
               <p:cNvSpPr txBox="1"/>
               <p:nvPr/>
             </p:nvSpPr>
@@ -4503,17 +4503,12 @@
                   </a:rPr>
                   <a:t>-</a:t>
                 </a:r>
-                <a:endParaRPr lang="en-GB" sz="3500" dirty="0">
-                  <a:solidFill>
-                    <a:schemeClr val="bg1"/>
-                  </a:solidFill>
-                </a:endParaRPr>
               </a:p>
             </p:txBody>
           </p:sp>
           <p:sp>
             <p:nvSpPr>
-              <p:cNvPr id="171" name="TextBox 170"/>
+              <p:cNvPr id="191" name="TextBox 190"/>
               <p:cNvSpPr txBox="1"/>
               <p:nvPr/>
             </p:nvSpPr>
@@ -4541,17 +4536,12 @@
                   </a:rPr>
                   <a:t>-</a:t>
                 </a:r>
-                <a:endParaRPr lang="en-GB" sz="3500" dirty="0">
-                  <a:solidFill>
-                    <a:schemeClr val="bg1"/>
-                  </a:solidFill>
-                </a:endParaRPr>
               </a:p>
             </p:txBody>
           </p:sp>
           <p:sp>
             <p:nvSpPr>
-              <p:cNvPr id="172" name="TextBox 171"/>
+              <p:cNvPr id="192" name="TextBox 191"/>
               <p:cNvSpPr txBox="1"/>
               <p:nvPr/>
             </p:nvSpPr>
@@ -4579,18 +4569,13 @@
                   </a:rPr>
                   <a:t>-</a:t>
                 </a:r>
-                <a:endParaRPr lang="en-GB" sz="3500" dirty="0">
-                  <a:solidFill>
-                    <a:schemeClr val="bg1"/>
-                  </a:solidFill>
-                </a:endParaRPr>
               </a:p>
             </p:txBody>
           </p:sp>
         </p:grpSp>
         <p:grpSp>
           <p:nvGrpSpPr>
-            <p:cNvPr id="154" name="Group 153"/>
+            <p:cNvPr id="124" name="Group 123"/>
             <p:cNvGrpSpPr/>
             <p:nvPr/>
           </p:nvGrpSpPr>
@@ -4604,7 +4589,7 @@
           </p:grpSpPr>
           <p:sp>
             <p:nvSpPr>
-              <p:cNvPr id="167" name="TextBox 166"/>
+              <p:cNvPr id="187" name="TextBox 186"/>
               <p:cNvSpPr txBox="1"/>
               <p:nvPr/>
             </p:nvSpPr>
@@ -4642,7 +4627,7 @@
           </p:sp>
           <p:sp>
             <p:nvSpPr>
-              <p:cNvPr id="168" name="TextBox 167"/>
+              <p:cNvPr id="188" name="TextBox 187"/>
               <p:cNvSpPr txBox="1"/>
               <p:nvPr/>
             </p:nvSpPr>
@@ -4680,7 +4665,7 @@
           </p:sp>
           <p:sp>
             <p:nvSpPr>
-              <p:cNvPr id="169" name="TextBox 168"/>
+              <p:cNvPr id="189" name="TextBox 188"/>
               <p:cNvSpPr txBox="1"/>
               <p:nvPr/>
             </p:nvSpPr>
@@ -4719,7 +4704,7 @@
         </p:grpSp>
         <p:grpSp>
           <p:nvGrpSpPr>
-            <p:cNvPr id="155" name="Group 154"/>
+            <p:cNvPr id="125" name="Group 124"/>
             <p:cNvGrpSpPr/>
             <p:nvPr/>
           </p:nvGrpSpPr>
@@ -4733,7 +4718,7 @@
           </p:grpSpPr>
           <p:sp>
             <p:nvSpPr>
-              <p:cNvPr id="164" name="TextBox 163"/>
+              <p:cNvPr id="184" name="TextBox 183"/>
               <p:cNvSpPr txBox="1"/>
               <p:nvPr/>
             </p:nvSpPr>
@@ -4761,17 +4746,12 @@
                   </a:rPr>
                   <a:t>-</a:t>
                 </a:r>
-                <a:endParaRPr lang="en-GB" sz="3500" dirty="0">
-                  <a:solidFill>
-                    <a:schemeClr val="bg1"/>
-                  </a:solidFill>
-                </a:endParaRPr>
               </a:p>
             </p:txBody>
           </p:sp>
           <p:sp>
             <p:nvSpPr>
-              <p:cNvPr id="165" name="TextBox 164"/>
+              <p:cNvPr id="185" name="TextBox 184"/>
               <p:cNvSpPr txBox="1"/>
               <p:nvPr/>
             </p:nvSpPr>
@@ -4799,17 +4779,12 @@
                   </a:rPr>
                   <a:t>-</a:t>
                 </a:r>
-                <a:endParaRPr lang="en-GB" sz="3500" dirty="0">
-                  <a:solidFill>
-                    <a:schemeClr val="bg1"/>
-                  </a:solidFill>
-                </a:endParaRPr>
               </a:p>
             </p:txBody>
           </p:sp>
           <p:sp>
             <p:nvSpPr>
-              <p:cNvPr id="166" name="TextBox 165"/>
+              <p:cNvPr id="186" name="TextBox 185"/>
               <p:cNvSpPr txBox="1"/>
               <p:nvPr/>
             </p:nvSpPr>
@@ -4837,18 +4812,13 @@
                   </a:rPr>
                   <a:t>-</a:t>
                 </a:r>
-                <a:endParaRPr lang="en-GB" sz="3500" dirty="0">
-                  <a:solidFill>
-                    <a:schemeClr val="bg1"/>
-                  </a:solidFill>
-                </a:endParaRPr>
               </a:p>
             </p:txBody>
           </p:sp>
         </p:grpSp>
         <p:sp>
           <p:nvSpPr>
-            <p:cNvPr id="156" name="TextBox 155"/>
+            <p:cNvPr id="126" name="TextBox 125"/>
             <p:cNvSpPr txBox="1"/>
             <p:nvPr/>
           </p:nvSpPr>
@@ -4878,7 +4848,7 @@
         </p:sp>
         <p:sp>
           <p:nvSpPr>
-            <p:cNvPr id="157" name="TextBox 156"/>
+            <p:cNvPr id="127" name="TextBox 126"/>
             <p:cNvSpPr txBox="1"/>
             <p:nvPr/>
           </p:nvSpPr>
@@ -4908,7 +4878,7 @@
         </p:sp>
         <p:sp>
           <p:nvSpPr>
-            <p:cNvPr id="158" name="TextBox 157"/>
+            <p:cNvPr id="128" name="TextBox 127"/>
             <p:cNvSpPr txBox="1"/>
             <p:nvPr/>
           </p:nvSpPr>
@@ -4938,7 +4908,7 @@
         </p:sp>
         <p:sp>
           <p:nvSpPr>
-            <p:cNvPr id="159" name="Up Arrow 158"/>
+            <p:cNvPr id="129" name="Up Arrow 128"/>
             <p:cNvSpPr/>
             <p:nvPr/>
           </p:nvSpPr>
@@ -4984,7 +4954,7 @@
         </p:sp>
         <p:sp>
           <p:nvSpPr>
-            <p:cNvPr id="160" name="Up Arrow 159"/>
+            <p:cNvPr id="130" name="Up Arrow 129"/>
             <p:cNvSpPr/>
             <p:nvPr/>
           </p:nvSpPr>
@@ -5030,7 +5000,7 @@
         </p:sp>
         <p:cxnSp>
           <p:nvCxnSpPr>
-            <p:cNvPr id="161" name="Straight Arrow Connector 160"/>
+            <p:cNvPr id="131" name="Straight Arrow Connector 130"/>
             <p:cNvCxnSpPr/>
             <p:nvPr/>
           </p:nvCxnSpPr>
@@ -5067,7 +5037,7 @@
         </p:cxnSp>
         <p:cxnSp>
           <p:nvCxnSpPr>
-            <p:cNvPr id="162" name="Straight Arrow Connector 161"/>
+            <p:cNvPr id="182" name="Straight Arrow Connector 181"/>
             <p:cNvCxnSpPr/>
             <p:nvPr/>
           </p:nvCxnSpPr>
@@ -5104,7 +5074,7 @@
         </p:cxnSp>
         <p:cxnSp>
           <p:nvCxnSpPr>
-            <p:cNvPr id="163" name="Straight Arrow Connector 162"/>
+            <p:cNvPr id="183" name="Straight Arrow Connector 182"/>
             <p:cNvCxnSpPr/>
             <p:nvPr/>
           </p:nvCxnSpPr>
@@ -5142,7 +5112,7 @@
       </p:grpSp>
       <p:sp>
         <p:nvSpPr>
-          <p:cNvPr id="180" name="TextBox 179"/>
+          <p:cNvPr id="200" name="TextBox 199"/>
           <p:cNvSpPr txBox="1"/>
           <p:nvPr/>
         </p:nvSpPr>
@@ -5166,19 +5136,18 @@
               <a:rPr lang="en-GB" sz="3000" dirty="0" smtClean="0"/>
               <a:t>(b)</a:t>
             </a:r>
-            <a:endParaRPr lang="en-GB" sz="3000" dirty="0" smtClean="0"/>
-          </a:p>
-        </p:txBody>
-      </p:sp>
-      <p:sp>
-        <p:nvSpPr>
-          <p:cNvPr id="181" name="TextBox 180"/>
+          </a:p>
+        </p:txBody>
+      </p:sp>
+      <p:sp>
+        <p:nvSpPr>
+          <p:cNvPr id="201" name="TextBox 200"/>
           <p:cNvSpPr txBox="1"/>
           <p:nvPr/>
         </p:nvSpPr>
         <p:spPr>
           <a:xfrm>
-            <a:off x="35496" y="2994283"/>
+            <a:off x="287933" y="4018870"/>
             <a:ext cx="648072" cy="553998"/>
           </a:xfrm>
           <a:prstGeom prst="rect">
@@ -5196,7 +5165,6 @@
               <a:rPr lang="en-GB" sz="3000" dirty="0" smtClean="0"/>
               <a:t>(c)</a:t>
             </a:r>
-            <a:endParaRPr lang="en-GB" sz="3000" dirty="0" smtClean="0"/>
           </a:p>
         </p:txBody>
       </p:sp>

--- a/Chapter3/Figures/Fig7.pptx
+++ b/Chapter3/Figures/Fig7.pptx
@@ -7,7 +7,7 @@
   <p:sldIdLst>
     <p:sldId id="256" r:id="rId2"/>
   </p:sldIdLst>
-  <p:sldSz cx="9361488" cy="6480175"/>
+  <p:sldSz cx="9361488" cy="7021513"/>
   <p:notesSz cx="6858000" cy="9144000"/>
   <p:defaultTextStyle>
     <a:defPPr>
@@ -136,8 +136,8 @@
         </p:nvSpPr>
         <p:spPr>
           <a:xfrm>
-            <a:off x="702114" y="2013062"/>
-            <a:ext cx="7957265" cy="1389038"/>
+            <a:off x="702118" y="2181229"/>
+            <a:ext cx="7957265" cy="1505074"/>
           </a:xfrm>
         </p:spPr>
         <p:txBody>
@@ -164,8 +164,8 @@
         </p:nvSpPr>
         <p:spPr>
           <a:xfrm>
-            <a:off x="1404224" y="3672106"/>
-            <a:ext cx="6553043" cy="1656045"/>
+            <a:off x="1404228" y="3978866"/>
+            <a:ext cx="6553043" cy="1794386"/>
           </a:xfrm>
         </p:spPr>
         <p:txBody>
@@ -288,7 +288,7 @@
           <a:p>
             <a:fld id="{DD015247-60B9-4D54-BD6B-C1C3EA51958A}" type="datetimeFigureOut">
               <a:rPr lang="en-GB" smtClean="0"/>
-              <a:t>01/09/2014</a:t>
+              <a:t>27/09/2014</a:t>
             </a:fld>
             <a:endParaRPr lang="en-GB"/>
           </a:p>
@@ -458,7 +458,7 @@
           <a:p>
             <a:fld id="{DD015247-60B9-4D54-BD6B-C1C3EA51958A}" type="datetimeFigureOut">
               <a:rPr lang="en-GB" smtClean="0"/>
-              <a:t>01/09/2014</a:t>
+              <a:t>27/09/2014</a:t>
             </a:fld>
             <a:endParaRPr lang="en-GB"/>
           </a:p>
@@ -548,8 +548,8 @@
         </p:nvSpPr>
         <p:spPr>
           <a:xfrm>
-            <a:off x="6787081" y="259516"/>
-            <a:ext cx="2106336" cy="5529151"/>
+            <a:off x="6787081" y="281197"/>
+            <a:ext cx="2106336" cy="5991042"/>
           </a:xfrm>
         </p:spPr>
         <p:txBody>
@@ -576,8 +576,8 @@
         </p:nvSpPr>
         <p:spPr>
           <a:xfrm>
-            <a:off x="468076" y="259516"/>
-            <a:ext cx="6162981" cy="5529151"/>
+            <a:off x="468077" y="281197"/>
+            <a:ext cx="6162981" cy="5991042"/>
           </a:xfrm>
         </p:spPr>
         <p:txBody>
@@ -638,7 +638,7 @@
           <a:p>
             <a:fld id="{DD015247-60B9-4D54-BD6B-C1C3EA51958A}" type="datetimeFigureOut">
               <a:rPr lang="en-GB" smtClean="0"/>
-              <a:t>01/09/2014</a:t>
+              <a:t>27/09/2014</a:t>
             </a:fld>
             <a:endParaRPr lang="en-GB"/>
           </a:p>
@@ -808,7 +808,7 @@
           <a:p>
             <a:fld id="{DD015247-60B9-4D54-BD6B-C1C3EA51958A}" type="datetimeFigureOut">
               <a:rPr lang="en-GB" smtClean="0"/>
-              <a:t>01/09/2014</a:t>
+              <a:t>27/09/2014</a:t>
             </a:fld>
             <a:endParaRPr lang="en-GB"/>
           </a:p>
@@ -898,8 +898,8 @@
         </p:nvSpPr>
         <p:spPr>
           <a:xfrm>
-            <a:off x="739495" y="4164120"/>
-            <a:ext cx="7957265" cy="1287035"/>
+            <a:off x="739499" y="4511983"/>
+            <a:ext cx="7957265" cy="1394551"/>
           </a:xfrm>
         </p:spPr>
         <p:txBody>
@@ -930,8 +930,8 @@
         </p:nvSpPr>
         <p:spPr>
           <a:xfrm>
-            <a:off x="739495" y="2746577"/>
-            <a:ext cx="7957265" cy="1417538"/>
+            <a:off x="739499" y="2976020"/>
+            <a:ext cx="7957265" cy="1535955"/>
           </a:xfrm>
         </p:spPr>
         <p:txBody>
@@ -1054,7 +1054,7 @@
           <a:p>
             <a:fld id="{DD015247-60B9-4D54-BD6B-C1C3EA51958A}" type="datetimeFigureOut">
               <a:rPr lang="en-GB" smtClean="0"/>
-              <a:t>01/09/2014</a:t>
+              <a:t>27/09/2014</a:t>
             </a:fld>
             <a:endParaRPr lang="en-GB"/>
           </a:p>
@@ -1167,8 +1167,8 @@
         </p:nvSpPr>
         <p:spPr>
           <a:xfrm>
-            <a:off x="468077" y="1512049"/>
-            <a:ext cx="4134657" cy="4276617"/>
+            <a:off x="468078" y="1638362"/>
+            <a:ext cx="4134657" cy="4633875"/>
           </a:xfrm>
         </p:spPr>
         <p:txBody>
@@ -1252,8 +1252,8 @@
         </p:nvSpPr>
         <p:spPr>
           <a:xfrm>
-            <a:off x="4758759" y="1512049"/>
-            <a:ext cx="4134657" cy="4276617"/>
+            <a:off x="4758763" y="1638362"/>
+            <a:ext cx="4134657" cy="4633875"/>
           </a:xfrm>
         </p:spPr>
         <p:txBody>
@@ -1342,7 +1342,7 @@
           <a:p>
             <a:fld id="{DD015247-60B9-4D54-BD6B-C1C3EA51958A}" type="datetimeFigureOut">
               <a:rPr lang="en-GB" smtClean="0"/>
-              <a:t>01/09/2014</a:t>
+              <a:t>27/09/2014</a:t>
             </a:fld>
             <a:endParaRPr lang="en-GB"/>
           </a:p>
@@ -1459,8 +1459,8 @@
         </p:nvSpPr>
         <p:spPr>
           <a:xfrm>
-            <a:off x="468075" y="1450545"/>
-            <a:ext cx="4136284" cy="604516"/>
+            <a:off x="468075" y="1571721"/>
+            <a:ext cx="4136284" cy="655017"/>
           </a:xfrm>
         </p:spPr>
         <p:txBody>
@@ -1524,8 +1524,8 @@
         </p:nvSpPr>
         <p:spPr>
           <a:xfrm>
-            <a:off x="468075" y="2055057"/>
-            <a:ext cx="4136284" cy="3733601"/>
+            <a:off x="468075" y="2226732"/>
+            <a:ext cx="4136284" cy="4045497"/>
           </a:xfrm>
         </p:spPr>
         <p:txBody>
@@ -1609,8 +1609,8 @@
         </p:nvSpPr>
         <p:spPr>
           <a:xfrm>
-            <a:off x="4755508" y="1450545"/>
-            <a:ext cx="4137909" cy="604516"/>
+            <a:off x="4755512" y="1571721"/>
+            <a:ext cx="4137909" cy="655017"/>
           </a:xfrm>
         </p:spPr>
         <p:txBody>
@@ -1674,8 +1674,8 @@
         </p:nvSpPr>
         <p:spPr>
           <a:xfrm>
-            <a:off x="4755508" y="2055057"/>
-            <a:ext cx="4137909" cy="3733601"/>
+            <a:off x="4755512" y="2226732"/>
+            <a:ext cx="4137909" cy="4045497"/>
           </a:xfrm>
         </p:spPr>
         <p:txBody>
@@ -1764,7 +1764,7 @@
           <a:p>
             <a:fld id="{DD015247-60B9-4D54-BD6B-C1C3EA51958A}" type="datetimeFigureOut">
               <a:rPr lang="en-GB" smtClean="0"/>
-              <a:t>01/09/2014</a:t>
+              <a:t>27/09/2014</a:t>
             </a:fld>
             <a:endParaRPr lang="en-GB"/>
           </a:p>
@@ -1882,7 +1882,7 @@
           <a:p>
             <a:fld id="{DD015247-60B9-4D54-BD6B-C1C3EA51958A}" type="datetimeFigureOut">
               <a:rPr lang="en-GB" smtClean="0"/>
-              <a:t>01/09/2014</a:t>
+              <a:t>27/09/2014</a:t>
             </a:fld>
             <a:endParaRPr lang="en-GB"/>
           </a:p>
@@ -1977,7 +1977,7 @@
           <a:p>
             <a:fld id="{DD015247-60B9-4D54-BD6B-C1C3EA51958A}" type="datetimeFigureOut">
               <a:rPr lang="en-GB" smtClean="0"/>
-              <a:t>01/09/2014</a:t>
+              <a:t>27/09/2014</a:t>
             </a:fld>
             <a:endParaRPr lang="en-GB"/>
           </a:p>
@@ -2067,8 +2067,8 @@
         </p:nvSpPr>
         <p:spPr>
           <a:xfrm>
-            <a:off x="468079" y="258008"/>
-            <a:ext cx="3079864" cy="1098029"/>
+            <a:off x="468079" y="279562"/>
+            <a:ext cx="3079864" cy="1189756"/>
           </a:xfrm>
         </p:spPr>
         <p:txBody>
@@ -2099,8 +2099,8 @@
         </p:nvSpPr>
         <p:spPr>
           <a:xfrm>
-            <a:off x="3660086" y="258009"/>
-            <a:ext cx="5233333" cy="5530649"/>
+            <a:off x="3660090" y="279563"/>
+            <a:ext cx="5233333" cy="5992666"/>
           </a:xfrm>
         </p:spPr>
         <p:txBody>
@@ -2184,8 +2184,8 @@
         </p:nvSpPr>
         <p:spPr>
           <a:xfrm>
-            <a:off x="468079" y="1356037"/>
-            <a:ext cx="3079864" cy="4432620"/>
+            <a:off x="468079" y="1469318"/>
+            <a:ext cx="3079864" cy="4802910"/>
           </a:xfrm>
         </p:spPr>
         <p:txBody>
@@ -2254,7 +2254,7 @@
           <a:p>
             <a:fld id="{DD015247-60B9-4D54-BD6B-C1C3EA51958A}" type="datetimeFigureOut">
               <a:rPr lang="en-GB" smtClean="0"/>
-              <a:t>01/09/2014</a:t>
+              <a:t>27/09/2014</a:t>
             </a:fld>
             <a:endParaRPr lang="en-GB"/>
           </a:p>
@@ -2344,8 +2344,8 @@
         </p:nvSpPr>
         <p:spPr>
           <a:xfrm>
-            <a:off x="1834918" y="4536129"/>
-            <a:ext cx="5616893" cy="535515"/>
+            <a:off x="1834922" y="4915068"/>
+            <a:ext cx="5616893" cy="580251"/>
           </a:xfrm>
         </p:spPr>
         <p:txBody>
@@ -2376,8 +2376,8 @@
         </p:nvSpPr>
         <p:spPr>
           <a:xfrm>
-            <a:off x="1834918" y="579018"/>
-            <a:ext cx="5616893" cy="3888105"/>
+            <a:off x="1834922" y="627389"/>
+            <a:ext cx="5616893" cy="4212908"/>
           </a:xfrm>
         </p:spPr>
         <p:txBody>
@@ -2437,8 +2437,8 @@
         </p:nvSpPr>
         <p:spPr>
           <a:xfrm>
-            <a:off x="1834918" y="5071645"/>
-            <a:ext cx="5616893" cy="760521"/>
+            <a:off x="1834922" y="5495319"/>
+            <a:ext cx="5616893" cy="824052"/>
           </a:xfrm>
         </p:spPr>
         <p:txBody>
@@ -2507,7 +2507,7 @@
           <a:p>
             <a:fld id="{DD015247-60B9-4D54-BD6B-C1C3EA51958A}" type="datetimeFigureOut">
               <a:rPr lang="en-GB" smtClean="0"/>
-              <a:t>01/09/2014</a:t>
+              <a:t>27/09/2014</a:t>
             </a:fld>
             <a:endParaRPr lang="en-GB"/>
           </a:p>
@@ -2602,8 +2602,8 @@
         </p:nvSpPr>
         <p:spPr>
           <a:xfrm>
-            <a:off x="468077" y="259515"/>
-            <a:ext cx="8425339" cy="1080030"/>
+            <a:off x="468081" y="281195"/>
+            <a:ext cx="8425339" cy="1170254"/>
           </a:xfrm>
           <a:prstGeom prst="rect">
             <a:avLst/>
@@ -2635,8 +2635,8 @@
         </p:nvSpPr>
         <p:spPr>
           <a:xfrm>
-            <a:off x="468077" y="1512049"/>
-            <a:ext cx="8425339" cy="4276617"/>
+            <a:off x="468081" y="1638362"/>
+            <a:ext cx="8425339" cy="4633875"/>
           </a:xfrm>
           <a:prstGeom prst="rect">
             <a:avLst/>
@@ -2697,8 +2697,8 @@
         </p:nvSpPr>
         <p:spPr>
           <a:xfrm>
-            <a:off x="468078" y="6006170"/>
-            <a:ext cx="2184348" cy="345011"/>
+            <a:off x="468078" y="6507913"/>
+            <a:ext cx="2184348" cy="373832"/>
           </a:xfrm>
           <a:prstGeom prst="rect">
             <a:avLst/>
@@ -2720,7 +2720,7 @@
           <a:p>
             <a:fld id="{DD015247-60B9-4D54-BD6B-C1C3EA51958A}" type="datetimeFigureOut">
               <a:rPr lang="en-GB" smtClean="0"/>
-              <a:t>01/09/2014</a:t>
+              <a:t>27/09/2014</a:t>
             </a:fld>
             <a:endParaRPr lang="en-GB"/>
           </a:p>
@@ -2738,8 +2738,8 @@
         </p:nvSpPr>
         <p:spPr>
           <a:xfrm>
-            <a:off x="3198510" y="6006170"/>
-            <a:ext cx="2964471" cy="345011"/>
+            <a:off x="3198514" y="6507913"/>
+            <a:ext cx="2964471" cy="373832"/>
           </a:xfrm>
           <a:prstGeom prst="rect">
             <a:avLst/>
@@ -2775,8 +2775,8 @@
         </p:nvSpPr>
         <p:spPr>
           <a:xfrm>
-            <a:off x="6709070" y="6006170"/>
-            <a:ext cx="2184348" cy="345011"/>
+            <a:off x="6709070" y="6507913"/>
+            <a:ext cx="2184348" cy="373832"/>
           </a:xfrm>
           <a:prstGeom prst="rect">
             <a:avLst/>
@@ -3097,13 +3097,13 @@
       </p:grpSpPr>
       <p:sp>
         <p:nvSpPr>
-          <p:cNvPr id="102" name="TextBox 101"/>
+          <p:cNvPr id="262" name="TextBox 261"/>
           <p:cNvSpPr txBox="1"/>
           <p:nvPr/>
         </p:nvSpPr>
         <p:spPr>
           <a:xfrm>
-            <a:off x="35496" y="396404"/>
+            <a:off x="35496" y="503783"/>
             <a:ext cx="648072" cy="553998"/>
           </a:xfrm>
           <a:prstGeom prst="rect">
@@ -3126,13 +3126,13 @@
       </p:sp>
       <p:grpSp>
         <p:nvGrpSpPr>
-          <p:cNvPr id="103" name="Group 102"/>
+          <p:cNvPr id="263" name="Group 262"/>
           <p:cNvGrpSpPr/>
           <p:nvPr/>
         </p:nvGrpSpPr>
         <p:grpSpPr>
           <a:xfrm>
-            <a:off x="395536" y="761437"/>
+            <a:off x="395536" y="868816"/>
             <a:ext cx="4294354" cy="2173308"/>
             <a:chOff x="395536" y="740354"/>
             <a:chExt cx="4294354" cy="2173308"/>
@@ -3140,7 +3140,7 @@
         </p:grpSpPr>
         <p:sp>
           <p:nvSpPr>
-            <p:cNvPr id="104" name="Oval 103"/>
+            <p:cNvPr id="264" name="Oval 263"/>
             <p:cNvSpPr/>
             <p:nvPr/>
           </p:nvSpPr>
@@ -3195,7 +3195,7 @@
         </p:sp>
         <p:cxnSp>
           <p:nvCxnSpPr>
-            <p:cNvPr id="105" name="Straight Connector 104"/>
+            <p:cNvPr id="265" name="Straight Connector 264"/>
             <p:cNvCxnSpPr/>
             <p:nvPr/>
           </p:nvCxnSpPr>
@@ -3233,7 +3233,7 @@
         </p:cxnSp>
         <p:sp>
           <p:nvSpPr>
-            <p:cNvPr id="106" name="TextBox 105"/>
+            <p:cNvPr id="266" name="TextBox 265"/>
             <p:cNvSpPr txBox="1"/>
             <p:nvPr/>
           </p:nvSpPr>
@@ -3263,7 +3263,7 @@
         </p:sp>
         <p:cxnSp>
           <p:nvCxnSpPr>
-            <p:cNvPr id="107" name="Straight Connector 106"/>
+            <p:cNvPr id="267" name="Straight Connector 266"/>
             <p:cNvCxnSpPr/>
             <p:nvPr/>
           </p:nvCxnSpPr>
@@ -3300,7 +3300,7 @@
         </p:cxnSp>
         <p:sp>
           <p:nvSpPr>
-            <p:cNvPr id="108" name="TextBox 107"/>
+            <p:cNvPr id="268" name="TextBox 267"/>
             <p:cNvSpPr txBox="1"/>
             <p:nvPr/>
           </p:nvSpPr>
@@ -3330,7 +3330,7 @@
         </p:sp>
         <p:sp>
           <p:nvSpPr>
-            <p:cNvPr id="109" name="TextBox 108"/>
+            <p:cNvPr id="269" name="TextBox 268"/>
             <p:cNvSpPr txBox="1"/>
             <p:nvPr/>
           </p:nvSpPr>
@@ -3364,7 +3364,7 @@
         </p:sp>
         <p:sp>
           <p:nvSpPr>
-            <p:cNvPr id="110" name="TextBox 109"/>
+            <p:cNvPr id="270" name="TextBox 269"/>
             <p:cNvSpPr txBox="1"/>
             <p:nvPr/>
           </p:nvSpPr>
@@ -3397,7 +3397,7 @@
         </p:sp>
         <p:cxnSp>
           <p:nvCxnSpPr>
-            <p:cNvPr id="111" name="Straight Arrow Connector 110"/>
+            <p:cNvPr id="271" name="Straight Arrow Connector 270"/>
             <p:cNvCxnSpPr/>
             <p:nvPr/>
           </p:nvCxnSpPr>
@@ -3434,7 +3434,7 @@
         </p:cxnSp>
         <p:sp>
           <p:nvSpPr>
-            <p:cNvPr id="112" name="TextBox 111"/>
+            <p:cNvPr id="272" name="TextBox 271"/>
             <p:cNvSpPr txBox="1"/>
             <p:nvPr/>
           </p:nvSpPr>
@@ -3464,7 +3464,7 @@
         </p:sp>
         <p:sp>
           <p:nvSpPr>
-            <p:cNvPr id="113" name="Right Arrow 112"/>
+            <p:cNvPr id="273" name="Right Arrow 272"/>
             <p:cNvSpPr/>
             <p:nvPr/>
           </p:nvSpPr>
@@ -3510,7 +3510,7 @@
         </p:sp>
         <p:sp>
           <p:nvSpPr>
-            <p:cNvPr id="114" name="TextBox 113"/>
+            <p:cNvPr id="274" name="TextBox 273"/>
             <p:cNvSpPr txBox="1"/>
             <p:nvPr/>
           </p:nvSpPr>
@@ -3548,7 +3548,7 @@
         </p:sp>
         <p:sp>
           <p:nvSpPr>
-            <p:cNvPr id="115" name="TextBox 114"/>
+            <p:cNvPr id="275" name="TextBox 274"/>
             <p:cNvSpPr txBox="1"/>
             <p:nvPr/>
           </p:nvSpPr>
@@ -3579,7 +3579,7 @@
       </p:grpSp>
       <p:pic>
         <p:nvPicPr>
-          <p:cNvPr id="116" name="Picture 2" descr="C:\Users\Wendy\Documents\wwn20\Thesis\Chapter3\Figures\Ag_Au.png"/>
+          <p:cNvPr id="276" name="Picture 2" descr="C:\Users\Wendy\Documents\wwn20\Thesis\Chapter3\Figures\Ag_Au.png"/>
           <p:cNvPicPr>
             <a:picLocks noChangeAspect="1" noChangeArrowheads="1"/>
           </p:cNvPicPr>
@@ -3600,8 +3600,8 @@
         </p:blipFill>
         <p:spPr bwMode="auto">
           <a:xfrm>
-            <a:off x="4824635" y="71656"/>
-            <a:ext cx="4752329" cy="4091038"/>
+            <a:off x="4403341" y="-144289"/>
+            <a:ext cx="5185576" cy="4464000"/>
           </a:xfrm>
           <a:prstGeom prst="rect">
             <a:avLst/>
@@ -3620,28 +3620,28 @@
       </p:pic>
       <p:grpSp>
         <p:nvGrpSpPr>
-          <p:cNvPr id="117" name="Group 116"/>
+          <p:cNvPr id="277" name="Group 276"/>
           <p:cNvGrpSpPr/>
           <p:nvPr/>
         </p:nvGrpSpPr>
         <p:grpSpPr>
           <a:xfrm>
-            <a:off x="936575" y="4050854"/>
-            <a:ext cx="7416824" cy="2394222"/>
-            <a:chOff x="180082" y="3463405"/>
-            <a:chExt cx="7416824" cy="2394222"/>
+            <a:off x="115294" y="4696048"/>
+            <a:ext cx="6089975" cy="2028397"/>
+            <a:chOff x="115294" y="4590762"/>
+            <a:chExt cx="6089975" cy="2028397"/>
           </a:xfrm>
         </p:grpSpPr>
         <p:cxnSp>
           <p:nvCxnSpPr>
-            <p:cNvPr id="118" name="Straight Connector 117"/>
+            <p:cNvPr id="278" name="Straight Connector 277"/>
             <p:cNvCxnSpPr/>
             <p:nvPr/>
           </p:nvCxnSpPr>
           <p:spPr>
             <a:xfrm>
-              <a:off x="1248938" y="4777906"/>
-              <a:ext cx="6347968" cy="0"/>
+              <a:off x="1304876" y="5707326"/>
+              <a:ext cx="4900393" cy="0"/>
             </a:xfrm>
             <a:prstGeom prst="line">
               <a:avLst/>
@@ -3670,7 +3670,7 @@
         </p:cxnSp>
         <p:sp>
           <p:nvSpPr>
-            <p:cNvPr id="119" name="Freeform 118"/>
+            <p:cNvPr id="279" name="Freeform 278"/>
             <p:cNvSpPr>
               <a:spLocks noChangeAspect="1"/>
             </p:cNvSpPr>
@@ -3678,8 +3678,8 @@
           </p:nvSpPr>
           <p:spPr>
             <a:xfrm flipV="1">
-              <a:off x="2112705" y="3696013"/>
-              <a:ext cx="4424471" cy="2100693"/>
+              <a:off x="2038577" y="4788344"/>
+              <a:ext cx="3758235" cy="1784371"/>
             </a:xfrm>
             <a:custGeom>
               <a:avLst/>
@@ -4092,21 +4092,21 @@
         </p:sp>
         <p:grpSp>
           <p:nvGrpSpPr>
-            <p:cNvPr id="120" name="Group 119"/>
+            <p:cNvPr id="280" name="Group 279"/>
             <p:cNvGrpSpPr/>
             <p:nvPr/>
           </p:nvGrpSpPr>
           <p:grpSpPr>
             <a:xfrm>
-              <a:off x="2608207" y="4217946"/>
-              <a:ext cx="1170385" cy="1416671"/>
+              <a:off x="2459466" y="5231685"/>
+              <a:ext cx="994149" cy="1203349"/>
               <a:chOff x="2051720" y="4480592"/>
               <a:chExt cx="1462981" cy="1770839"/>
             </a:xfrm>
           </p:grpSpPr>
           <p:sp>
             <p:nvSpPr>
-              <p:cNvPr id="198" name="Oval 197"/>
+              <p:cNvPr id="308" name="Oval 307"/>
               <p:cNvSpPr/>
               <p:nvPr/>
             </p:nvSpPr>
@@ -4161,7 +4161,7 @@
           </p:sp>
           <p:sp>
             <p:nvSpPr>
-              <p:cNvPr id="199" name="Oval 198"/>
+              <p:cNvPr id="309" name="Oval 308"/>
               <p:cNvSpPr/>
               <p:nvPr/>
             </p:nvSpPr>
@@ -4212,21 +4212,21 @@
         </p:grpSp>
         <p:grpSp>
           <p:nvGrpSpPr>
-            <p:cNvPr id="121" name="Group 120"/>
+            <p:cNvPr id="281" name="Group 280"/>
             <p:cNvGrpSpPr/>
             <p:nvPr/>
           </p:nvGrpSpPr>
           <p:grpSpPr>
             <a:xfrm>
-              <a:off x="4907993" y="3883055"/>
-              <a:ext cx="1152000" cy="1415152"/>
+              <a:off x="4412951" y="4947221"/>
+              <a:ext cx="978532" cy="1202059"/>
               <a:chOff x="4859624" y="5186210"/>
               <a:chExt cx="1440000" cy="1768940"/>
             </a:xfrm>
           </p:grpSpPr>
           <p:sp>
             <p:nvSpPr>
-              <p:cNvPr id="196" name="Oval 195"/>
+              <p:cNvPr id="306" name="Oval 305"/>
               <p:cNvSpPr/>
               <p:nvPr/>
             </p:nvSpPr>
@@ -4281,7 +4281,7 @@
           </p:sp>
           <p:sp>
             <p:nvSpPr>
-              <p:cNvPr id="197" name="Oval 196"/>
+              <p:cNvPr id="307" name="Oval 306"/>
               <p:cNvSpPr/>
               <p:nvPr/>
             </p:nvSpPr>
@@ -4332,28 +4332,28 @@
         </p:grpSp>
         <p:grpSp>
           <p:nvGrpSpPr>
-            <p:cNvPr id="122" name="Group 121"/>
+            <p:cNvPr id="282" name="Group 281"/>
             <p:cNvGrpSpPr/>
             <p:nvPr/>
           </p:nvGrpSpPr>
           <p:grpSpPr>
             <a:xfrm>
-              <a:off x="2775790" y="4066137"/>
-              <a:ext cx="858758" cy="479033"/>
+              <a:off x="2589115" y="5115438"/>
+              <a:ext cx="729446" cy="507492"/>
               <a:chOff x="2261715" y="5095577"/>
-              <a:chExt cx="1073447" cy="598791"/>
+              <a:chExt cx="1073447" cy="746821"/>
             </a:xfrm>
           </p:grpSpPr>
           <p:sp>
             <p:nvSpPr>
-              <p:cNvPr id="193" name="TextBox 192"/>
+              <p:cNvPr id="303" name="TextBox 302"/>
               <p:cNvSpPr txBox="1"/>
               <p:nvPr/>
             </p:nvSpPr>
             <p:spPr>
               <a:xfrm>
                 <a:off x="2555081" y="5095577"/>
-                <a:ext cx="497525" cy="553998"/>
+                <a:ext cx="497525" cy="702029"/>
               </a:xfrm>
               <a:prstGeom prst="rect">
                 <a:avLst/>
@@ -4367,14 +4367,14 @@
               <a:lstStyle/>
               <a:p>
                 <a:r>
-                  <a:rPr lang="en-GB" sz="3000" dirty="0" smtClean="0">
+                  <a:rPr lang="en-GB" sz="2500" dirty="0" smtClean="0">
                     <a:solidFill>
                       <a:schemeClr val="bg1"/>
                     </a:solidFill>
                   </a:rPr>
                   <a:t>+</a:t>
                 </a:r>
-                <a:endParaRPr lang="en-GB" sz="3000" dirty="0">
+                <a:endParaRPr lang="en-GB" sz="2500" dirty="0">
                   <a:solidFill>
                     <a:schemeClr val="bg1"/>
                   </a:solidFill>
@@ -4384,14 +4384,14 @@
           </p:sp>
           <p:sp>
             <p:nvSpPr>
-              <p:cNvPr id="194" name="TextBox 193"/>
+              <p:cNvPr id="304" name="TextBox 303"/>
               <p:cNvSpPr txBox="1"/>
               <p:nvPr/>
             </p:nvSpPr>
             <p:spPr>
               <a:xfrm>
-                <a:off x="2261715" y="5140370"/>
-                <a:ext cx="497525" cy="553998"/>
+                <a:off x="2261715" y="5140369"/>
+                <a:ext cx="497525" cy="702029"/>
               </a:xfrm>
               <a:prstGeom prst="rect">
                 <a:avLst/>
@@ -4405,14 +4405,14 @@
               <a:lstStyle/>
               <a:p>
                 <a:r>
-                  <a:rPr lang="en-GB" sz="3000" dirty="0" smtClean="0">
+                  <a:rPr lang="en-GB" sz="2500" dirty="0" smtClean="0">
                     <a:solidFill>
                       <a:schemeClr val="bg1"/>
                     </a:solidFill>
                   </a:rPr>
                   <a:t>+</a:t>
                 </a:r>
-                <a:endParaRPr lang="en-GB" sz="3000" dirty="0">
+                <a:endParaRPr lang="en-GB" sz="2500" dirty="0">
                   <a:solidFill>
                     <a:schemeClr val="bg1"/>
                   </a:solidFill>
@@ -4422,14 +4422,14 @@
           </p:sp>
           <p:sp>
             <p:nvSpPr>
-              <p:cNvPr id="195" name="TextBox 194"/>
+              <p:cNvPr id="305" name="TextBox 304"/>
               <p:cNvSpPr txBox="1"/>
               <p:nvPr/>
             </p:nvSpPr>
             <p:spPr>
               <a:xfrm>
                 <a:off x="2837637" y="5132208"/>
-                <a:ext cx="497525" cy="553999"/>
+                <a:ext cx="497525" cy="702029"/>
               </a:xfrm>
               <a:prstGeom prst="rect">
                 <a:avLst/>
@@ -4443,14 +4443,14 @@
               <a:lstStyle/>
               <a:p>
                 <a:r>
-                  <a:rPr lang="en-GB" sz="3000" dirty="0" smtClean="0">
+                  <a:rPr lang="en-GB" sz="2500" dirty="0" smtClean="0">
                     <a:solidFill>
                       <a:schemeClr val="bg1"/>
                     </a:solidFill>
                   </a:rPr>
                   <a:t>+</a:t>
                 </a:r>
-                <a:endParaRPr lang="en-GB" sz="3000" dirty="0">
+                <a:endParaRPr lang="en-GB" sz="2500" dirty="0">
                   <a:solidFill>
                     <a:schemeClr val="bg1"/>
                   </a:solidFill>
@@ -4461,28 +4461,28 @@
         </p:grpSp>
         <p:grpSp>
           <p:nvGrpSpPr>
-            <p:cNvPr id="123" name="Group 122"/>
+            <p:cNvPr id="283" name="Group 282"/>
             <p:cNvGrpSpPr/>
             <p:nvPr/>
           </p:nvGrpSpPr>
           <p:grpSpPr>
             <a:xfrm>
-              <a:off x="5094114" y="3688083"/>
-              <a:ext cx="841505" cy="554390"/>
+              <a:off x="4571046" y="4781608"/>
+              <a:ext cx="714791" cy="596160"/>
               <a:chOff x="2261715" y="5095577"/>
-              <a:chExt cx="1051881" cy="692988"/>
+              <a:chExt cx="1051881" cy="877305"/>
             </a:xfrm>
           </p:grpSpPr>
           <p:sp>
             <p:nvSpPr>
-              <p:cNvPr id="190" name="TextBox 189"/>
+              <p:cNvPr id="300" name="TextBox 299"/>
               <p:cNvSpPr txBox="1"/>
               <p:nvPr/>
             </p:nvSpPr>
             <p:spPr>
               <a:xfrm>
                 <a:off x="2555081" y="5095577"/>
-                <a:ext cx="497525" cy="630942"/>
+                <a:ext cx="497525" cy="815260"/>
               </a:xfrm>
               <a:prstGeom prst="rect">
                 <a:avLst/>
@@ -4496,7 +4496,7 @@
               <a:lstStyle/>
               <a:p>
                 <a:r>
-                  <a:rPr lang="en-GB" sz="3500" dirty="0">
+                  <a:rPr lang="en-GB" sz="3000" dirty="0">
                     <a:solidFill>
                       <a:schemeClr val="bg1"/>
                     </a:solidFill>
@@ -4508,14 +4508,14 @@
           </p:sp>
           <p:sp>
             <p:nvSpPr>
-              <p:cNvPr id="191" name="TextBox 190"/>
+              <p:cNvPr id="301" name="TextBox 300"/>
               <p:cNvSpPr txBox="1"/>
               <p:nvPr/>
             </p:nvSpPr>
             <p:spPr>
               <a:xfrm>
-                <a:off x="2261715" y="5157623"/>
-                <a:ext cx="497525" cy="630942"/>
+                <a:off x="2261715" y="5157622"/>
+                <a:ext cx="497525" cy="815260"/>
               </a:xfrm>
               <a:prstGeom prst="rect">
                 <a:avLst/>
@@ -4529,7 +4529,7 @@
               <a:lstStyle/>
               <a:p>
                 <a:r>
-                  <a:rPr lang="en-GB" sz="3500" dirty="0">
+                  <a:rPr lang="en-GB" sz="3000" dirty="0">
                     <a:solidFill>
                       <a:schemeClr val="bg1"/>
                     </a:solidFill>
@@ -4541,14 +4541,14 @@
           </p:sp>
           <p:sp>
             <p:nvSpPr>
-              <p:cNvPr id="192" name="TextBox 191"/>
+              <p:cNvPr id="302" name="TextBox 301"/>
               <p:cNvSpPr txBox="1"/>
               <p:nvPr/>
             </p:nvSpPr>
             <p:spPr>
               <a:xfrm>
                 <a:off x="2816071" y="5153774"/>
-                <a:ext cx="497525" cy="630942"/>
+                <a:ext cx="497525" cy="815260"/>
               </a:xfrm>
               <a:prstGeom prst="rect">
                 <a:avLst/>
@@ -4562,7 +4562,7 @@
               <a:lstStyle/>
               <a:p>
                 <a:r>
-                  <a:rPr lang="en-GB" sz="3500" dirty="0">
+                  <a:rPr lang="en-GB" sz="3000" dirty="0">
                     <a:solidFill>
                       <a:schemeClr val="bg1"/>
                     </a:solidFill>
@@ -4575,28 +4575,28 @@
         </p:grpSp>
         <p:grpSp>
           <p:nvGrpSpPr>
-            <p:cNvPr id="124" name="Group 123"/>
+            <p:cNvPr id="284" name="Group 283"/>
             <p:cNvGrpSpPr/>
             <p:nvPr/>
           </p:nvGrpSpPr>
           <p:grpSpPr>
             <a:xfrm flipV="1">
-              <a:off x="5066729" y="5006211"/>
-              <a:ext cx="841505" cy="479033"/>
-              <a:chOff x="2261715" y="5095577"/>
-              <a:chExt cx="1051881" cy="598791"/>
+              <a:off x="4547784" y="5786951"/>
+              <a:ext cx="714791" cy="507492"/>
+              <a:chOff x="2261715" y="4947547"/>
+              <a:chExt cx="1051881" cy="746821"/>
             </a:xfrm>
           </p:grpSpPr>
           <p:sp>
             <p:nvSpPr>
-              <p:cNvPr id="187" name="TextBox 186"/>
+              <p:cNvPr id="297" name="TextBox 296"/>
               <p:cNvSpPr txBox="1"/>
               <p:nvPr/>
             </p:nvSpPr>
             <p:spPr>
               <a:xfrm>
-                <a:off x="2555081" y="5095577"/>
-                <a:ext cx="497525" cy="553998"/>
+                <a:off x="2555081" y="4947547"/>
+                <a:ext cx="497525" cy="702029"/>
               </a:xfrm>
               <a:prstGeom prst="rect">
                 <a:avLst/>
@@ -4610,14 +4610,14 @@
               <a:lstStyle/>
               <a:p>
                 <a:r>
-                  <a:rPr lang="en-GB" sz="3000" dirty="0" smtClean="0">
+                  <a:rPr lang="en-GB" sz="2500" dirty="0" smtClean="0">
                     <a:solidFill>
                       <a:schemeClr val="bg1"/>
                     </a:solidFill>
                   </a:rPr>
                   <a:t>+</a:t>
                 </a:r>
-                <a:endParaRPr lang="en-GB" sz="3000" dirty="0">
+                <a:endParaRPr lang="en-GB" sz="2500" dirty="0">
                   <a:solidFill>
                     <a:schemeClr val="bg1"/>
                   </a:solidFill>
@@ -4627,14 +4627,14 @@
           </p:sp>
           <p:sp>
             <p:nvSpPr>
-              <p:cNvPr id="188" name="TextBox 187"/>
+              <p:cNvPr id="298" name="TextBox 297"/>
               <p:cNvSpPr txBox="1"/>
               <p:nvPr/>
             </p:nvSpPr>
             <p:spPr>
               <a:xfrm>
-                <a:off x="2261715" y="5140370"/>
-                <a:ext cx="497525" cy="553998"/>
+                <a:off x="2261715" y="4992339"/>
+                <a:ext cx="497525" cy="702029"/>
               </a:xfrm>
               <a:prstGeom prst="rect">
                 <a:avLst/>
@@ -4648,14 +4648,14 @@
               <a:lstStyle/>
               <a:p>
                 <a:r>
-                  <a:rPr lang="en-GB" sz="3000" dirty="0" smtClean="0">
+                  <a:rPr lang="en-GB" sz="2500" dirty="0" smtClean="0">
                     <a:solidFill>
                       <a:schemeClr val="bg1"/>
                     </a:solidFill>
                   </a:rPr>
                   <a:t>+</a:t>
                 </a:r>
-                <a:endParaRPr lang="en-GB" sz="3000" dirty="0">
+                <a:endParaRPr lang="en-GB" sz="2500" dirty="0">
                   <a:solidFill>
                     <a:schemeClr val="bg1"/>
                   </a:solidFill>
@@ -4665,14 +4665,14 @@
           </p:sp>
           <p:sp>
             <p:nvSpPr>
-              <p:cNvPr id="189" name="TextBox 188"/>
+              <p:cNvPr id="299" name="TextBox 298"/>
               <p:cNvSpPr txBox="1"/>
               <p:nvPr/>
             </p:nvSpPr>
             <p:spPr>
               <a:xfrm>
-                <a:off x="2816071" y="5136521"/>
-                <a:ext cx="497525" cy="553998"/>
+                <a:off x="2816071" y="4988490"/>
+                <a:ext cx="497525" cy="702029"/>
               </a:xfrm>
               <a:prstGeom prst="rect">
                 <a:avLst/>
@@ -4686,14 +4686,14 @@
               <a:lstStyle/>
               <a:p>
                 <a:r>
-                  <a:rPr lang="en-GB" sz="3000" dirty="0" smtClean="0">
+                  <a:rPr lang="en-GB" sz="2500" dirty="0" smtClean="0">
                     <a:solidFill>
                       <a:schemeClr val="bg1"/>
                     </a:solidFill>
                   </a:rPr>
                   <a:t>+</a:t>
                 </a:r>
-                <a:endParaRPr lang="en-GB" sz="3000" dirty="0">
+                <a:endParaRPr lang="en-GB" sz="2500" dirty="0">
                   <a:solidFill>
                     <a:schemeClr val="bg1"/>
                   </a:solidFill>
@@ -4704,28 +4704,28 @@
         </p:grpSp>
         <p:grpSp>
           <p:nvGrpSpPr>
-            <p:cNvPr id="125" name="Group 124"/>
+            <p:cNvPr id="285" name="Group 284"/>
             <p:cNvGrpSpPr/>
             <p:nvPr/>
           </p:nvGrpSpPr>
           <p:grpSpPr>
             <a:xfrm flipV="1">
-              <a:off x="2730080" y="5303237"/>
-              <a:ext cx="841505" cy="554390"/>
-              <a:chOff x="2261715" y="5095577"/>
-              <a:chExt cx="1051881" cy="692988"/>
+              <a:off x="2562988" y="6022999"/>
+              <a:ext cx="714791" cy="596160"/>
+              <a:chOff x="2261715" y="4911260"/>
+              <a:chExt cx="1051881" cy="877305"/>
             </a:xfrm>
           </p:grpSpPr>
           <p:sp>
             <p:nvSpPr>
-              <p:cNvPr id="184" name="TextBox 183"/>
+              <p:cNvPr id="294" name="TextBox 293"/>
               <p:cNvSpPr txBox="1"/>
               <p:nvPr/>
             </p:nvSpPr>
             <p:spPr>
               <a:xfrm>
-                <a:off x="2555081" y="5095577"/>
-                <a:ext cx="497525" cy="630942"/>
+                <a:off x="2555081" y="4911260"/>
+                <a:ext cx="497525" cy="815260"/>
               </a:xfrm>
               <a:prstGeom prst="rect">
                 <a:avLst/>
@@ -4739,7 +4739,7 @@
               <a:lstStyle/>
               <a:p>
                 <a:r>
-                  <a:rPr lang="en-GB" sz="3500" dirty="0">
+                  <a:rPr lang="en-GB" sz="3000" dirty="0">
                     <a:solidFill>
                       <a:schemeClr val="bg1"/>
                     </a:solidFill>
@@ -4751,14 +4751,14 @@
           </p:sp>
           <p:sp>
             <p:nvSpPr>
-              <p:cNvPr id="185" name="TextBox 184"/>
+              <p:cNvPr id="295" name="TextBox 294"/>
               <p:cNvSpPr txBox="1"/>
               <p:nvPr/>
             </p:nvSpPr>
             <p:spPr>
               <a:xfrm>
-                <a:off x="2261715" y="5157623"/>
-                <a:ext cx="497525" cy="630942"/>
+                <a:off x="2261715" y="4973305"/>
+                <a:ext cx="497525" cy="815260"/>
               </a:xfrm>
               <a:prstGeom prst="rect">
                 <a:avLst/>
@@ -4772,7 +4772,7 @@
               <a:lstStyle/>
               <a:p>
                 <a:r>
-                  <a:rPr lang="en-GB" sz="3500" dirty="0">
+                  <a:rPr lang="en-GB" sz="3000" dirty="0">
                     <a:solidFill>
                       <a:schemeClr val="bg1"/>
                     </a:solidFill>
@@ -4784,14 +4784,14 @@
           </p:sp>
           <p:sp>
             <p:nvSpPr>
-              <p:cNvPr id="186" name="TextBox 185"/>
+              <p:cNvPr id="296" name="TextBox 295"/>
               <p:cNvSpPr txBox="1"/>
               <p:nvPr/>
             </p:nvSpPr>
             <p:spPr>
               <a:xfrm>
-                <a:off x="2816071" y="5153774"/>
-                <a:ext cx="497525" cy="630942"/>
+                <a:off x="2816071" y="4969456"/>
+                <a:ext cx="497525" cy="815260"/>
               </a:xfrm>
               <a:prstGeom prst="rect">
                 <a:avLst/>
@@ -4805,7 +4805,7 @@
               <a:lstStyle/>
               <a:p>
                 <a:r>
-                  <a:rPr lang="en-GB" sz="3500" dirty="0">
+                  <a:rPr lang="en-GB" sz="3000" dirty="0">
                     <a:solidFill>
                       <a:schemeClr val="bg1"/>
                     </a:solidFill>
@@ -4818,14 +4818,14 @@
         </p:grpSp>
         <p:sp>
           <p:nvSpPr>
-            <p:cNvPr id="126" name="TextBox 125"/>
+            <p:cNvPr id="286" name="TextBox 285"/>
             <p:cNvSpPr txBox="1"/>
             <p:nvPr/>
           </p:nvSpPr>
           <p:spPr>
             <a:xfrm>
-              <a:off x="276966" y="3463405"/>
-              <a:ext cx="2065181" cy="477054"/>
+              <a:off x="197588" y="4590762"/>
+              <a:ext cx="2421811" cy="477054"/>
             </a:xfrm>
             <a:prstGeom prst="rect">
               <a:avLst/>
@@ -4848,14 +4848,14 @@
         </p:sp>
         <p:sp>
           <p:nvSpPr>
-            <p:cNvPr id="127" name="TextBox 126"/>
+            <p:cNvPr id="287" name="TextBox 286"/>
             <p:cNvSpPr txBox="1"/>
             <p:nvPr/>
           </p:nvSpPr>
           <p:spPr>
             <a:xfrm>
-              <a:off x="252090" y="4146207"/>
-              <a:ext cx="1944217" cy="477054"/>
+              <a:off x="176459" y="5170748"/>
+              <a:ext cx="2169571" cy="477054"/>
             </a:xfrm>
             <a:prstGeom prst="rect">
               <a:avLst/>
@@ -4878,14 +4878,14 @@
         </p:sp>
         <p:sp>
           <p:nvSpPr>
-            <p:cNvPr id="128" name="TextBox 127"/>
+            <p:cNvPr id="288" name="TextBox 287"/>
             <p:cNvSpPr txBox="1"/>
             <p:nvPr/>
           </p:nvSpPr>
           <p:spPr>
             <a:xfrm>
-              <a:off x="180082" y="5128196"/>
-              <a:ext cx="2099229" cy="477054"/>
+              <a:off x="115294" y="6004869"/>
+              <a:ext cx="2765250" cy="477054"/>
             </a:xfrm>
             <a:prstGeom prst="rect">
               <a:avLst/>
@@ -4908,14 +4908,14 @@
         </p:sp>
         <p:sp>
           <p:nvSpPr>
-            <p:cNvPr id="129" name="Up Arrow 128"/>
+            <p:cNvPr id="289" name="Up Arrow 288"/>
             <p:cNvSpPr/>
             <p:nvPr/>
           </p:nvSpPr>
           <p:spPr>
             <a:xfrm>
-              <a:off x="3071453" y="4746359"/>
-              <a:ext cx="225507" cy="432048"/>
+              <a:off x="2852957" y="5680529"/>
+              <a:ext cx="191550" cy="366990"/>
             </a:xfrm>
             <a:prstGeom prst="upArrow">
               <a:avLst/>
@@ -4954,14 +4954,14 @@
         </p:sp>
         <p:sp>
           <p:nvSpPr>
-            <p:cNvPr id="130" name="Up Arrow 129"/>
+            <p:cNvPr id="290" name="Up Arrow 289"/>
             <p:cNvSpPr/>
             <p:nvPr/>
           </p:nvSpPr>
           <p:spPr>
             <a:xfrm flipV="1">
-              <a:off x="5371239" y="4329146"/>
-              <a:ext cx="225507" cy="432048"/>
+              <a:off x="4806441" y="5326140"/>
+              <a:ext cx="191550" cy="366990"/>
             </a:xfrm>
             <a:prstGeom prst="upArrow">
               <a:avLst/>
@@ -5000,14 +5000,14 @@
         </p:sp>
         <p:cxnSp>
           <p:nvCxnSpPr>
-            <p:cNvPr id="131" name="Straight Arrow Connector 130"/>
+            <p:cNvPr id="291" name="Straight Arrow Connector 290"/>
             <p:cNvCxnSpPr/>
             <p:nvPr/>
           </p:nvCxnSpPr>
           <p:spPr>
             <a:xfrm flipH="1" flipV="1">
-              <a:off x="2009104" y="3688083"/>
-              <a:ext cx="617489" cy="252377"/>
+              <a:off x="1950576" y="4781608"/>
+              <a:ext cx="524508" cy="214374"/>
             </a:xfrm>
             <a:prstGeom prst="straightConnector1">
               <a:avLst/>
@@ -5037,14 +5037,14 @@
         </p:cxnSp>
         <p:cxnSp>
           <p:nvCxnSpPr>
-            <p:cNvPr id="182" name="Straight Arrow Connector 181"/>
+            <p:cNvPr id="292" name="Straight Arrow Connector 291"/>
             <p:cNvCxnSpPr/>
             <p:nvPr/>
           </p:nvCxnSpPr>
           <p:spPr>
             <a:xfrm flipH="1" flipV="1">
-              <a:off x="2009104" y="4406999"/>
-              <a:ext cx="766687" cy="119266"/>
+              <a:off x="1950576" y="5392270"/>
+              <a:ext cx="651239" cy="101307"/>
             </a:xfrm>
             <a:prstGeom prst="straightConnector1">
               <a:avLst/>
@@ -5074,14 +5074,14 @@
         </p:cxnSp>
         <p:cxnSp>
           <p:nvCxnSpPr>
-            <p:cNvPr id="183" name="Straight Arrow Connector 182"/>
+            <p:cNvPr id="293" name="Straight Arrow Connector 292"/>
             <p:cNvCxnSpPr/>
             <p:nvPr/>
           </p:nvCxnSpPr>
           <p:spPr>
             <a:xfrm flipH="1">
-              <a:off x="2182593" y="5352874"/>
-              <a:ext cx="671296" cy="17072"/>
+              <a:off x="2097941" y="6195716"/>
+              <a:ext cx="570212" cy="14501"/>
             </a:xfrm>
             <a:prstGeom prst="straightConnector1">
               <a:avLst/>
@@ -5112,13 +5112,13 @@
       </p:grpSp>
       <p:sp>
         <p:nvSpPr>
-          <p:cNvPr id="200" name="TextBox 199"/>
+          <p:cNvPr id="310" name="TextBox 309"/>
           <p:cNvSpPr txBox="1"/>
           <p:nvPr/>
         </p:nvSpPr>
         <p:spPr>
           <a:xfrm>
-            <a:off x="4284538" y="18005"/>
+            <a:off x="4392712" y="-88315"/>
             <a:ext cx="648072" cy="553998"/>
           </a:xfrm>
           <a:prstGeom prst="rect">
@@ -5141,13 +5141,13 @@
       </p:sp>
       <p:sp>
         <p:nvSpPr>
-          <p:cNvPr id="201" name="TextBox 200"/>
+          <p:cNvPr id="311" name="TextBox 310"/>
           <p:cNvSpPr txBox="1"/>
           <p:nvPr/>
         </p:nvSpPr>
         <p:spPr>
           <a:xfrm>
-            <a:off x="287933" y="4018870"/>
+            <a:off x="-51568" y="4142050"/>
             <a:ext cx="648072" cy="553998"/>
           </a:xfrm>
           <a:prstGeom prst="rect">
@@ -5165,6 +5165,98 @@
               <a:rPr lang="en-GB" sz="3000" dirty="0" smtClean="0"/>
               <a:t>(c)</a:t>
             </a:r>
+          </a:p>
+        </p:txBody>
+      </p:sp>
+      <p:pic>
+        <p:nvPicPr>
+          <p:cNvPr id="312" name="Picture 3"/>
+          <p:cNvPicPr>
+            <a:picLocks noChangeAspect="1" noChangeArrowheads="1"/>
+          </p:cNvPicPr>
+          <p:nvPr/>
+        </p:nvPicPr>
+        <p:blipFill rotWithShape="1">
+          <a:blip r:embed="rId3" cstate="print">
+            <a:extLst>
+              <a:ext uri="{28A0092B-C50C-407E-A947-70E740481C1C}">
+                <a14:useLocalDpi xmlns:a14="http://schemas.microsoft.com/office/drawing/2010/main" val="0"/>
+              </a:ext>
+            </a:extLst>
+          </a:blip>
+          <a:srcRect l="36920" t="35563" r="37330" b="37848"/>
+          <a:stretch/>
+        </p:blipFill>
+        <p:spPr bwMode="auto">
+          <a:xfrm>
+            <a:off x="6879137" y="4500487"/>
+            <a:ext cx="2266103" cy="2340000"/>
+          </a:xfrm>
+          <a:prstGeom prst="rect">
+            <a:avLst/>
+          </a:prstGeom>
+          <a:noFill/>
+          <a:ln>
+            <a:noFill/>
+          </a:ln>
+          <a:effectLst/>
+          <a:extLst>
+            <a:ext uri="{909E8E84-426E-40DD-AFC4-6F175D3DCCD1}">
+              <a14:hiddenFill xmlns:a14="http://schemas.microsoft.com/office/drawing/2010/main">
+                <a:solidFill>
+                  <a:schemeClr val="accent1"/>
+                </a:solidFill>
+              </a14:hiddenFill>
+            </a:ext>
+            <a:ext uri="{91240B29-F687-4F45-9708-019B960494DF}">
+              <a14:hiddenLine xmlns:a14="http://schemas.microsoft.com/office/drawing/2010/main" w="9525">
+                <a:solidFill>
+                  <a:schemeClr val="tx1"/>
+                </a:solidFill>
+                <a:miter lim="800000"/>
+                <a:headEnd/>
+                <a:tailEnd/>
+              </a14:hiddenLine>
+            </a:ext>
+            <a:ext uri="{AF507438-7753-43E0-B8FC-AC1667EBCBE1}">
+              <a14:hiddenEffects xmlns:a14="http://schemas.microsoft.com/office/drawing/2010/main">
+                <a:effectLst>
+                  <a:outerShdw dist="35921" dir="2700000" algn="ctr" rotWithShape="0">
+                    <a:schemeClr val="bg2"/>
+                  </a:outerShdw>
+                </a:effectLst>
+              </a14:hiddenEffects>
+            </a:ext>
+          </a:extLst>
+        </p:spPr>
+      </p:pic>
+      <p:sp>
+        <p:nvSpPr>
+          <p:cNvPr id="313" name="TextBox 312"/>
+          <p:cNvSpPr txBox="1"/>
+          <p:nvPr/>
+        </p:nvSpPr>
+        <p:spPr>
+          <a:xfrm>
+            <a:off x="6205269" y="4498509"/>
+            <a:ext cx="648072" cy="553998"/>
+          </a:xfrm>
+          <a:prstGeom prst="rect">
+            <a:avLst/>
+          </a:prstGeom>
+          <a:noFill/>
+        </p:spPr>
+        <p:txBody>
+          <a:bodyPr wrap="square" rtlCol="0">
+            <a:spAutoFit/>
+          </a:bodyPr>
+          <a:lstStyle/>
+          <a:p>
+            <a:r>
+              <a:rPr lang="en-GB" sz="3000" dirty="0" smtClean="0"/>
+              <a:t>(d)</a:t>
+            </a:r>
+            <a:endParaRPr lang="en-GB" sz="3000" dirty="0" smtClean="0"/>
           </a:p>
         </p:txBody>
       </p:sp>
